--- a/help/data-sheets/assets/StandardSupportDatasheet.pptx
+++ b/help/data-sheets/assets/StandardSupportDatasheet.pptx
@@ -273,30 +273,6 @@
     </pc:docChg>
   </pc:docChgLst>
   <pc:docChgLst>
-    <pc:chgData name="Ankita Sood" userId="S::asood@adobe.com::c93a62e3-2a47-429d-82c6-c2a8fd110ae7" providerId="AD" clId="Web-{50BEA215-43CC-DCCF-058B-AC2C3A37AC06}"/>
-    <pc:docChg chg="modSld">
-      <pc:chgData name="Ankita Sood" userId="S::asood@adobe.com::c93a62e3-2a47-429d-82c6-c2a8fd110ae7" providerId="AD" clId="Web-{50BEA215-43CC-DCCF-058B-AC2C3A37AC06}" dt="2022-01-20T19:40:10.448" v="1"/>
-      <pc:docMkLst>
-        <pc:docMk/>
-      </pc:docMkLst>
-      <pc:sldChg chg="modSp">
-        <pc:chgData name="Ankita Sood" userId="S::asood@adobe.com::c93a62e3-2a47-429d-82c6-c2a8fd110ae7" providerId="AD" clId="Web-{50BEA215-43CC-DCCF-058B-AC2C3A37AC06}" dt="2022-01-20T19:40:10.448" v="1"/>
-        <pc:sldMkLst>
-          <pc:docMk/>
-          <pc:sldMk cId="0" sldId="256"/>
-        </pc:sldMkLst>
-        <pc:graphicFrameChg chg="mod modGraphic">
-          <ac:chgData name="Ankita Sood" userId="S::asood@adobe.com::c93a62e3-2a47-429d-82c6-c2a8fd110ae7" providerId="AD" clId="Web-{50BEA215-43CC-DCCF-058B-AC2C3A37AC06}" dt="2022-01-20T19:40:10.448" v="1"/>
-          <ac:graphicFrameMkLst>
-            <pc:docMk/>
-            <pc:sldMk cId="0" sldId="256"/>
-            <ac:graphicFrameMk id="9" creationId="{00000000-0000-0000-0000-000000000000}"/>
-          </ac:graphicFrameMkLst>
-        </pc:graphicFrameChg>
-      </pc:sldChg>
-    </pc:docChg>
-  </pc:docChgLst>
-  <pc:docChgLst>
     <pc:chgData name="Akilah Johnson" userId="S::akjohnso@adobe.com::2fa3aa60-0c9c-4d06-bae2-795983241227" providerId="AD" clId="Web-{CF46E89E-48FC-BA32-13C5-654DDA452FDC}"/>
     <pc:docChg chg="modSld">
       <pc:chgData name="Akilah Johnson" userId="S::akjohnso@adobe.com::2fa3aa60-0c9c-4d06-bae2-795983241227" providerId="AD" clId="Web-{CF46E89E-48FC-BA32-13C5-654DDA452FDC}" dt="2021-10-12T17:00:50.675" v="21" actId="20577"/>
@@ -371,6 +347,30 @@
             <ac:spMk id="56" creationId="{00000000-0000-0000-0000-000000000000}"/>
           </ac:spMkLst>
         </pc:spChg>
+      </pc:sldChg>
+    </pc:docChg>
+  </pc:docChgLst>
+  <pc:docChgLst>
+    <pc:chgData name="Ankita Sood" userId="S::asood@adobe.com::c93a62e3-2a47-429d-82c6-c2a8fd110ae7" providerId="AD" clId="Web-{50BEA215-43CC-DCCF-058B-AC2C3A37AC06}"/>
+    <pc:docChg chg="modSld">
+      <pc:chgData name="Ankita Sood" userId="S::asood@adobe.com::c93a62e3-2a47-429d-82c6-c2a8fd110ae7" providerId="AD" clId="Web-{50BEA215-43CC-DCCF-058B-AC2C3A37AC06}" dt="2022-01-20T19:40:10.448" v="1"/>
+      <pc:docMkLst>
+        <pc:docMk/>
+      </pc:docMkLst>
+      <pc:sldChg chg="modSp">
+        <pc:chgData name="Ankita Sood" userId="S::asood@adobe.com::c93a62e3-2a47-429d-82c6-c2a8fd110ae7" providerId="AD" clId="Web-{50BEA215-43CC-DCCF-058B-AC2C3A37AC06}" dt="2022-01-20T19:40:10.448" v="1"/>
+        <pc:sldMkLst>
+          <pc:docMk/>
+          <pc:sldMk cId="0" sldId="256"/>
+        </pc:sldMkLst>
+        <pc:graphicFrameChg chg="mod modGraphic">
+          <ac:chgData name="Ankita Sood" userId="S::asood@adobe.com::c93a62e3-2a47-429d-82c6-c2a8fd110ae7" providerId="AD" clId="Web-{50BEA215-43CC-DCCF-058B-AC2C3A37AC06}" dt="2022-01-20T19:40:10.448" v="1"/>
+          <ac:graphicFrameMkLst>
+            <pc:docMk/>
+            <pc:sldMk cId="0" sldId="256"/>
+            <ac:graphicFrameMk id="9" creationId="{00000000-0000-0000-0000-000000000000}"/>
+          </ac:graphicFrameMkLst>
+        </pc:graphicFrameChg>
       </pc:sldChg>
     </pc:docChg>
   </pc:docChgLst>
@@ -515,7 +515,7 @@
           <a:p>
             <a:fld id="{A438815C-EDE5-F947-A55F-7634403F36C4}" type="datetimeFigureOut">
               <a:rPr lang="en-US" smtClean="0"/>
-              <a:t>1/20/2022</a:t>
+              <a:t>2/14/2022</a:t>
             </a:fld>
             <a:endParaRPr lang="en-US"/>
           </a:p>
@@ -1138,7 +1138,7 @@
           <a:p>
             <a:fld id="{1D8BD707-D9CF-40AE-B4C6-C98DA3205C09}" type="datetimeFigureOut">
               <a:rPr lang="en-US"/>
-              <a:t>1/20/2022</a:t>
+              <a:t>2/14/2022</a:t>
             </a:fld>
             <a:endParaRPr lang="en-US"/>
           </a:p>
@@ -1322,7 +1322,7 @@
           <a:p>
             <a:fld id="{1D8BD707-D9CF-40AE-B4C6-C98DA3205C09}" type="datetimeFigureOut">
               <a:rPr lang="en-US"/>
-              <a:t>1/20/2022</a:t>
+              <a:t>2/14/2022</a:t>
             </a:fld>
             <a:endParaRPr lang="en-US"/>
           </a:p>
@@ -1624,7 +1624,7 @@
           <a:p>
             <a:fld id="{1D8BD707-D9CF-40AE-B4C6-C98DA3205C09}" type="datetimeFigureOut">
               <a:rPr lang="en-US"/>
-              <a:t>1/20/2022</a:t>
+              <a:t>2/14/2022</a:t>
             </a:fld>
             <a:endParaRPr lang="en-US"/>
           </a:p>
@@ -1878,7 +1878,7 @@
         </p:nvSpPr>
         <p:spPr>
           <a:xfrm>
-            <a:off x="95250" y="7228840"/>
+            <a:off x="95250" y="7239974"/>
             <a:ext cx="2884717" cy="227626"/>
           </a:xfrm>
           <a:prstGeom prst="rect">
@@ -1897,7 +1897,7 @@
               </a:spcBef>
             </a:pPr>
             <a:r>
-              <a:rPr sz="1400" b="1" u="heavy" spc="10" dirty="0">
+              <a:rPr lang="de-DE" sz="1400" b="1" u="heavy" dirty="0">
                 <a:solidFill>
                   <a:srgbClr val="020302"/>
                 </a:solidFill>
@@ -1909,87 +1909,8 @@
                 <a:latin typeface="Adobe Clean"/>
                 <a:cs typeface="Adobe Clean"/>
               </a:rPr>
-              <a:t>Service </a:t>
+              <a:t>Service-Level-Ziele: Erste Reaktion</a:t>
             </a:r>
-            <a:r>
-              <a:rPr sz="1400" b="1" u="heavy" spc="-10" dirty="0">
-                <a:solidFill>
-                  <a:srgbClr val="020302"/>
-                </a:solidFill>
-                <a:uFill>
-                  <a:solidFill>
-                    <a:srgbClr val="020302"/>
-                  </a:solidFill>
-                </a:uFill>
-                <a:latin typeface="Adobe Clean"/>
-                <a:cs typeface="Adobe Clean"/>
-              </a:rPr>
-              <a:t>Level </a:t>
-            </a:r>
-            <a:r>
-              <a:rPr sz="1400" b="1" u="heavy" spc="-45" dirty="0">
-                <a:solidFill>
-                  <a:srgbClr val="020302"/>
-                </a:solidFill>
-                <a:uFill>
-                  <a:solidFill>
-                    <a:srgbClr val="020302"/>
-                  </a:solidFill>
-                </a:uFill>
-                <a:latin typeface="Adobe Clean"/>
-                <a:cs typeface="Adobe Clean"/>
-              </a:rPr>
-              <a:t>Targets: </a:t>
-            </a:r>
-            <a:r>
-              <a:rPr sz="1400" b="1" u="heavy" spc="-10" dirty="0">
-                <a:solidFill>
-                  <a:srgbClr val="020302"/>
-                </a:solidFill>
-                <a:uFill>
-                  <a:solidFill>
-                    <a:srgbClr val="020302"/>
-                  </a:solidFill>
-                </a:uFill>
-                <a:latin typeface="Adobe Clean"/>
-                <a:cs typeface="Adobe Clean"/>
-              </a:rPr>
-              <a:t>Initial</a:t>
-            </a:r>
-            <a:r>
-              <a:rPr lang="en-US" sz="1400" b="1" u="heavy" spc="-10" dirty="0">
-                <a:solidFill>
-                  <a:srgbClr val="020302"/>
-                </a:solidFill>
-                <a:uFill>
-                  <a:solidFill>
-                    <a:srgbClr val="020302"/>
-                  </a:solidFill>
-                </a:uFill>
-                <a:latin typeface="Adobe Clean"/>
-                <a:cs typeface="Adobe Clean"/>
-              </a:rPr>
-              <a:t> </a:t>
-            </a:r>
-            <a:r>
-              <a:rPr sz="1400" b="1" u="heavy" spc="-15" dirty="0">
-                <a:solidFill>
-                  <a:srgbClr val="020302"/>
-                </a:solidFill>
-                <a:uFill>
-                  <a:solidFill>
-                    <a:srgbClr val="020302"/>
-                  </a:solidFill>
-                </a:uFill>
-                <a:latin typeface="Adobe Clean"/>
-                <a:cs typeface="Adobe Clean"/>
-              </a:rPr>
-              <a:t>Response</a:t>
-            </a:r>
-            <a:endParaRPr sz="1400" dirty="0">
-              <a:latin typeface="Adobe Clean"/>
-              <a:cs typeface="Adobe Clean"/>
-            </a:endParaRPr>
           </a:p>
         </p:txBody>
       </p:sp>
@@ -2030,8 +1951,8 @@
         </p:nvSpPr>
         <p:spPr>
           <a:xfrm>
-            <a:off x="136772" y="813361"/>
-            <a:ext cx="6035427" cy="1089529"/>
+            <a:off x="136773" y="657543"/>
+            <a:ext cx="5654427" cy="1247457"/>
           </a:xfrm>
           <a:prstGeom prst="rect">
             <a:avLst/>
@@ -2052,7 +1973,7 @@
               </a:spcBef>
             </a:pPr>
             <a:r>
-              <a:rPr lang="en-US" sz="1200" b="1" dirty="0">
+              <a:rPr lang="de-DE" sz="1200" b="1" dirty="0">
                 <a:solidFill>
                   <a:schemeClr val="bg1"/>
                 </a:solidFill>
@@ -2060,7 +1981,7 @@
               <a:t>Standard</a:t>
             </a:r>
             <a:r>
-              <a:rPr lang="en-US" sz="1200" dirty="0">
+              <a:rPr lang="de-DE" sz="1200" dirty="0">
                 <a:solidFill>
                   <a:schemeClr val="bg1"/>
                 </a:solidFill>
@@ -2069,21 +1990,21 @@
               <a:t> | Enterprise | Elite</a:t>
             </a:r>
             <a:br>
-              <a:rPr lang="en-US" sz="900" dirty="0">
+              <a:rPr lang="de-DE" sz="900" dirty="0">
                 <a:latin typeface="Adobe Clean Light" panose="020B0303020404020204" pitchFamily="34" charset="0"/>
               </a:rPr>
             </a:br>
             <a:r>
-              <a:rPr lang="en-US" sz="900" dirty="0">
+              <a:rPr lang="de-DE" sz="900" dirty="0">
                 <a:solidFill>
                   <a:schemeClr val="bg1"/>
                 </a:solidFill>
                 <a:latin typeface="Adobe Clean SemiLight"/>
               </a:rPr>
-              <a:t>Adobe provides a comprehensive range of technical resources to help support your business included as part of your Experience Cloud license subscription. Online support includes access to personalized learning paths and monitored community forums via the Adobe Experience League. You can take advantage of our detailed and in-depth technical product documentation and current release notes published on </a:t>
+              <a:t>Adobe bietet eine umfangreiche Palette an technischen Ressourcen zur Unterstützung Ihres Unternehmens. Diese sind Teil des Experience Cloud-Lizenzabonnements. Online Support bietet über die Adobe Experience League Zugang zu personalisierten Lernpfaden und von Moderatoren betreuten Community-Foren. Ihnen stehen unsere umfangreiche technische Produktdokumentation sowie aktuelle Versionshinweise unter </a:t>
             </a:r>
             <a:r>
-              <a:rPr lang="en-US" sz="900" u="sng" dirty="0">
+              <a:rPr lang="de-DE" sz="900" u="sng" dirty="0">
                 <a:solidFill>
                   <a:schemeClr val="bg1"/>
                 </a:solidFill>
@@ -2096,24 +2017,42 @@
                   </a:extLst>
                 </a:hlinkClick>
               </a:rPr>
-              <a:t>http://www.adobe.com. </a:t>
+              <a:t>http://www.adobe.com</a:t>
             </a:r>
             <a:r>
-              <a:rPr lang="en-US" sz="900" dirty="0">
+              <a:rPr lang="de-DE" sz="900" dirty="0">
                 <a:solidFill>
                   <a:schemeClr val="bg1"/>
                 </a:solidFill>
                 <a:latin typeface="Adobe Clean SemiLight"/>
               </a:rPr>
-              <a:t>Our Online package also includes access to our technical support teams for any critical P1 product issues via telephone to help protect your business at the most critical times as well as providing the ability to log lower priority requests for assistance via support web portal.</a:t>
+              <a:t> zur Verfügung.</a:t>
             </a:r>
-            <a:endParaRPr lang="en-US" sz="900" dirty="0">
-              <a:solidFill>
-                <a:schemeClr val="bg1"/>
-              </a:solidFill>
-              <a:latin typeface="Adobe Clean SemiLight"/>
-              <a:cs typeface="AdobeClean-Light"/>
-            </a:endParaRPr>
+            <a:r>
+              <a:rPr lang="de-DE" sz="900" u="sng" dirty="0">
+                <a:solidFill>
+                  <a:schemeClr val="bg1"/>
+                </a:solidFill>
+                <a:latin typeface="Adobe Clean SemiLight"/>
+                <a:hlinkClick r:id="rId4">
+                  <a:extLst>
+                    <a:ext uri="{A12FA001-AC4F-418D-AE19-62706E023703}">
+                      <ahyp:hlinkClr xmlns:ahyp="http://schemas.microsoft.com/office/drawing/2018/hyperlinkcolor" val="tx"/>
+                    </a:ext>
+                  </a:extLst>
+                </a:hlinkClick>
+              </a:rPr>
+              <a:t> </a:t>
+            </a:r>
+            <a:r>
+              <a:rPr lang="de-DE" sz="900" dirty="0">
+                <a:solidFill>
+                  <a:schemeClr val="bg1"/>
+                </a:solidFill>
+                <a:latin typeface="Adobe Clean SemiLight"/>
+              </a:rPr>
+              <a:t>Unser Online-Paket bietet auch telefonischen Kontakt zu unseren Teams vom technischen Support für alle kritischen P1-Produktprobleme zum Schutz Ihres Unternehmens in kritischen Zeiten. Außerdem haben Sie die Möglichkeit, Anfragen mit geringerer Priorität über das Support-Web-Portal zu übermitteln, um Unterstützung zu erhalten.</a:t>
+            </a:r>
           </a:p>
         </p:txBody>
       </p:sp>
@@ -2155,14 +2094,14 @@
           <p:nvPr>
             <p:extLst>
               <p:ext uri="{D42A27DB-BD31-4B8C-83A1-F6EECF244321}">
-                <p14:modId xmlns:p14="http://schemas.microsoft.com/office/powerpoint/2010/main" val="2360421745"/>
+                <p14:modId xmlns:p14="http://schemas.microsoft.com/office/powerpoint/2010/main" val="4129952599"/>
               </p:ext>
             </p:extLst>
           </p:nvPr>
         </p:nvGraphicFramePr>
         <p:xfrm>
-          <a:off x="0" y="1938946"/>
-          <a:ext cx="7705343" cy="5227197"/>
+          <a:off x="0" y="1916090"/>
+          <a:ext cx="7705343" cy="5246710"/>
         </p:xfrm>
         <a:graphic>
           <a:graphicData uri="http://schemas.openxmlformats.org/drawingml/2006/table">
@@ -2242,29 +2181,15 @@
                         </a:spcBef>
                       </a:pPr>
                       <a:r>
-                        <a:rPr lang="en-US" sz="900" spc="0" dirty="0">
+                        <a:rPr lang="de-DE" sz="900">
                           <a:solidFill>
                             <a:srgbClr val="404040"/>
                           </a:solidFill>
                           <a:latin typeface="Adobe Clean"/>
                           <a:cs typeface="Adobe Clean"/>
                         </a:rPr>
-                        <a:t>Standard </a:t>
+                        <a:t>Standard Support</a:t>
                       </a:r>
-                      <a:r>
-                        <a:rPr sz="900" spc="0" dirty="0">
-                          <a:solidFill>
-                            <a:srgbClr val="404040"/>
-                          </a:solidFill>
-                          <a:latin typeface="Adobe Clean"/>
-                          <a:cs typeface="Adobe Clean"/>
-                        </a:rPr>
-                        <a:t>Support</a:t>
-                      </a:r>
-                      <a:endParaRPr sz="900" spc="0" dirty="0">
-                        <a:latin typeface="Adobe Clean"/>
-                        <a:cs typeface="Adobe Clean"/>
-                      </a:endParaRPr>
                     </a:p>
                   </a:txBody>
                   <a:tcPr marL="0" marR="0" marT="7620" marB="0" anchor="ctr">
@@ -2299,7 +2224,7 @@
                         </a:spcBef>
                       </a:pPr>
                       <a:r>
-                        <a:rPr lang="en-US" sz="900" spc="0" dirty="0">
+                        <a:rPr lang="de-DE" sz="900">
                           <a:solidFill>
                             <a:srgbClr val="FFFFFF"/>
                           </a:solidFill>
@@ -2307,9 +2232,6 @@
                         </a:rPr>
                         <a:t>Enterprise Support</a:t>
                       </a:r>
-                      <a:endParaRPr sz="900" spc="0" dirty="0">
-                        <a:latin typeface="Adobe Clean"/>
-                      </a:endParaRPr>
                     </a:p>
                   </a:txBody>
                   <a:tcPr marL="0" marR="0" marT="7620" marB="0" anchor="ctr">
@@ -2350,7 +2272,7 @@
                         </a:spcBef>
                       </a:pPr>
                       <a:r>
-                        <a:rPr lang="en-US" sz="900" spc="0" dirty="0">
+                        <a:rPr lang="de-DE" sz="900">
                           <a:solidFill>
                             <a:srgbClr val="FFFFFF"/>
                           </a:solidFill>
@@ -2359,9 +2281,6 @@
                         </a:rPr>
                         <a:t>Elite Support</a:t>
                       </a:r>
-                      <a:endParaRPr sz="900" spc="0" dirty="0">
-                        <a:latin typeface="Adobe Clean"/>
-                      </a:endParaRPr>
                     </a:p>
                   </a:txBody>
                   <a:tcPr marL="0" marR="0" marT="7620" marB="0" anchor="ctr">
@@ -2426,7 +2345,7 @@
                     <a:bodyPr/>
                     <a:lstStyle/>
                     <a:p>
-                      <a:pPr marL="255904" marR="248920" indent="-25400">
+                      <a:pPr marL="255904" marR="248920" indent="-25400" algn="l" rtl="0">
                         <a:lnSpc>
                           <a:spcPct val="100000"/>
                         </a:lnSpc>
@@ -2471,7 +2390,7 @@
                     <a:bodyPr/>
                     <a:lstStyle/>
                     <a:p>
-                      <a:pPr marL="934085">
+                      <a:pPr marL="934085" algn="l" rtl="0">
                         <a:lnSpc>
                           <a:spcPct val="100000"/>
                         </a:lnSpc>
@@ -2549,22 +2468,15 @@
                         </a:spcBef>
                       </a:pPr>
                       <a:r>
-                        <a:rPr lang="en-US" sz="1000" b="1" i="0" spc="0" dirty="0">
+                        <a:rPr lang="de-DE" sz="1000" b="1" i="0">
                           <a:solidFill>
                             <a:schemeClr val="bg1"/>
                           </a:solidFill>
                           <a:latin typeface="Adobe Clean" panose="020B0503020404020204" pitchFamily="34" charset="0"/>
                           <a:cs typeface="AdobeClean-Light"/>
                         </a:rPr>
-                        <a:t>Assigned Experts</a:t>
+                        <a:t>Zugewiesene Experten</a:t>
                       </a:r>
-                      <a:endParaRPr sz="1000" b="1" i="0" spc="0" dirty="0">
-                        <a:solidFill>
-                          <a:schemeClr val="bg1"/>
-                        </a:solidFill>
-                        <a:latin typeface="Adobe Clean" panose="020B0503020404020204" pitchFamily="34" charset="0"/>
-                        <a:cs typeface="AdobeClean-Light"/>
-                      </a:endParaRPr>
                     </a:p>
                   </a:txBody>
                   <a:tcPr marL="0" marR="0" marT="58419" marB="0" anchor="ctr">
@@ -2611,7 +2523,7 @@
                         </a:spcBef>
                       </a:pPr>
                       <a:r>
-                        <a:rPr sz="900" spc="0" dirty="0">
+                        <a:rPr lang="de-DE" sz="900">
                           <a:solidFill>
                             <a:srgbClr val="020302"/>
                           </a:solidFill>
@@ -2620,10 +2532,6 @@
                         </a:rPr>
                         <a:t>Account Support Lead</a:t>
                       </a:r>
-                      <a:endParaRPr sz="900" spc="0" dirty="0">
-                        <a:latin typeface="AdobeClean-Light"/>
-                        <a:cs typeface="AdobeClean-Light"/>
-                      </a:endParaRPr>
                     </a:p>
                   </a:txBody>
                   <a:tcPr marL="0" marR="0" marT="58419" marB="0">
@@ -2652,7 +2560,7 @@
                     <a:bodyPr/>
                     <a:lstStyle/>
                     <a:p>
-                      <a:pPr>
+                      <a:pPr algn="l" rtl="0">
                         <a:lnSpc>
                           <a:spcPct val="100000"/>
                         </a:lnSpc>
@@ -2688,7 +2596,7 @@
                     <a:bodyPr/>
                     <a:lstStyle/>
                     <a:p>
-                      <a:pPr algn="ctr">
+                      <a:pPr algn="l" rtl="0">
                         <a:lnSpc>
                           <a:spcPct val="100000"/>
                         </a:lnSpc>
@@ -2716,7 +2624,7 @@
                     <a:bodyPr/>
                     <a:lstStyle/>
                     <a:p>
-                      <a:pPr algn="ctr">
+                      <a:pPr algn="l" rtl="0">
                         <a:lnSpc>
                           <a:spcPct val="100000"/>
                         </a:lnSpc>
@@ -2760,7 +2668,7 @@
                     <a:bodyPr/>
                     <a:lstStyle/>
                     <a:p>
-                      <a:pPr marL="50800">
+                      <a:pPr marL="50800" algn="l" rtl="0">
                         <a:lnSpc>
                           <a:spcPct val="100000"/>
                         </a:lnSpc>
@@ -2806,19 +2714,15 @@
                         </a:spcBef>
                       </a:pPr>
                       <a:r>
-                        <a:rPr sz="900" spc="0" dirty="0">
+                        <a:rPr lang="de-DE" sz="900">
                           <a:solidFill>
                             <a:srgbClr val="020302"/>
                           </a:solidFill>
                           <a:latin typeface="AdobeClean-Light"/>
                           <a:cs typeface="AdobeClean-Light"/>
                         </a:rPr>
-                        <a:t>Named Support Engineer</a:t>
+                        <a:t>Spezifischer Support-Mitarbeiter</a:t>
                       </a:r>
-                      <a:endParaRPr sz="900" spc="0" dirty="0">
-                        <a:latin typeface="AdobeClean-Light"/>
-                        <a:cs typeface="AdobeClean-Light"/>
-                      </a:endParaRPr>
                     </a:p>
                   </a:txBody>
                   <a:tcPr marL="0" marR="0" marT="58419" marB="0">
@@ -2841,7 +2745,7 @@
                     <a:bodyPr/>
                     <a:lstStyle/>
                     <a:p>
-                      <a:pPr>
+                      <a:pPr algn="l" rtl="0">
                         <a:lnSpc>
                           <a:spcPct val="100000"/>
                         </a:lnSpc>
@@ -2880,7 +2784,7 @@
                         </a:spcBef>
                       </a:pPr>
                       <a:r>
-                        <a:rPr sz="900" spc="0" dirty="0">
+                        <a:rPr lang="de-DE" sz="900">
                           <a:solidFill>
                             <a:srgbClr val="020302"/>
                           </a:solidFill>
@@ -2888,9 +2792,6 @@
                         </a:rPr>
                         <a:t></a:t>
                       </a:r>
-                      <a:endParaRPr sz="900" spc="0" dirty="0">
-                        <a:latin typeface="Wingdings"/>
-                      </a:endParaRPr>
                     </a:p>
                   </a:txBody>
                   <a:tcPr marL="0" marR="0" marT="0" marB="0"/>
@@ -2909,7 +2810,7 @@
                         </a:spcBef>
                       </a:pPr>
                       <a:r>
-                        <a:rPr lang="en-US" sz="900" spc="0">
+                        <a:rPr lang="de-DE" sz="900">
                           <a:solidFill>
                             <a:srgbClr val="020302"/>
                           </a:solidFill>
@@ -2918,9 +2819,6 @@
                         </a:rPr>
                         <a:t></a:t>
                       </a:r>
-                      <a:endParaRPr sz="900" spc="0" dirty="0">
-                        <a:latin typeface="Wingdings"/>
-                      </a:endParaRPr>
                     </a:p>
                   </a:txBody>
                   <a:tcPr marL="0" marR="0" marT="59055" marB="0">
@@ -2938,13 +2836,13 @@
                   </a:ext>
                 </a:extLst>
               </a:tr>
-              <a:tr h="264424">
+              <a:tr h="210268">
                 <a:tc vMerge="1">
                   <a:txBody>
                     <a:bodyPr/>
                     <a:lstStyle/>
                     <a:p>
-                      <a:pPr marL="50800">
+                      <a:pPr marL="50800" algn="l" rtl="0">
                         <a:lnSpc>
                           <a:spcPct val="100000"/>
                         </a:lnSpc>
@@ -3002,7 +2900,7 @@
                         </a:spcBef>
                       </a:pPr>
                       <a:r>
-                        <a:rPr sz="900" spc="0" dirty="0">
+                        <a:rPr lang="de-DE" sz="900" dirty="0">
                           <a:solidFill>
                             <a:srgbClr val="020302"/>
                           </a:solidFill>
@@ -3011,10 +2909,6 @@
                         </a:rPr>
                         <a:t>Technical Account Manager</a:t>
                       </a:r>
-                      <a:endParaRPr sz="900" spc="0" dirty="0">
-                        <a:latin typeface="AdobeClean-Light"/>
-                        <a:cs typeface="AdobeClean-Light"/>
-                      </a:endParaRPr>
                     </a:p>
                   </a:txBody>
                   <a:tcPr marL="0" marR="0" marT="63500" marB="0">
@@ -3043,7 +2937,7 @@
                     <a:bodyPr/>
                     <a:lstStyle/>
                     <a:p>
-                      <a:pPr>
+                      <a:pPr algn="l" rtl="0">
                         <a:lnSpc>
                           <a:spcPct val="100000"/>
                         </a:lnSpc>
@@ -3079,7 +2973,7 @@
                     <a:bodyPr/>
                     <a:lstStyle/>
                     <a:p>
-                      <a:pPr>
+                      <a:pPr algn="l" rtl="0">
                         <a:lnSpc>
                           <a:spcPct val="100000"/>
                         </a:lnSpc>
@@ -3110,7 +3004,7 @@
                         </a:lnSpc>
                       </a:pPr>
                       <a:r>
-                        <a:rPr lang="en-US" sz="900" spc="0">
+                        <a:rPr lang="de-DE" sz="900">
                           <a:solidFill>
                             <a:srgbClr val="020302"/>
                           </a:solidFill>
@@ -3119,10 +3013,6 @@
                         </a:rPr>
                         <a:t></a:t>
                       </a:r>
-                      <a:endParaRPr sz="900" spc="0" dirty="0">
-                        <a:latin typeface="Times New Roman"/>
-                        <a:cs typeface="Times New Roman"/>
-                      </a:endParaRPr>
                     </a:p>
                   </a:txBody>
                   <a:tcPr marL="0" marR="0" marT="64135" marB="0">
@@ -3164,22 +3054,15 @@
                         </a:spcBef>
                       </a:pPr>
                       <a:r>
-                        <a:rPr lang="en-US" sz="1000" b="1" i="0" spc="0" dirty="0">
+                        <a:rPr lang="de-DE" sz="1000" b="1" i="0">
                           <a:solidFill>
                             <a:schemeClr val="bg1"/>
                           </a:solidFill>
                           <a:latin typeface="Adobe Clean" panose="020B0503020404020204" pitchFamily="34" charset="0"/>
                           <a:cs typeface="AdobeClean-Light"/>
                         </a:rPr>
-                        <a:t>Support Services</a:t>
+                        <a:t>Support-Services</a:t>
                       </a:r>
-                      <a:endParaRPr sz="1000" b="1" i="0" spc="0" dirty="0">
-                        <a:solidFill>
-                          <a:schemeClr val="bg1"/>
-                        </a:solidFill>
-                        <a:latin typeface="Adobe Clean" panose="020B0503020404020204" pitchFamily="34" charset="0"/>
-                        <a:cs typeface="AdobeClean-Light"/>
-                      </a:endParaRPr>
                     </a:p>
                   </a:txBody>
                   <a:tcPr marL="0" marR="0" marT="57150" marB="0" anchor="ctr">
@@ -3235,29 +3118,15 @@
                         </a:spcBef>
                       </a:pPr>
                       <a:r>
-                        <a:rPr lang="en-US" sz="900" spc="0" dirty="0">
+                        <a:rPr lang="de-DE" sz="900" dirty="0">
                           <a:solidFill>
                             <a:srgbClr val="020302"/>
                           </a:solidFill>
                           <a:latin typeface="AdobeClean-Light"/>
                           <a:cs typeface="AdobeClean-Light"/>
                         </a:rPr>
-                        <a:t>Online </a:t>
+                        <a:t>Online Support</a:t>
                       </a:r>
-                      <a:r>
-                        <a:rPr sz="900" spc="0" dirty="0">
-                          <a:solidFill>
-                            <a:srgbClr val="020302"/>
-                          </a:solidFill>
-                          <a:latin typeface="AdobeClean-Light"/>
-                          <a:cs typeface="AdobeClean-Light"/>
-                        </a:rPr>
-                        <a:t> Support</a:t>
-                      </a:r>
-                      <a:endParaRPr sz="900" spc="0" dirty="0">
-                        <a:latin typeface="AdobeClean-Light"/>
-                        <a:cs typeface="AdobeClean-Light"/>
-                      </a:endParaRPr>
                     </a:p>
                   </a:txBody>
                   <a:tcPr marL="0" marR="0" marT="57150" marB="0">
@@ -3295,19 +3164,15 @@
                         </a:spcBef>
                       </a:pPr>
                       <a:r>
-                        <a:rPr sz="800" spc="0" dirty="0">
+                        <a:rPr lang="de-DE" sz="800">
                           <a:solidFill>
                             <a:srgbClr val="020302"/>
                           </a:solidFill>
                           <a:latin typeface="AdobeClean-Light"/>
                           <a:cs typeface="AdobeClean-Light"/>
                         </a:rPr>
-                        <a:t>Business hours</a:t>
+                        <a:t>Geschäftszeiten</a:t>
                       </a:r>
-                      <a:endParaRPr sz="800" spc="0" dirty="0">
-                        <a:latin typeface="AdobeClean-Light"/>
-                        <a:cs typeface="AdobeClean-Light"/>
-                      </a:endParaRPr>
                     </a:p>
                   </a:txBody>
                   <a:tcPr marL="0" marR="0" marT="67945" marB="0">
@@ -3344,7 +3209,7 @@
                         </a:spcBef>
                       </a:pPr>
                       <a:r>
-                        <a:rPr sz="800" spc="0" dirty="0">
+                        <a:rPr lang="de-DE" sz="800">
                           <a:solidFill>
                             <a:srgbClr val="020302"/>
                           </a:solidFill>
@@ -3352,9 +3217,6 @@
                         </a:rPr>
                         <a:t>24X5</a:t>
                       </a:r>
-                      <a:endParaRPr sz="800" spc="0" dirty="0">
-                        <a:latin typeface="AdobeClean-Light"/>
-                      </a:endParaRPr>
                     </a:p>
                   </a:txBody>
                   <a:tcPr marL="0" marR="0" marT="67945" marB="0">
@@ -3380,7 +3242,7 @@
                         </a:spcBef>
                       </a:pPr>
                       <a:r>
-                        <a:rPr lang="en-US" sz="800" spc="0">
+                        <a:rPr lang="de-DE" sz="800">
                           <a:solidFill>
                             <a:srgbClr val="020302"/>
                           </a:solidFill>
@@ -3389,9 +3251,6 @@
                         </a:rPr>
                         <a:t>24X5</a:t>
                       </a:r>
-                      <a:endParaRPr sz="800" spc="0" dirty="0">
-                        <a:latin typeface="AdobeClean-Light"/>
-                      </a:endParaRPr>
                     </a:p>
                   </a:txBody>
                   <a:tcPr marL="0" marR="0" marT="67945" marB="0">
@@ -3424,7 +3283,7 @@
                     <a:bodyPr/>
                     <a:lstStyle/>
                     <a:p>
-                      <a:pPr marL="50800">
+                      <a:pPr marL="50800" algn="l" rtl="0">
                         <a:lnSpc>
                           <a:spcPct val="100000"/>
                         </a:lnSpc>
@@ -3473,39 +3332,15 @@
                         </a:spcBef>
                       </a:pPr>
                       <a:r>
-                        <a:rPr sz="900" spc="0" dirty="0">
+                        <a:rPr lang="de-DE" sz="900" dirty="0">
                           <a:solidFill>
                             <a:srgbClr val="020302"/>
                           </a:solidFill>
                           <a:latin typeface="AdobeClean-Light"/>
                           <a:cs typeface="AdobeClean-Light"/>
                         </a:rPr>
-                        <a:t>24x7</a:t>
+                        <a:t>24x7x365 Support für Probleme der Kategorie P1</a:t>
                       </a:r>
-                      <a:r>
-                        <a:rPr lang="en-US" sz="900" spc="0" dirty="0">
-                          <a:solidFill>
-                            <a:srgbClr val="020302"/>
-                          </a:solidFill>
-                          <a:latin typeface="AdobeClean-Light"/>
-                          <a:cs typeface="AdobeClean-Light"/>
-                        </a:rPr>
-                        <a:t>x365</a:t>
-                      </a:r>
-                      <a:r>
-                        <a:rPr sz="900" spc="0" dirty="0">
-                          <a:solidFill>
-                            <a:srgbClr val="020302"/>
-                          </a:solidFill>
-                          <a:latin typeface="AdobeClean-Light"/>
-                          <a:cs typeface="AdobeClean-Light"/>
-                        </a:rPr>
-                        <a:t> P1 Issue Support</a:t>
-                      </a:r>
-                      <a:endParaRPr sz="900" spc="0" dirty="0">
-                        <a:latin typeface="AdobeClean-Light"/>
-                        <a:cs typeface="AdobeClean-Light"/>
-                      </a:endParaRPr>
                     </a:p>
                   </a:txBody>
                   <a:tcPr marL="0" marR="0" marT="57785" marB="0">
@@ -3537,7 +3372,7 @@
                         </a:spcBef>
                       </a:pPr>
                       <a:r>
-                        <a:rPr sz="900" spc="0" dirty="0">
+                        <a:rPr lang="de-DE" sz="900">
                           <a:solidFill>
                             <a:srgbClr val="020302"/>
                           </a:solidFill>
@@ -3546,10 +3381,6 @@
                         </a:rPr>
                         <a:t></a:t>
                       </a:r>
-                      <a:endParaRPr sz="900" spc="0">
-                        <a:latin typeface="Wingdings"/>
-                        <a:cs typeface="Wingdings"/>
-                      </a:endParaRPr>
                     </a:p>
                   </a:txBody>
                   <a:tcPr marL="0" marR="0" marT="58419" marB="0">
@@ -3580,7 +3411,7 @@
                         </a:spcBef>
                       </a:pPr>
                       <a:r>
-                        <a:rPr sz="900" spc="0" dirty="0">
+                        <a:rPr lang="de-DE" sz="900">
                           <a:solidFill>
                             <a:srgbClr val="020302"/>
                           </a:solidFill>
@@ -3588,9 +3419,6 @@
                         </a:rPr>
                         <a:t></a:t>
                       </a:r>
-                      <a:endParaRPr sz="900" spc="0" dirty="0">
-                        <a:latin typeface="Wingdings"/>
-                      </a:endParaRPr>
                     </a:p>
                   </a:txBody>
                   <a:tcPr marL="0" marR="0" marT="58419" marB="0"/>
@@ -3609,7 +3437,7 @@
                         </a:spcBef>
                       </a:pPr>
                       <a:r>
-                        <a:rPr lang="en-US" sz="900" spc="0">
+                        <a:rPr lang="de-DE" sz="900">
                           <a:solidFill>
                             <a:srgbClr val="020302"/>
                           </a:solidFill>
@@ -3618,9 +3446,6 @@
                         </a:rPr>
                         <a:t></a:t>
                       </a:r>
-                      <a:endParaRPr sz="900" spc="0" dirty="0">
-                        <a:latin typeface="Wingdings"/>
-                      </a:endParaRPr>
                     </a:p>
                   </a:txBody>
                   <a:tcPr marL="0" marR="0" marT="58419" marB="0">
@@ -3644,7 +3469,7 @@
                     <a:bodyPr/>
                     <a:lstStyle/>
                     <a:p>
-                      <a:pPr marL="50800">
+                      <a:pPr marL="50800" algn="l" rtl="0">
                         <a:lnSpc>
                           <a:spcPct val="100000"/>
                         </a:lnSpc>
@@ -3693,19 +3518,15 @@
                         </a:spcBef>
                       </a:pPr>
                       <a:r>
-                        <a:rPr lang="en-US" sz="900" spc="0" dirty="0">
+                        <a:rPr lang="de-DE" sz="900">
                           <a:solidFill>
                             <a:srgbClr val="020302"/>
                           </a:solidFill>
                           <a:latin typeface="AdobeClean-Light"/>
                           <a:cs typeface="AdobeClean-Light"/>
                         </a:rPr>
-                        <a:t>Named Support Contacts (per product)</a:t>
+                        <a:t>Spezifische Support-Kontakte (pro Produkt)</a:t>
                       </a:r>
-                      <a:endParaRPr sz="900" spc="0" dirty="0">
-                        <a:latin typeface="AdobeClean-Light"/>
-                        <a:cs typeface="AdobeClean-Light"/>
-                      </a:endParaRPr>
                     </a:p>
                   </a:txBody>
                   <a:tcPr marL="0" marR="0" marT="57785" marB="0">
@@ -3737,7 +3558,7 @@
                         </a:spcBef>
                       </a:pPr>
                       <a:r>
-                        <a:rPr sz="900" spc="0" dirty="0">
+                        <a:rPr lang="de-DE" sz="900">
                           <a:solidFill>
                             <a:srgbClr val="020302"/>
                           </a:solidFill>
@@ -3746,10 +3567,6 @@
                         </a:rPr>
                         <a:t>4</a:t>
                       </a:r>
-                      <a:endParaRPr sz="900" spc="0" dirty="0">
-                        <a:latin typeface="AdobeClean-Light"/>
-                        <a:cs typeface="AdobeClean-Light"/>
-                      </a:endParaRPr>
                     </a:p>
                   </a:txBody>
                   <a:tcPr marL="0" marR="0" marT="57785" marB="0">
@@ -3780,7 +3597,7 @@
                         </a:spcBef>
                       </a:pPr>
                       <a:r>
-                        <a:rPr sz="900" spc="0" dirty="0">
+                        <a:rPr lang="de-DE" sz="900">
                           <a:solidFill>
                             <a:srgbClr val="020302"/>
                           </a:solidFill>
@@ -3788,9 +3605,6 @@
                         </a:rPr>
                         <a:t>10</a:t>
                       </a:r>
-                      <a:endParaRPr sz="900" spc="0" dirty="0">
-                        <a:latin typeface="AdobeClean-Light"/>
-                      </a:endParaRPr>
                     </a:p>
                   </a:txBody>
                   <a:tcPr marL="0" marR="0" marT="57785" marB="0"/>
@@ -3809,7 +3623,7 @@
                         </a:spcBef>
                       </a:pPr>
                       <a:r>
-                        <a:rPr lang="en-US" sz="900" spc="0">
+                        <a:rPr lang="de-DE" sz="900">
                           <a:solidFill>
                             <a:srgbClr val="020302"/>
                           </a:solidFill>
@@ -3818,9 +3632,6 @@
                         </a:rPr>
                         <a:t>15</a:t>
                       </a:r>
-                      <a:endParaRPr sz="900" spc="0" dirty="0">
-                        <a:latin typeface="AdobeClean-Light"/>
-                      </a:endParaRPr>
                     </a:p>
                   </a:txBody>
                   <a:tcPr marL="0" marR="0" marT="57785" marB="0">
@@ -3844,7 +3655,7 @@
                     <a:bodyPr/>
                     <a:lstStyle/>
                     <a:p>
-                      <a:pPr marL="50800">
+                      <a:pPr marL="50800" algn="l" rtl="0">
                         <a:lnSpc>
                           <a:spcPct val="100000"/>
                         </a:lnSpc>
@@ -3893,19 +3704,15 @@
                         </a:spcBef>
                       </a:pPr>
                       <a:r>
-                        <a:rPr lang="en-US" sz="900" spc="0" dirty="0">
+                        <a:rPr lang="de-DE" sz="900">
                           <a:solidFill>
                             <a:srgbClr val="020302"/>
                           </a:solidFill>
                           <a:latin typeface="AdobeClean-Light"/>
                           <a:cs typeface="AdobeClean-Light"/>
                         </a:rPr>
-                        <a:t>Live Telephone Support</a:t>
+                        <a:t>Live-Telefon-Support</a:t>
                       </a:r>
-                      <a:endParaRPr sz="900" spc="0" dirty="0">
-                        <a:latin typeface="AdobeClean-Light"/>
-                        <a:cs typeface="AdobeClean-Light"/>
-                      </a:endParaRPr>
                     </a:p>
                   </a:txBody>
                   <a:tcPr marL="0" marR="0" marT="57785" marB="0">
@@ -3928,7 +3735,7 @@
                     <a:bodyPr/>
                     <a:lstStyle/>
                     <a:p>
-                      <a:pPr>
+                      <a:pPr algn="l" rtl="0">
                         <a:lnSpc>
                           <a:spcPct val="100000"/>
                         </a:lnSpc>
@@ -3967,7 +3774,7 @@
                         </a:spcBef>
                       </a:pPr>
                       <a:r>
-                        <a:rPr sz="900" spc="0" dirty="0">
+                        <a:rPr lang="de-DE" sz="900">
                           <a:solidFill>
                             <a:srgbClr val="020302"/>
                           </a:solidFill>
@@ -3975,9 +3782,6 @@
                         </a:rPr>
                         <a:t></a:t>
                       </a:r>
-                      <a:endParaRPr sz="900" spc="0" dirty="0">
-                        <a:latin typeface="Wingdings"/>
-                      </a:endParaRPr>
                     </a:p>
                   </a:txBody>
                   <a:tcPr marL="0" marR="0" marT="59054" marB="0"/>
@@ -3996,7 +3800,7 @@
                         </a:spcBef>
                       </a:pPr>
                       <a:r>
-                        <a:rPr lang="en-US" sz="900" spc="0">
+                        <a:rPr lang="de-DE" sz="900">
                           <a:solidFill>
                             <a:srgbClr val="020302"/>
                           </a:solidFill>
@@ -4005,9 +3809,6 @@
                         </a:rPr>
                         <a:t></a:t>
                       </a:r>
-                      <a:endParaRPr sz="900" spc="0" dirty="0">
-                        <a:latin typeface="Wingdings"/>
-                      </a:endParaRPr>
                     </a:p>
                   </a:txBody>
                   <a:tcPr marL="0" marR="0" marT="59054" marB="0">
@@ -4031,7 +3832,7 @@
                     <a:bodyPr/>
                     <a:lstStyle/>
                     <a:p>
-                      <a:pPr marL="50800">
+                      <a:pPr marL="50800" algn="l" rtl="0">
                         <a:lnSpc>
                           <a:spcPct val="100000"/>
                         </a:lnSpc>
@@ -4080,19 +3881,15 @@
                         </a:spcBef>
                       </a:pPr>
                       <a:r>
-                        <a:rPr sz="900" spc="0" dirty="0">
+                        <a:rPr lang="de-DE" sz="900">
                           <a:solidFill>
                             <a:srgbClr val="020302"/>
                           </a:solidFill>
                           <a:latin typeface="AdobeClean-Light"/>
                           <a:cs typeface="AdobeClean-Light"/>
                         </a:rPr>
-                        <a:t>Escalation Management</a:t>
+                        <a:t>Eskalations-Management</a:t>
                       </a:r>
-                      <a:endParaRPr sz="900" spc="0" dirty="0">
-                        <a:latin typeface="AdobeClean-Light"/>
-                        <a:cs typeface="AdobeClean-Light"/>
-                      </a:endParaRPr>
                     </a:p>
                   </a:txBody>
                   <a:tcPr marL="0" marR="0" marT="58419" marB="0">
@@ -4115,7 +3912,7 @@
                     <a:bodyPr/>
                     <a:lstStyle/>
                     <a:p>
-                      <a:pPr>
+                      <a:pPr algn="l" rtl="0">
                         <a:lnSpc>
                           <a:spcPct val="100000"/>
                         </a:lnSpc>
@@ -4154,7 +3951,7 @@
                         </a:spcBef>
                       </a:pPr>
                       <a:r>
-                        <a:rPr sz="900" spc="0" dirty="0">
+                        <a:rPr lang="de-DE" sz="900">
                           <a:solidFill>
                             <a:srgbClr val="020302"/>
                           </a:solidFill>
@@ -4162,9 +3959,6 @@
                         </a:rPr>
                         <a:t></a:t>
                       </a:r>
-                      <a:endParaRPr sz="900" spc="0" dirty="0">
-                        <a:latin typeface="Wingdings"/>
-                      </a:endParaRPr>
                     </a:p>
                   </a:txBody>
                   <a:tcPr marL="0" marR="0" marT="59690" marB="0"/>
@@ -4183,7 +3977,7 @@
                         </a:spcBef>
                       </a:pPr>
                       <a:r>
-                        <a:rPr lang="en-US" sz="900" spc="0">
+                        <a:rPr lang="de-DE" sz="900">
                           <a:solidFill>
                             <a:srgbClr val="020302"/>
                           </a:solidFill>
@@ -4192,9 +3986,6 @@
                         </a:rPr>
                         <a:t></a:t>
                       </a:r>
-                      <a:endParaRPr sz="900" spc="0" dirty="0">
-                        <a:latin typeface="Wingdings"/>
-                      </a:endParaRPr>
                     </a:p>
                   </a:txBody>
                   <a:tcPr marL="0" marR="0" marT="59690" marB="0">
@@ -4218,7 +4009,7 @@
                     <a:bodyPr/>
                     <a:lstStyle/>
                     <a:p>
-                      <a:pPr marL="50800">
+                      <a:pPr marL="50800" algn="l" rtl="0">
                         <a:lnSpc>
                           <a:spcPct val="100000"/>
                         </a:lnSpc>
@@ -4267,19 +4058,15 @@
                         </a:spcBef>
                       </a:pPr>
                       <a:r>
-                        <a:rPr sz="900" spc="0" dirty="0">
+                        <a:rPr lang="de-DE" sz="900">
                           <a:solidFill>
                             <a:srgbClr val="020302"/>
                           </a:solidFill>
                           <a:latin typeface="AdobeClean-Light"/>
                           <a:cs typeface="AdobeClean-Light"/>
                         </a:rPr>
-                        <a:t>Service Reviews  per Year</a:t>
+                        <a:t>Jährliche Service-Prüfung</a:t>
                       </a:r>
-                      <a:endParaRPr sz="900" spc="0" dirty="0">
-                        <a:latin typeface="AdobeClean-Light"/>
-                        <a:cs typeface="AdobeClean-Light"/>
-                      </a:endParaRPr>
                     </a:p>
                   </a:txBody>
                   <a:tcPr marL="0" marR="0" marT="57150" marB="0">
@@ -4302,7 +4089,7 @@
                     <a:bodyPr/>
                     <a:lstStyle/>
                     <a:p>
-                      <a:pPr>
+                      <a:pPr algn="l" rtl="0">
                         <a:lnSpc>
                           <a:spcPct val="100000"/>
                         </a:lnSpc>
@@ -4341,7 +4128,7 @@
                         </a:spcBef>
                       </a:pPr>
                       <a:r>
-                        <a:rPr sz="900" spc="0" dirty="0">
+                        <a:rPr lang="de-DE" sz="900">
                           <a:solidFill>
                             <a:srgbClr val="020302"/>
                           </a:solidFill>
@@ -4349,9 +4136,6 @@
                         </a:rPr>
                         <a:t>2</a:t>
                       </a:r>
-                      <a:endParaRPr sz="900" spc="0" dirty="0">
-                        <a:latin typeface="AdobeClean-Light"/>
-                      </a:endParaRPr>
                     </a:p>
                   </a:txBody>
                   <a:tcPr marL="0" marR="0" marT="0" marB="0"/>
@@ -4370,7 +4154,7 @@
                         </a:spcBef>
                       </a:pPr>
                       <a:r>
-                        <a:rPr lang="en-US" sz="900" spc="0">
+                        <a:rPr lang="de-DE" sz="900">
                           <a:solidFill>
                             <a:srgbClr val="020302"/>
                           </a:solidFill>
@@ -4379,9 +4163,6 @@
                         </a:rPr>
                         <a:t>4</a:t>
                       </a:r>
-                      <a:endParaRPr sz="900" spc="0" dirty="0">
-                        <a:latin typeface="AdobeClean-Light"/>
-                      </a:endParaRPr>
                     </a:p>
                   </a:txBody>
                   <a:tcPr marL="0" marR="0" marT="57150" marB="0">
@@ -4424,16 +4205,12 @@
                         </a:spcBef>
                       </a:pPr>
                       <a:r>
-                        <a:rPr lang="en-US" sz="900" spc="0" dirty="0">
+                        <a:rPr lang="de-DE" sz="900">
                           <a:latin typeface="AdobeClean-Light"/>
                           <a:cs typeface="AdobeClean-Light"/>
                         </a:rPr>
-                        <a:t>Expert Sessions per Year</a:t>
+                        <a:t>Jährliche Experten-Sessions</a:t>
                       </a:r>
-                      <a:endParaRPr sz="900" spc="0" dirty="0">
-                        <a:latin typeface="AdobeClean-Light"/>
-                        <a:cs typeface="AdobeClean-Light"/>
-                      </a:endParaRPr>
                     </a:p>
                   </a:txBody>
                   <a:tcPr marL="0" marR="0" marT="57150" marB="0">
@@ -4462,7 +4239,7 @@
                     <a:bodyPr/>
                     <a:lstStyle/>
                     <a:p>
-                      <a:pPr>
+                      <a:pPr algn="l" rtl="0">
                         <a:lnSpc>
                           <a:spcPct val="100000"/>
                         </a:lnSpc>
@@ -4504,14 +4281,11 @@
                         </a:spcBef>
                       </a:pPr>
                       <a:r>
-                        <a:rPr lang="en-US" sz="900" spc="0" dirty="0">
+                        <a:rPr lang="de-DE" sz="900">
                           <a:latin typeface="AdobeClean-Light"/>
                         </a:rPr>
                         <a:t>2</a:t>
                       </a:r>
-                      <a:endParaRPr sz="900" spc="0" dirty="0">
-                        <a:latin typeface="AdobeClean-Light"/>
-                      </a:endParaRPr>
                     </a:p>
                   </a:txBody>
                   <a:tcPr marL="0" marR="0" marT="0" marB="0"/>
@@ -4530,15 +4304,12 @@
                         </a:spcBef>
                       </a:pPr>
                       <a:r>
-                        <a:rPr lang="en-US" sz="900" spc="0">
+                        <a:rPr lang="de-DE" sz="900">
                           <a:latin typeface="AdobeClean-Light"/>
                           <a:cs typeface="AdobeClean-Light"/>
                         </a:rPr>
                         <a:t>4</a:t>
                       </a:r>
-                      <a:endParaRPr sz="900" spc="0" dirty="0">
-                        <a:latin typeface="AdobeClean-Light"/>
-                      </a:endParaRPr>
                     </a:p>
                   </a:txBody>
                   <a:tcPr marL="0" marR="0" marT="57150" marB="0">
@@ -4581,16 +4352,12 @@
                         </a:spcBef>
                       </a:pPr>
                       <a:r>
-                        <a:rPr lang="en-US" sz="900" spc="0" dirty="0">
+                        <a:rPr lang="de-DE" sz="900">
                           <a:latin typeface="AdobeClean-Light"/>
                           <a:cs typeface="AdobeClean-Light"/>
                         </a:rPr>
-                        <a:t>Case Reviews</a:t>
+                        <a:t>Fallprüfungen</a:t>
                       </a:r>
-                      <a:endParaRPr sz="900" spc="0" dirty="0">
-                        <a:latin typeface="AdobeClean-Light"/>
-                        <a:cs typeface="AdobeClean-Light"/>
-                      </a:endParaRPr>
                     </a:p>
                   </a:txBody>
                   <a:tcPr marL="0" marR="0" marT="57150" marB="0">
@@ -4619,7 +4386,7 @@
                     <a:bodyPr/>
                     <a:lstStyle/>
                     <a:p>
-                      <a:pPr>
+                      <a:pPr algn="l" rtl="0">
                         <a:lnSpc>
                           <a:spcPct val="100000"/>
                         </a:lnSpc>
@@ -4670,7 +4437,7 @@
                         <a:defRPr/>
                       </a:pPr>
                       <a:r>
-                        <a:rPr lang="en-US" sz="900" spc="0" dirty="0">
+                        <a:rPr lang="de-DE" sz="900">
                           <a:solidFill>
                             <a:srgbClr val="020302"/>
                           </a:solidFill>
@@ -4678,9 +4445,6 @@
                         </a:rPr>
                         <a:t></a:t>
                       </a:r>
-                      <a:endParaRPr lang="en-US" sz="900" spc="0" dirty="0">
-                        <a:latin typeface="Wingdings"/>
-                      </a:endParaRPr>
                     </a:p>
                   </a:txBody>
                   <a:tcPr marL="0" marR="0" marT="0" marB="0"/>
@@ -4708,7 +4472,7 @@
                         <a:defRPr/>
                       </a:pPr>
                       <a:r>
-                        <a:rPr lang="en-US" sz="900" spc="0">
+                        <a:rPr lang="de-DE" sz="900">
                           <a:solidFill>
                             <a:srgbClr val="020302"/>
                           </a:solidFill>
@@ -4717,9 +4481,6 @@
                         </a:rPr>
                         <a:t></a:t>
                       </a:r>
-                      <a:endParaRPr lang="en-US" sz="900" spc="0" dirty="0">
-                        <a:latin typeface="Wingdings"/>
-                      </a:endParaRPr>
                     </a:p>
                   </a:txBody>
                   <a:tcPr marL="0" marR="0" marT="57150" marB="0">
@@ -4743,7 +4504,7 @@
                     <a:bodyPr/>
                     <a:lstStyle/>
                     <a:p>
-                      <a:pPr marL="48895">
+                      <a:pPr marL="48895" algn="l" rtl="0">
                         <a:lnSpc>
                           <a:spcPct val="100000"/>
                         </a:lnSpc>
@@ -4792,19 +4553,15 @@
                         </a:spcBef>
                       </a:pPr>
                       <a:r>
-                        <a:rPr sz="900" spc="0" dirty="0">
+                        <a:rPr lang="de-DE" sz="900" dirty="0">
                           <a:solidFill>
                             <a:srgbClr val="020302"/>
                           </a:solidFill>
                           <a:latin typeface="AdobeClean-Light"/>
                           <a:cs typeface="AdobeClean-Light"/>
                         </a:rPr>
-                        <a:t>Event Management</a:t>
+                        <a:t>Ereignis-Management</a:t>
                       </a:r>
-                      <a:endParaRPr sz="900" spc="0" dirty="0">
-                        <a:latin typeface="AdobeClean-Light"/>
-                        <a:cs typeface="AdobeClean-Light"/>
-                      </a:endParaRPr>
                     </a:p>
                   </a:txBody>
                   <a:tcPr marL="0" marR="0" marT="58419" marB="0">
@@ -4827,7 +4584,7 @@
                     <a:bodyPr/>
                     <a:lstStyle/>
                     <a:p>
-                      <a:pPr>
+                      <a:pPr algn="l" rtl="0">
                         <a:lnSpc>
                           <a:spcPct val="100000"/>
                         </a:lnSpc>
@@ -4857,7 +4614,7 @@
                     <a:bodyPr/>
                     <a:lstStyle/>
                     <a:p>
-                      <a:pPr>
+                      <a:pPr algn="l" rtl="0">
                         <a:lnSpc>
                           <a:spcPct val="100000"/>
                         </a:lnSpc>
@@ -4881,7 +4638,7 @@
                         </a:lnSpc>
                       </a:pPr>
                       <a:r>
-                        <a:rPr lang="en-US" sz="900" spc="0">
+                        <a:rPr lang="de-DE" sz="900">
                           <a:solidFill>
                             <a:srgbClr val="020302"/>
                           </a:solidFill>
@@ -4890,10 +4647,6 @@
                         </a:rPr>
                         <a:t></a:t>
                       </a:r>
-                      <a:endParaRPr sz="900" spc="0" dirty="0">
-                        <a:latin typeface="Times New Roman"/>
-                        <a:cs typeface="Times New Roman"/>
-                      </a:endParaRPr>
                     </a:p>
                   </a:txBody>
                   <a:tcPr marL="0" marR="0" marT="59055" marB="0">
@@ -4917,7 +4670,7 @@
                     <a:bodyPr/>
                     <a:lstStyle/>
                     <a:p>
-                      <a:pPr marL="48895">
+                      <a:pPr marL="48895" algn="l" rtl="0">
                         <a:lnSpc>
                           <a:spcPct val="100000"/>
                         </a:lnSpc>
@@ -4975,34 +4728,14 @@
                         </a:spcBef>
                       </a:pPr>
                       <a:r>
-                        <a:rPr sz="900" spc="0" dirty="0">
+                        <a:rPr lang="de-DE" sz="900">
                           <a:solidFill>
                             <a:srgbClr val="020302"/>
                           </a:solidFill>
                           <a:latin typeface="AdobeClean-Light"/>
                           <a:cs typeface="AdobeClean-Light"/>
                         </a:rPr>
-                        <a:t>Environment</a:t>
-                      </a:r>
-                      <a:r>
-                        <a:rPr lang="en-US" sz="900" spc="0" dirty="0">
-                          <a:solidFill>
-                            <a:srgbClr val="020302"/>
-                          </a:solidFill>
-                          <a:latin typeface="AdobeClean-Light"/>
-                          <a:cs typeface="AdobeClean-Light"/>
-                        </a:rPr>
-                        <a:t> </a:t>
-                      </a:r>
-                      <a:r>
-                        <a:rPr sz="900" spc="0" dirty="0">
-                          <a:solidFill>
-                            <a:srgbClr val="020302"/>
-                          </a:solidFill>
-                          <a:latin typeface="AdobeClean-Light"/>
-                          <a:cs typeface="AdobeClean-Light"/>
-                        </a:rPr>
-                        <a:t>Review, Maintenance &amp; Monitoring</a:t>
+                        <a:t>Umgebungsbewertung, -wartung und -überwachung</a:t>
                       </a:r>
                     </a:p>
                   </a:txBody>
@@ -5032,7 +4765,7 @@
                     <a:bodyPr/>
                     <a:lstStyle/>
                     <a:p>
-                      <a:pPr>
+                      <a:pPr algn="l" rtl="0">
                         <a:lnSpc>
                           <a:spcPct val="100000"/>
                         </a:lnSpc>
@@ -5065,7 +4798,7 @@
                     <a:bodyPr/>
                     <a:lstStyle/>
                     <a:p>
-                      <a:pPr>
+                      <a:pPr algn="l" rtl="0">
                         <a:lnSpc>
                           <a:spcPct val="100000"/>
                         </a:lnSpc>
@@ -5089,7 +4822,7 @@
                         </a:lnSpc>
                       </a:pPr>
                       <a:r>
-                        <a:rPr lang="en-US" sz="900" spc="0">
+                        <a:rPr lang="de-DE" sz="900">
                           <a:solidFill>
                             <a:srgbClr val="020302"/>
                           </a:solidFill>
@@ -5098,10 +4831,6 @@
                         </a:rPr>
                         <a:t></a:t>
                       </a:r>
-                      <a:endParaRPr sz="900" spc="0" dirty="0">
-                        <a:latin typeface="Times New Roman"/>
-                        <a:cs typeface="Times New Roman"/>
-                      </a:endParaRPr>
                     </a:p>
                   </a:txBody>
                   <a:tcPr marL="0" marR="0" marT="60325" marB="0">
@@ -5125,7 +4854,7 @@
                     <a:bodyPr/>
                     <a:lstStyle/>
                     <a:p>
-                      <a:pPr marL="49530">
+                      <a:pPr marL="49530" algn="l" rtl="0">
                         <a:lnSpc>
                           <a:spcPct val="100000"/>
                         </a:lnSpc>
@@ -5174,19 +4903,34 @@
                         </a:spcBef>
                       </a:pPr>
                       <a:r>
-                        <a:rPr sz="900" spc="0" dirty="0">
+                        <a:rPr lang="de-DE" sz="900" dirty="0">
                           <a:solidFill>
                             <a:srgbClr val="020302"/>
                           </a:solidFill>
                           <a:latin typeface="AdobeClean-Light"/>
                           <a:cs typeface="AdobeClean-Light"/>
                         </a:rPr>
-                        <a:t>Release, Migration, Upgrade &amp; Product Roadmap Review</a:t>
+                        <a:t>Prüfung von Freigabe, Migration, Aktualisierung und </a:t>
                       </a:r>
-                      <a:endParaRPr sz="900" spc="0" dirty="0">
-                        <a:latin typeface="AdobeClean-Light"/>
-                        <a:cs typeface="AdobeClean-Light"/>
-                      </a:endParaRPr>
+                      <a:br>
+                        <a:rPr lang="de-DE" sz="900" dirty="0">
+                          <a:solidFill>
+                            <a:srgbClr val="020302"/>
+                          </a:solidFill>
+                          <a:latin typeface="AdobeClean-Light"/>
+                          <a:cs typeface="AdobeClean-Light"/>
+                        </a:rPr>
+                      </a:br>
+                      <a:r>
+                        <a:rPr lang="de-DE" sz="900" dirty="0">
+                          <a:solidFill>
+                            <a:srgbClr val="020302"/>
+                          </a:solidFill>
+                          <a:latin typeface="AdobeClean-Light"/>
+                          <a:cs typeface="AdobeClean-Light"/>
+                        </a:rPr>
+                        <a:t>Produkt-Roadmap</a:t>
+                      </a:r>
                     </a:p>
                   </a:txBody>
                   <a:tcPr marL="0" marR="0" marT="63500" marB="0">
@@ -5209,7 +4953,7 @@
                     <a:bodyPr/>
                     <a:lstStyle/>
                     <a:p>
-                      <a:pPr>
+                      <a:pPr algn="l" rtl="0">
                         <a:lnSpc>
                           <a:spcPct val="100000"/>
                         </a:lnSpc>
@@ -5239,7 +4983,7 @@
                     <a:bodyPr/>
                     <a:lstStyle/>
                     <a:p>
-                      <a:pPr>
+                      <a:pPr algn="l" rtl="0">
                         <a:lnSpc>
                           <a:spcPct val="100000"/>
                         </a:lnSpc>
@@ -5263,7 +5007,7 @@
                         </a:lnSpc>
                       </a:pPr>
                       <a:r>
-                        <a:rPr lang="en-US" sz="900" spc="0">
+                        <a:rPr lang="de-DE" sz="900">
                           <a:solidFill>
                             <a:srgbClr val="020302"/>
                           </a:solidFill>
@@ -5272,10 +5016,6 @@
                         </a:rPr>
                         <a:t></a:t>
                       </a:r>
-                      <a:endParaRPr sz="900" spc="0" dirty="0">
-                        <a:latin typeface="Times New Roman"/>
-                        <a:cs typeface="Times New Roman"/>
-                      </a:endParaRPr>
                     </a:p>
                   </a:txBody>
                   <a:tcPr marL="0" marR="0" marT="64135" marB="0">
@@ -5299,7 +5039,7 @@
                     <a:bodyPr/>
                     <a:lstStyle/>
                     <a:p>
-                      <a:pPr marL="49530">
+                      <a:pPr marL="49530" algn="l" rtl="0">
                         <a:lnSpc>
                           <a:spcPct val="100000"/>
                         </a:lnSpc>
@@ -5357,11 +5097,24 @@
                         </a:spcBef>
                       </a:pPr>
                       <a:r>
-                        <a:rPr sz="900" spc="0" dirty="0">
+                        <a:rPr lang="de-DE" sz="900" dirty="0">
                           <a:latin typeface="AdobeClean-Light"/>
                           <a:cs typeface="AdobeClean-Light"/>
                         </a:rPr>
-                        <a:t>Cloud Support Activities – Experience Manager as Cloud</a:t>
+                        <a:t>Cloud-Support-Aktivitäten – Experience Manager as </a:t>
+                      </a:r>
+                      <a:br>
+                        <a:rPr lang="de-DE" sz="900" dirty="0">
+                          <a:latin typeface="AdobeClean-Light"/>
+                          <a:cs typeface="AdobeClean-Light"/>
+                        </a:rPr>
+                      </a:br>
+                      <a:r>
+                        <a:rPr lang="de-DE" sz="900" dirty="0">
+                          <a:latin typeface="AdobeClean-Light"/>
+                          <a:cs typeface="AdobeClean-Light"/>
+                        </a:rPr>
+                        <a:t>a Cloud Service</a:t>
                       </a:r>
                     </a:p>
                   </a:txBody>
@@ -5391,7 +5144,7 @@
                     <a:bodyPr/>
                     <a:lstStyle/>
                     <a:p>
-                      <a:pPr>
+                      <a:pPr algn="l" rtl="0">
                         <a:lnSpc>
                           <a:spcPct val="100000"/>
                         </a:lnSpc>
@@ -5436,7 +5189,7 @@
                         </a:spcBef>
                       </a:pPr>
                       <a:r>
-                        <a:rPr sz="900" spc="0" dirty="0">
+                        <a:rPr lang="de-DE" sz="900">
                           <a:solidFill>
                             <a:srgbClr val="020302"/>
                           </a:solidFill>
@@ -5444,9 +5197,6 @@
                         </a:rPr>
                         <a:t></a:t>
                       </a:r>
-                      <a:endParaRPr sz="900" spc="0" dirty="0">
-                        <a:latin typeface="Wingdings"/>
-                      </a:endParaRPr>
                     </a:p>
                   </a:txBody>
                   <a:tcPr marL="0" marR="0" marT="0" marB="0">
@@ -5472,7 +5222,7 @@
                         </a:spcBef>
                       </a:pPr>
                       <a:r>
-                        <a:rPr lang="en-US" sz="900" spc="0">
+                        <a:rPr lang="de-DE" sz="900">
                           <a:solidFill>
                             <a:srgbClr val="020302"/>
                           </a:solidFill>
@@ -5481,9 +5231,6 @@
                         </a:rPr>
                         <a:t></a:t>
                       </a:r>
-                      <a:endParaRPr sz="900" spc="0" dirty="0">
-                        <a:latin typeface="Wingdings"/>
-                      </a:endParaRPr>
                     </a:p>
                   </a:txBody>
                   <a:tcPr marL="0" marR="0" marT="62230" marB="0">
@@ -5525,22 +5272,15 @@
                         </a:spcBef>
                       </a:pPr>
                       <a:r>
-                        <a:rPr lang="en-US" sz="1000" b="1" i="0" spc="0" dirty="0">
+                        <a:rPr lang="de-DE" sz="1000" b="1" i="0">
                           <a:solidFill>
                             <a:schemeClr val="bg1"/>
                           </a:solidFill>
                           <a:latin typeface="Adobe Clean" panose="020B0503020404020204" pitchFamily="34" charset="0"/>
                           <a:cs typeface="AdobeClean-Light"/>
                         </a:rPr>
-                        <a:t>Field Services</a:t>
+                        <a:t>Außendienst</a:t>
                       </a:r>
-                      <a:endParaRPr sz="1000" b="1" i="0" spc="0" dirty="0">
-                        <a:solidFill>
-                          <a:schemeClr val="bg1"/>
-                        </a:solidFill>
-                        <a:latin typeface="Adobe Clean" panose="020B0503020404020204" pitchFamily="34" charset="0"/>
-                        <a:cs typeface="AdobeClean-Light"/>
-                      </a:endParaRPr>
                     </a:p>
                   </a:txBody>
                   <a:tcPr marL="0" marR="0" marT="48260" marB="0" anchor="ctr">
@@ -5593,39 +5333,15 @@
                         </a:spcBef>
                       </a:pPr>
                       <a:r>
-                        <a:rPr sz="900" spc="0" dirty="0">
+                        <a:rPr lang="de-DE" sz="900" dirty="0">
                           <a:solidFill>
                             <a:srgbClr val="020302"/>
                           </a:solidFill>
                           <a:latin typeface="AdobeClean-Light"/>
                           <a:cs typeface="AdobeClean-Light"/>
                         </a:rPr>
-                        <a:t>Launch Advisory Services – First Year of </a:t>
+                        <a:t>Launch Advisory-Services – Erstes Jahr mit der neuen Lösung</a:t>
                       </a:r>
-                      <a:r>
-                        <a:rPr lang="en-US" sz="900" spc="0" dirty="0">
-                          <a:solidFill>
-                            <a:srgbClr val="020302"/>
-                          </a:solidFill>
-                          <a:latin typeface="AdobeClean-Light"/>
-                          <a:cs typeface="AdobeClean-Light"/>
-                        </a:rPr>
-                        <a:t>a </a:t>
-                      </a:r>
-                      <a:r>
-                        <a:rPr sz="900" spc="0" dirty="0">
-                          <a:solidFill>
-                            <a:srgbClr val="020302"/>
-                          </a:solidFill>
-                          <a:latin typeface="AdobeClean-Light"/>
-                          <a:cs typeface="AdobeClean-Light"/>
-                        </a:rPr>
-                        <a:t>new solution</a:t>
-                      </a:r>
-                      <a:endParaRPr sz="900" spc="0" dirty="0">
-                        <a:latin typeface="AdobeClean-Light"/>
-                        <a:cs typeface="AdobeClean-Light"/>
-                      </a:endParaRPr>
                     </a:p>
                     <a:p>
                       <a:pPr marL="48260">
@@ -5637,11 +5353,11 @@
                         </a:spcBef>
                       </a:pPr>
                       <a:r>
-                        <a:rPr sz="900" spc="0" dirty="0">
+                        <a:rPr lang="de-DE" sz="900" dirty="0">
                           <a:latin typeface="AdobeClean-Light"/>
                           <a:cs typeface="AdobeClean-Light"/>
                         </a:rPr>
-                        <a:t>Field Service Activities</a:t>
+                        <a:t>Außendienstaktivitäten</a:t>
                       </a:r>
                     </a:p>
                   </a:txBody>
@@ -5677,7 +5393,7 @@
                     <a:bodyPr/>
                     <a:lstStyle/>
                     <a:p>
-                      <a:pPr>
+                      <a:pPr algn="l" rtl="0">
                         <a:lnSpc>
                           <a:spcPct val="100000"/>
                         </a:lnSpc>
@@ -5722,7 +5438,7 @@
                         </a:spcBef>
                       </a:pPr>
                       <a:r>
-                        <a:rPr sz="900" spc="0" dirty="0">
+                        <a:rPr lang="de-DE" sz="900">
                           <a:solidFill>
                             <a:srgbClr val="020302"/>
                           </a:solidFill>
@@ -5730,9 +5446,6 @@
                         </a:rPr>
                         <a:t></a:t>
                       </a:r>
-                      <a:endParaRPr sz="900" spc="0" dirty="0">
-                        <a:latin typeface="Wingdings"/>
-                      </a:endParaRPr>
                     </a:p>
                   </a:txBody>
                   <a:tcPr marL="0" marR="0" marT="0" marB="0">
@@ -5758,7 +5471,7 @@
                         </a:spcBef>
                       </a:pPr>
                       <a:r>
-                        <a:rPr lang="en-US" sz="900" spc="0">
+                        <a:rPr lang="de-DE" sz="900">
                           <a:solidFill>
                             <a:srgbClr val="020302"/>
                           </a:solidFill>
@@ -5767,9 +5480,6 @@
                         </a:rPr>
                         <a:t></a:t>
                       </a:r>
-                      <a:endParaRPr sz="900" spc="0" dirty="0">
-                        <a:latin typeface="Wingdings"/>
-                      </a:endParaRPr>
                     </a:p>
                   </a:txBody>
                   <a:tcPr marL="0" marR="0" marT="56515" marB="0">
@@ -5796,7 +5506,7 @@
                   </a:ext>
                 </a:extLst>
               </a:tr>
-              <a:tr h="264893">
+              <a:tr h="165104">
                 <a:tc vMerge="1">
                   <a:txBody>
                     <a:bodyPr/>
@@ -5847,7 +5557,7 @@
                     <a:bodyPr/>
                     <a:lstStyle/>
                     <a:p>
-                      <a:pPr>
+                      <a:pPr algn="l" rtl="0">
                         <a:lnSpc>
                           <a:spcPct val="100000"/>
                         </a:lnSpc>
@@ -5892,7 +5602,7 @@
                         </a:spcBef>
                       </a:pPr>
                       <a:r>
-                        <a:rPr sz="900" spc="0" dirty="0">
+                        <a:rPr lang="de-DE" sz="900">
                           <a:solidFill>
                             <a:srgbClr val="020302"/>
                           </a:solidFill>
@@ -5900,9 +5610,6 @@
                         </a:rPr>
                         <a:t>2</a:t>
                       </a:r>
-                      <a:endParaRPr sz="900" spc="0" dirty="0">
-                        <a:latin typeface="AdobeClean-Light"/>
-                      </a:endParaRPr>
                     </a:p>
                   </a:txBody>
                   <a:tcPr marL="0" marR="0" marT="0" marB="0">
@@ -5928,7 +5635,7 @@
                         </a:spcBef>
                       </a:pPr>
                       <a:r>
-                        <a:rPr lang="en-US" sz="900" spc="0" dirty="0">
+                        <a:rPr lang="de-DE" sz="900" dirty="0">
                           <a:solidFill>
                             <a:srgbClr val="020302"/>
                           </a:solidFill>
@@ -5937,9 +5644,6 @@
                         </a:rPr>
                         <a:t>4</a:t>
                       </a:r>
-                      <a:endParaRPr sz="900" spc="0" dirty="0">
-                        <a:latin typeface="AdobeClean-Light"/>
-                      </a:endParaRPr>
                     </a:p>
                   </a:txBody>
                   <a:tcPr marL="0" marR="0" marT="50800" marB="0">
@@ -5980,7 +5684,7 @@
         <p:spPr>
           <a:xfrm>
             <a:off x="5307201" y="9862966"/>
-            <a:ext cx="2270125" cy="132729"/>
+            <a:ext cx="2398141" cy="132729"/>
           </a:xfrm>
           <a:prstGeom prst="rect">
             <a:avLst/>
@@ -6001,24 +5705,8 @@
               </a:spcBef>
             </a:pPr>
             <a:r>
-              <a:rPr spc="-5" dirty="0"/>
-              <a:t>©202</a:t>
-            </a:r>
-            <a:r>
-              <a:rPr lang="en-US" spc="-5" dirty="0"/>
-              <a:t>1</a:t>
-            </a:r>
-            <a:r>
-              <a:rPr spc="-5" dirty="0"/>
-              <a:t> Adobe. All Rights Reserved. Adobe</a:t>
-            </a:r>
-            <a:r>
-              <a:rPr spc="60" dirty="0"/>
-              <a:t> </a:t>
-            </a:r>
-            <a:r>
-              <a:rPr spc="-5" dirty="0"/>
-              <a:t>Confidential.</a:t>
+              <a:rPr lang="de-DE" dirty="0"/>
+              <a:t>©2021 Adobe. All Rights Reserved. Adobe Confidential.</a:t>
             </a:r>
           </a:p>
         </p:txBody>
@@ -6032,14 +5720,14 @@
           <p:nvPr>
             <p:extLst>
               <p:ext uri="{D42A27DB-BD31-4B8C-83A1-F6EECF244321}">
-                <p14:modId xmlns:p14="http://schemas.microsoft.com/office/powerpoint/2010/main" val="3124525812"/>
+                <p14:modId xmlns:p14="http://schemas.microsoft.com/office/powerpoint/2010/main" val="3800296144"/>
               </p:ext>
             </p:extLst>
           </p:nvPr>
         </p:nvGraphicFramePr>
         <p:xfrm>
           <a:off x="33527" y="7483227"/>
-          <a:ext cx="7671815" cy="2172787"/>
+          <a:ext cx="7671815" cy="2291858"/>
         </p:xfrm>
         <a:graphic>
           <a:graphicData uri="http://schemas.openxmlformats.org/drawingml/2006/table">
@@ -6092,19 +5780,15 @@
                         </a:spcBef>
                       </a:pPr>
                       <a:r>
-                        <a:rPr sz="900" spc="0" dirty="0">
+                        <a:rPr lang="de-DE" sz="900">
                           <a:solidFill>
                             <a:srgbClr val="020302"/>
                           </a:solidFill>
                           <a:latin typeface="Adobe Clean"/>
                           <a:cs typeface="Adobe Clean"/>
                         </a:rPr>
-                        <a:t>Priority</a:t>
+                        <a:t>Priorität</a:t>
                       </a:r>
-                      <a:endParaRPr sz="900" spc="0" dirty="0">
-                        <a:latin typeface="Adobe Clean"/>
-                        <a:cs typeface="Adobe Clean"/>
-                      </a:endParaRPr>
                     </a:p>
                   </a:txBody>
                   <a:tcPr marL="0" marR="0" marT="7620" marB="0" anchor="ctr">
@@ -6151,29 +5835,15 @@
                         </a:spcBef>
                       </a:pPr>
                       <a:r>
-                        <a:rPr lang="en-US" sz="900" spc="0" dirty="0">
+                        <a:rPr lang="de-DE" sz="900">
                           <a:solidFill>
                             <a:srgbClr val="020302"/>
                           </a:solidFill>
                           <a:latin typeface="Adobe Clean"/>
                           <a:cs typeface="Adobe Clean"/>
                         </a:rPr>
-                        <a:t>Standard  </a:t>
+                        <a:t>Standard Support</a:t>
                       </a:r>
-                      <a:r>
-                        <a:rPr sz="900" spc="0" dirty="0">
-                          <a:solidFill>
-                            <a:srgbClr val="020302"/>
-                          </a:solidFill>
-                          <a:latin typeface="Adobe Clean"/>
-                          <a:cs typeface="Adobe Clean"/>
-                        </a:rPr>
-                        <a:t>Support</a:t>
-                      </a:r>
-                      <a:endParaRPr sz="900" spc="0" dirty="0">
-                        <a:latin typeface="Adobe Clean"/>
-                        <a:cs typeface="Adobe Clean"/>
-                      </a:endParaRPr>
                     </a:p>
                   </a:txBody>
                   <a:tcPr marL="0" marR="0" marT="0" marB="0" anchor="ctr">
@@ -6223,39 +5893,15 @@
                         </a:spcBef>
                       </a:pPr>
                       <a:r>
-                        <a:rPr sz="900" spc="0" dirty="0">
+                        <a:rPr lang="de-DE" sz="900">
                           <a:solidFill>
                             <a:srgbClr val="FFFFFF"/>
                           </a:solidFill>
                           <a:latin typeface="Adobe Clean"/>
                           <a:cs typeface="Adobe Clean"/>
                         </a:rPr>
-                        <a:t>Enterprise </a:t>
+                        <a:t>Enterprise Support</a:t>
                       </a:r>
-                      <a:r>
-                        <a:rPr lang="en-US" sz="900" spc="0" dirty="0">
-                          <a:solidFill>
-                            <a:srgbClr val="FFFFFF"/>
-                          </a:solidFill>
-                          <a:latin typeface="Adobe Clean"/>
-                          <a:cs typeface="Adobe Clean"/>
-                        </a:rPr>
-                        <a:t> </a:t>
-                      </a:r>
-                      <a:r>
-                        <a:rPr sz="900" spc="0" dirty="0">
-                          <a:solidFill>
-                            <a:srgbClr val="FFFFFF"/>
-                          </a:solidFill>
-                          <a:latin typeface="Adobe Clean"/>
-                          <a:cs typeface="Adobe Clean"/>
-                        </a:rPr>
-                        <a:t>Support</a:t>
-                      </a:r>
-                      <a:endParaRPr sz="900" spc="0" dirty="0">
-                        <a:latin typeface="Adobe Clean"/>
-                        <a:cs typeface="Adobe Clean"/>
-                      </a:endParaRPr>
                     </a:p>
                   </a:txBody>
                   <a:tcPr marL="0" marR="0" marT="0" marB="0" anchor="ctr">
@@ -6308,39 +5954,15 @@
                         </a:spcBef>
                       </a:pPr>
                       <a:r>
-                        <a:rPr sz="900" spc="0" dirty="0">
+                        <a:rPr lang="de-DE" sz="900">
                           <a:solidFill>
                             <a:srgbClr val="FFFFFF"/>
                           </a:solidFill>
                           <a:latin typeface="Adobe Clean"/>
                           <a:cs typeface="Adobe Clean"/>
                         </a:rPr>
-                        <a:t>Elite</a:t>
+                        <a:t>Elite Support</a:t>
                       </a:r>
-                      <a:r>
-                        <a:rPr lang="en-US" sz="900" spc="0" dirty="0">
-                          <a:solidFill>
-                            <a:srgbClr val="FFFFFF"/>
-                          </a:solidFill>
-                          <a:latin typeface="Adobe Clean"/>
-                          <a:cs typeface="Adobe Clean"/>
-                        </a:rPr>
-                        <a:t> </a:t>
-                      </a:r>
-                      <a:r>
-                        <a:rPr sz="900" spc="0" dirty="0">
-                          <a:solidFill>
-                            <a:srgbClr val="FFFFFF"/>
-                          </a:solidFill>
-                          <a:latin typeface="Adobe Clean"/>
-                          <a:cs typeface="Adobe Clean"/>
-                        </a:rPr>
-                        <a:t>Support</a:t>
-                      </a:r>
-                      <a:endParaRPr sz="900" spc="0" dirty="0">
-                        <a:latin typeface="Adobe Clean"/>
-                        <a:cs typeface="Adobe Clean"/>
-                      </a:endParaRPr>
                     </a:p>
                   </a:txBody>
                   <a:tcPr marL="0" marR="0" marT="0" marB="0" anchor="ctr">
@@ -6397,19 +6019,15 @@
                         </a:spcBef>
                       </a:pPr>
                       <a:r>
-                        <a:rPr sz="900" b="1" spc="0" dirty="0">
+                        <a:rPr lang="de-DE" sz="820" b="1" dirty="0">
                           <a:solidFill>
                             <a:srgbClr val="020302"/>
                           </a:solidFill>
                           <a:latin typeface="Adobe Clean"/>
                           <a:cs typeface="Adobe Clean"/>
                         </a:rPr>
-                        <a:t>PRIORITY 1</a:t>
+                        <a:t>PRIORITÄT 1</a:t>
                       </a:r>
-                      <a:endParaRPr sz="900" spc="0" dirty="0">
-                        <a:latin typeface="Adobe Clean"/>
-                        <a:cs typeface="Adobe Clean"/>
-                      </a:endParaRPr>
                     </a:p>
                     <a:p>
                       <a:pPr marL="50800" marR="387985">
@@ -6421,19 +6039,14 @@
                         </a:spcBef>
                       </a:pPr>
                       <a:r>
-                        <a:rPr lang="en-US" sz="900" b="0" i="0" spc="0" dirty="0">
+                        <a:rPr lang="de-DE" sz="820" b="0" i="0" spc="-10" baseline="0" dirty="0">
                           <a:solidFill>
                             <a:srgbClr val="000000"/>
                           </a:solidFill>
-                          <a:effectLst/>
                           <a:latin typeface="Adobe Clean Light" panose="020B0303020404020204" pitchFamily="34" charset="0"/>
                         </a:rPr>
-                        <a:t>Customer's production business functions are down or have significant data loss or service degradation and immediate attention is required to restore functionality and usability. </a:t>
+                        <a:t>Die Produktionsfunktionen im Unternehmen des Kunden sind ausgefallen oder weisen einen erheblichen Datenverlust oder eine Beeinträchtigung des Service auf und ein sofortiges Eingreifen ist nötig, um Funktionalität und Nutzbarkeit wiederherzustellen. </a:t>
                       </a:r>
-                      <a:endParaRPr sz="900" spc="0" dirty="0">
-                        <a:latin typeface="AdobeClean-Light"/>
-                        <a:cs typeface="AdobeClean-Light"/>
-                      </a:endParaRPr>
                     </a:p>
                   </a:txBody>
                   <a:tcPr marL="0" marR="0" marT="0" marB="0" anchor="ctr">
@@ -6473,14 +6086,13 @@
                     <a:p>
                       <a:pPr algn="ctr" fontAlgn="t"/>
                       <a:r>
-                        <a:rPr lang="en-US" sz="900" b="0" i="0" u="none" strike="noStrike" dirty="0">
+                        <a:rPr lang="de-DE" sz="820" b="0" i="0" u="none" strike="noStrike">
                           <a:solidFill>
                             <a:srgbClr val="020302"/>
                           </a:solidFill>
-                          <a:effectLst/>
                           <a:latin typeface="AdobeClean-Light"/>
                         </a:rPr>
-                        <a:t>24x7 / 1 hour</a:t>
+                        <a:t>24x7/1 Stunde</a:t>
                       </a:r>
                     </a:p>
                   </a:txBody>
@@ -6518,14 +6130,13 @@
                     <a:p>
                       <a:pPr algn="ctr" fontAlgn="t"/>
                       <a:r>
-                        <a:rPr lang="en-US" sz="900" b="0" i="0" u="none" strike="noStrike" dirty="0">
+                        <a:rPr lang="de-DE" sz="820" b="0" i="0" u="none" strike="noStrike">
                           <a:solidFill>
                             <a:srgbClr val="020302"/>
                           </a:solidFill>
-                          <a:effectLst/>
                           <a:latin typeface="AdobeClean-Light"/>
                         </a:rPr>
-                        <a:t>24x7 / 30 minutes</a:t>
+                        <a:t>24x7/30 Minuten</a:t>
                       </a:r>
                     </a:p>
                   </a:txBody>
@@ -6572,14 +6183,13 @@
                     <a:p>
                       <a:pPr algn="ctr" fontAlgn="t"/>
                       <a:r>
-                        <a:rPr lang="en-US" sz="900" b="0" i="0" u="none" strike="noStrike" dirty="0">
+                        <a:rPr lang="de-DE" sz="820" b="0" i="0" u="none" strike="noStrike">
                           <a:solidFill>
                             <a:srgbClr val="020302"/>
                           </a:solidFill>
-                          <a:effectLst/>
                           <a:latin typeface="AdobeClean-Light"/>
                         </a:rPr>
-                        <a:t>24x7 / 15 minutes</a:t>
+                        <a:t>24x7/15 Minuten</a:t>
                       </a:r>
                     </a:p>
                   </a:txBody>
@@ -6631,19 +6241,15 @@
                         </a:spcBef>
                       </a:pPr>
                       <a:r>
-                        <a:rPr sz="900" b="1" spc="0" dirty="0">
+                        <a:rPr lang="de-DE" sz="820" b="1" dirty="0">
                           <a:solidFill>
                             <a:srgbClr val="020302"/>
                           </a:solidFill>
                           <a:latin typeface="Adobe Clean"/>
                           <a:cs typeface="Adobe Clean"/>
                         </a:rPr>
-                        <a:t>PRIORITY 2</a:t>
+                        <a:t>PRIORITÄT 2</a:t>
                       </a:r>
-                      <a:endParaRPr sz="900" spc="0" dirty="0">
-                        <a:latin typeface="Adobe Clean"/>
-                        <a:cs typeface="Adobe Clean"/>
-                      </a:endParaRPr>
                     </a:p>
                     <a:p>
                       <a:pPr marL="50165" marR="203200" indent="0" defTabSz="914400" eaLnBrk="1" fontAlgn="auto" latinLnBrk="0" hangingPunct="1">
@@ -6664,19 +6270,31 @@
                         <a:defRPr/>
                       </a:pPr>
                       <a:r>
-                        <a:rPr lang="en-US" sz="900" b="0" i="0" spc="0" dirty="0">
+                        <a:rPr lang="de-DE" sz="820" b="0" i="0" dirty="0">
                           <a:solidFill>
                             <a:srgbClr val="000000"/>
                           </a:solidFill>
-                          <a:effectLst/>
                           <a:latin typeface="Adobe Clean Light" panose="020B0303020404020204" pitchFamily="34" charset="0"/>
                         </a:rPr>
-                        <a:t>Customer's business functions have major service degradation or potential data loss, or a major feature is impacted </a:t>
+                        <a:t>Die Unternehmensfunktionen des Kunden weisen eine erhebliche Beeinträchtigung des Service oder möglichen Datenverlust auf oder eine </a:t>
                       </a:r>
-                      <a:endParaRPr sz="900" b="0" i="0" spc="0" dirty="0">
-                        <a:latin typeface="Adobe Clean Light" panose="020B0303020404020204" pitchFamily="34" charset="0"/>
-                        <a:cs typeface="AdobeClean-Light"/>
-                      </a:endParaRPr>
+                      <a:br>
+                        <a:rPr lang="de-DE" sz="820" b="0" i="0" dirty="0">
+                          <a:solidFill>
+                            <a:srgbClr val="000000"/>
+                          </a:solidFill>
+                          <a:latin typeface="Adobe Clean Light" panose="020B0303020404020204" pitchFamily="34" charset="0"/>
+                        </a:rPr>
+                      </a:br>
+                      <a:r>
+                        <a:rPr lang="de-DE" sz="820" b="0" i="0" dirty="0">
+                          <a:solidFill>
+                            <a:srgbClr val="000000"/>
+                          </a:solidFill>
+                          <a:latin typeface="Adobe Clean Light" panose="020B0303020404020204" pitchFamily="34" charset="0"/>
+                        </a:rPr>
+                        <a:t>zentrale Funktion ist betroffen </a:t>
+                      </a:r>
                     </a:p>
                   </a:txBody>
                   <a:tcPr marL="0" marR="0" marT="0" marB="0" anchor="ctr">
@@ -6716,113 +6334,127 @@
                     <a:p>
                       <a:pPr algn="ctr" fontAlgn="t"/>
                       <a:r>
-                        <a:rPr lang="en-US" sz="900" b="0" i="0" u="none" strike="noStrike" dirty="0">
+                        <a:rPr lang="de-DE" sz="820" b="0" i="0" u="none" strike="noStrike" dirty="0">
                           <a:solidFill>
                             <a:srgbClr val="020302"/>
                           </a:solidFill>
-                          <a:effectLst/>
                           <a:latin typeface="AdobeClean-Light"/>
                         </a:rPr>
-                        <a:t>Business hours / 4 hours</a:t>
+                        <a:t>Geschäftszeiten/</a:t>
                       </a:r>
-                    </a:p>
-                  </a:txBody>
-                  <a:tcPr marL="9525" marR="9525" marT="9525" marB="0" anchor="ctr">
-                    <a:lnL w="3175">
-                      <a:solidFill>
-                        <a:srgbClr val="B7B8B8"/>
-                      </a:solidFill>
-                      <a:prstDash val="solid"/>
-                    </a:lnL>
-                    <a:lnR w="3175">
-                      <a:solidFill>
-                        <a:srgbClr val="B7B8B8"/>
-                      </a:solidFill>
-                      <a:prstDash val="solid"/>
-                    </a:lnR>
-                    <a:lnT w="3175">
-                      <a:solidFill>
-                        <a:srgbClr val="B7B8B8"/>
-                      </a:solidFill>
-                      <a:prstDash val="solid"/>
-                    </a:lnT>
-                    <a:lnB w="3175">
-                      <a:solidFill>
-                        <a:srgbClr val="B7B8B8"/>
-                      </a:solidFill>
-                      <a:prstDash val="solid"/>
-                    </a:lnB>
-                  </a:tcPr>
-                </a:tc>
-                <a:tc>
-                  <a:txBody>
-                    <a:bodyPr/>
-                    <a:lstStyle/>
-                    <a:p>
-                      <a:pPr algn="ctr" fontAlgn="t"/>
-                      <a:r>
-                        <a:rPr lang="en-US" sz="900" b="0" i="0" u="none" strike="noStrike" dirty="0">
+                      <a:br>
+                        <a:rPr lang="de-DE" sz="820" b="0" i="0" u="none" strike="noStrike" dirty="0">
                           <a:solidFill>
                             <a:srgbClr val="020302"/>
                           </a:solidFill>
-                          <a:effectLst/>
                           <a:latin typeface="AdobeClean-Light"/>
                         </a:rPr>
-                        <a:t>24x5 / 1 hour</a:t>
-                      </a:r>
-                    </a:p>
-                  </a:txBody>
-                  <a:tcPr marL="9525" marR="9525" marT="9525" marB="0" anchor="ctr">
-                    <a:lnL w="3175" cap="flat" cmpd="sng" algn="ctr">
-                      <a:solidFill>
-                        <a:srgbClr val="B7B8B8"/>
-                      </a:solidFill>
-                      <a:prstDash val="solid"/>
-                      <a:round/>
-                      <a:headEnd type="none" w="med" len="med"/>
-                      <a:tailEnd type="none" w="med" len="med"/>
-                    </a:lnL>
-                    <a:lnR w="3175">
-                      <a:solidFill>
-                        <a:srgbClr val="B7B8B8"/>
-                      </a:solidFill>
-                      <a:prstDash val="solid"/>
-                    </a:lnR>
-                    <a:lnT w="3175" cap="flat" cmpd="sng" algn="ctr">
-                      <a:solidFill>
-                        <a:srgbClr val="B7B8B8"/>
-                      </a:solidFill>
-                      <a:prstDash val="solid"/>
-                      <a:round/>
-                      <a:headEnd type="none" w="med" len="med"/>
-                      <a:tailEnd type="none" w="med" len="med"/>
-                    </a:lnT>
-                    <a:lnB w="3175" cap="flat" cmpd="sng" algn="ctr">
-                      <a:solidFill>
-                        <a:srgbClr val="B7B8B8"/>
-                      </a:solidFill>
-                      <a:prstDash val="solid"/>
-                      <a:round/>
-                      <a:headEnd type="none" w="med" len="med"/>
-                      <a:tailEnd type="none" w="med" len="med"/>
-                    </a:lnB>
-                  </a:tcPr>
-                </a:tc>
-                <a:tc>
-                  <a:txBody>
-                    <a:bodyPr/>
-                    <a:lstStyle/>
-                    <a:p>
-                      <a:pPr algn="ctr" fontAlgn="t"/>
+                      </a:br>
                       <a:r>
-                        <a:rPr lang="en-US" sz="900" b="0" i="0" u="none" strike="noStrike" dirty="0">
+                        <a:rPr lang="de-DE" sz="820" b="0" i="0" u="none" strike="noStrike" dirty="0">
                           <a:solidFill>
                             <a:srgbClr val="020302"/>
                           </a:solidFill>
-                          <a:effectLst/>
                           <a:latin typeface="AdobeClean-Light"/>
                         </a:rPr>
-                        <a:t>24x5 / 30 minutes</a:t>
+                        <a:t>4 Stunden</a:t>
+                      </a:r>
+                    </a:p>
+                  </a:txBody>
+                  <a:tcPr marL="9525" marR="9525" marT="9525" marB="0" anchor="ctr">
+                    <a:lnL w="3175">
+                      <a:solidFill>
+                        <a:srgbClr val="B7B8B8"/>
+                      </a:solidFill>
+                      <a:prstDash val="solid"/>
+                    </a:lnL>
+                    <a:lnR w="3175">
+                      <a:solidFill>
+                        <a:srgbClr val="B7B8B8"/>
+                      </a:solidFill>
+                      <a:prstDash val="solid"/>
+                    </a:lnR>
+                    <a:lnT w="3175">
+                      <a:solidFill>
+                        <a:srgbClr val="B7B8B8"/>
+                      </a:solidFill>
+                      <a:prstDash val="solid"/>
+                    </a:lnT>
+                    <a:lnB w="3175">
+                      <a:solidFill>
+                        <a:srgbClr val="B7B8B8"/>
+                      </a:solidFill>
+                      <a:prstDash val="solid"/>
+                    </a:lnB>
+                  </a:tcPr>
+                </a:tc>
+                <a:tc>
+                  <a:txBody>
+                    <a:bodyPr/>
+                    <a:lstStyle/>
+                    <a:p>
+                      <a:pPr algn="ctr" fontAlgn="t"/>
+                      <a:r>
+                        <a:rPr lang="de-DE" sz="820" b="0" i="0" u="none" strike="noStrike">
+                          <a:solidFill>
+                            <a:srgbClr val="020302"/>
+                          </a:solidFill>
+                          <a:latin typeface="AdobeClean-Light"/>
+                        </a:rPr>
+                        <a:t>24x5/1 Stunde</a:t>
+                      </a:r>
+                    </a:p>
+                  </a:txBody>
+                  <a:tcPr marL="9525" marR="9525" marT="9525" marB="0" anchor="ctr">
+                    <a:lnL w="3175" cap="flat" cmpd="sng" algn="ctr">
+                      <a:solidFill>
+                        <a:srgbClr val="B7B8B8"/>
+                      </a:solidFill>
+                      <a:prstDash val="solid"/>
+                      <a:round/>
+                      <a:headEnd type="none" w="med" len="med"/>
+                      <a:tailEnd type="none" w="med" len="med"/>
+                    </a:lnL>
+                    <a:lnR w="3175">
+                      <a:solidFill>
+                        <a:srgbClr val="B7B8B8"/>
+                      </a:solidFill>
+                      <a:prstDash val="solid"/>
+                    </a:lnR>
+                    <a:lnT w="3175" cap="flat" cmpd="sng" algn="ctr">
+                      <a:solidFill>
+                        <a:srgbClr val="B7B8B8"/>
+                      </a:solidFill>
+                      <a:prstDash val="solid"/>
+                      <a:round/>
+                      <a:headEnd type="none" w="med" len="med"/>
+                      <a:tailEnd type="none" w="med" len="med"/>
+                    </a:lnT>
+                    <a:lnB w="3175" cap="flat" cmpd="sng" algn="ctr">
+                      <a:solidFill>
+                        <a:srgbClr val="B7B8B8"/>
+                      </a:solidFill>
+                      <a:prstDash val="solid"/>
+                      <a:round/>
+                      <a:headEnd type="none" w="med" len="med"/>
+                      <a:tailEnd type="none" w="med" len="med"/>
+                    </a:lnB>
+                  </a:tcPr>
+                </a:tc>
+                <a:tc>
+                  <a:txBody>
+                    <a:bodyPr/>
+                    <a:lstStyle/>
+                    <a:p>
+                      <a:pPr algn="ctr" fontAlgn="t"/>
+                      <a:r>
+                        <a:rPr lang="de-DE" sz="820" b="0" i="0" u="none" strike="noStrike" dirty="0">
+                          <a:solidFill>
+                            <a:srgbClr val="020302"/>
+                          </a:solidFill>
+                          <a:latin typeface="AdobeClean-Light"/>
+                        </a:rPr>
+                        <a:t>24x5/30 Minuten</a:t>
                       </a:r>
                     </a:p>
                   </a:txBody>
@@ -6874,29 +6506,15 @@
                         </a:spcBef>
                       </a:pPr>
                       <a:r>
-                        <a:rPr sz="900" b="1" spc="0" dirty="0">
+                        <a:rPr lang="de-DE" sz="820" b="1" dirty="0">
                           <a:solidFill>
                             <a:srgbClr val="020302"/>
                           </a:solidFill>
                           <a:latin typeface="Adobe Clean"/>
                           <a:cs typeface="Adobe Clean"/>
                         </a:rPr>
-                        <a:t>PRIORITY</a:t>
+                        <a:t>PRIORITÄT 3</a:t>
                       </a:r>
-                      <a:r>
-                        <a:rPr lang="en-US" sz="900" b="1" spc="0" dirty="0">
-                          <a:solidFill>
-                            <a:srgbClr val="020302"/>
-                          </a:solidFill>
-                          <a:latin typeface="Adobe Clean"/>
-                          <a:cs typeface="Adobe Clean"/>
-                        </a:rPr>
-                        <a:t> 3</a:t>
-                      </a:r>
-                      <a:endParaRPr lang="en-US" sz="900" spc="0" dirty="0">
-                        <a:latin typeface="Adobe Clean"/>
-                        <a:cs typeface="Adobe Clean"/>
-                      </a:endParaRPr>
                     </a:p>
                     <a:p>
                       <a:pPr marL="49530" marR="212090" indent="-2540" defTabSz="914400" eaLnBrk="1" fontAlgn="auto" latinLnBrk="0" hangingPunct="1">
@@ -6917,26 +6535,21 @@
                         <a:defRPr/>
                       </a:pPr>
                       <a:r>
-                        <a:rPr kumimoji="0" lang="en-US" sz="900" b="0" i="0" u="none" strike="noStrike" kern="1200" cap="none" spc="0" normalizeH="0" baseline="0" noProof="0" dirty="0">
+                        <a:rPr kumimoji="0" lang="de-DE" sz="820" b="0" i="0" u="none" strike="noStrike" cap="none" normalizeH="0" baseline="0" noProof="0" dirty="0">
                           <a:ln>
                             <a:noFill/>
                           </a:ln>
                           <a:solidFill>
                             <a:srgbClr val="000000"/>
                           </a:solidFill>
-                          <a:effectLst/>
                           <a:uLnTx/>
                           <a:uFillTx/>
                           <a:latin typeface="Adobe Clean Light" panose="020B0303020404020204" pitchFamily="34" charset="0"/>
                           <a:ea typeface="+mn-ea"/>
                           <a:cs typeface="+mn-cs"/>
                         </a:rPr>
-                        <a:t>Customer's business functions have minor service degradation but there exists a solution/workaround allowing business functions to continue normally </a:t>
+                        <a:t>Die Unternehmensfunktionen des Kunden weisen eine geringfügige Beeinträchtigung des Service auf, es gibt jedoch eine Lösung/Problemumgehung, mit der die Unternehmensfunktionen weiterhin normal genutzt werden können </a:t>
                       </a:r>
-                      <a:endParaRPr lang="en-US" sz="900" b="0" i="0" spc="0" dirty="0">
-                        <a:latin typeface="Adobe Clean Light" panose="020B0303020404020204" pitchFamily="34" charset="0"/>
-                        <a:cs typeface="AdobeClean-Light"/>
-                      </a:endParaRPr>
                     </a:p>
                   </a:txBody>
                   <a:tcPr marL="0" marR="0" marT="0" marB="0" anchor="ctr">
@@ -6976,113 +6589,144 @@
                     <a:p>
                       <a:pPr algn="ctr" fontAlgn="t"/>
                       <a:r>
-                        <a:rPr lang="en-US" sz="900" b="0" i="0" u="none" strike="noStrike" dirty="0">
+                        <a:rPr lang="de-DE" sz="820" b="0" i="0" u="none" strike="noStrike" dirty="0">
                           <a:solidFill>
                             <a:srgbClr val="020302"/>
                           </a:solidFill>
-                          <a:effectLst/>
                           <a:latin typeface="AdobeClean-Light"/>
                         </a:rPr>
-                        <a:t>Business hours / 6 hours</a:t>
+                        <a:t>Geschäftszeiten/</a:t>
                       </a:r>
-                    </a:p>
-                  </a:txBody>
-                  <a:tcPr marL="9525" marR="9525" marT="9525" marB="0" anchor="ctr">
-                    <a:lnL w="3175">
-                      <a:solidFill>
-                        <a:srgbClr val="B7B8B8"/>
-                      </a:solidFill>
-                      <a:prstDash val="solid"/>
-                    </a:lnL>
-                    <a:lnR w="3175">
-                      <a:solidFill>
-                        <a:srgbClr val="B7B8B8"/>
-                      </a:solidFill>
-                      <a:prstDash val="solid"/>
-                    </a:lnR>
-                    <a:lnT w="3175">
-                      <a:solidFill>
-                        <a:srgbClr val="B7B8B8"/>
-                      </a:solidFill>
-                      <a:prstDash val="solid"/>
-                    </a:lnT>
-                    <a:lnB w="3175">
-                      <a:solidFill>
-                        <a:srgbClr val="B7B8B8"/>
-                      </a:solidFill>
-                      <a:prstDash val="solid"/>
-                    </a:lnB>
-                  </a:tcPr>
-                </a:tc>
-                <a:tc>
-                  <a:txBody>
-                    <a:bodyPr/>
-                    <a:lstStyle/>
-                    <a:p>
-                      <a:pPr algn="ctr" fontAlgn="t"/>
-                      <a:r>
-                        <a:rPr lang="en-US" sz="900" b="0" i="0" u="none" strike="noStrike" dirty="0">
+                      <a:br>
+                        <a:rPr lang="de-DE" sz="820" b="0" i="0" u="none" strike="noStrike" dirty="0">
                           <a:solidFill>
                             <a:srgbClr val="020302"/>
                           </a:solidFill>
-                          <a:effectLst/>
                           <a:latin typeface="AdobeClean-Light"/>
                         </a:rPr>
-                        <a:t>Business hours / 2 hours</a:t>
-                      </a:r>
-                    </a:p>
-                  </a:txBody>
-                  <a:tcPr marL="9525" marR="9525" marT="9525" marB="0" anchor="ctr">
-                    <a:lnL w="3175" cap="flat" cmpd="sng" algn="ctr">
-                      <a:solidFill>
-                        <a:srgbClr val="B7B8B8"/>
-                      </a:solidFill>
-                      <a:prstDash val="solid"/>
-                      <a:round/>
-                      <a:headEnd type="none" w="med" len="med"/>
-                      <a:tailEnd type="none" w="med" len="med"/>
-                    </a:lnL>
-                    <a:lnR w="3175">
-                      <a:solidFill>
-                        <a:srgbClr val="B7B8B8"/>
-                      </a:solidFill>
-                      <a:prstDash val="solid"/>
-                    </a:lnR>
-                    <a:lnT w="3175" cap="flat" cmpd="sng" algn="ctr">
-                      <a:solidFill>
-                        <a:srgbClr val="B7B8B8"/>
-                      </a:solidFill>
-                      <a:prstDash val="solid"/>
-                      <a:round/>
-                      <a:headEnd type="none" w="med" len="med"/>
-                      <a:tailEnd type="none" w="med" len="med"/>
-                    </a:lnT>
-                    <a:lnB w="3175" cap="flat" cmpd="sng" algn="ctr">
-                      <a:solidFill>
-                        <a:srgbClr val="B7B8B8"/>
-                      </a:solidFill>
-                      <a:prstDash val="solid"/>
-                      <a:round/>
-                      <a:headEnd type="none" w="med" len="med"/>
-                      <a:tailEnd type="none" w="med" len="med"/>
-                    </a:lnB>
-                  </a:tcPr>
-                </a:tc>
-                <a:tc>
-                  <a:txBody>
-                    <a:bodyPr/>
-                    <a:lstStyle/>
-                    <a:p>
-                      <a:pPr algn="ctr" fontAlgn="t"/>
+                      </a:br>
                       <a:r>
-                        <a:rPr lang="en-US" sz="900" b="0" i="0" u="none" strike="noStrike" dirty="0">
+                        <a:rPr lang="de-DE" sz="820" b="0" i="0" u="none" strike="noStrike" dirty="0">
                           <a:solidFill>
                             <a:srgbClr val="020302"/>
                           </a:solidFill>
-                          <a:effectLst/>
                           <a:latin typeface="AdobeClean-Light"/>
                         </a:rPr>
-                        <a:t>24x5 / 1 hour</a:t>
+                        <a:t>6 Stunden</a:t>
+                      </a:r>
+                    </a:p>
+                  </a:txBody>
+                  <a:tcPr marL="9525" marR="9525" marT="9525" marB="0" anchor="ctr">
+                    <a:lnL w="3175">
+                      <a:solidFill>
+                        <a:srgbClr val="B7B8B8"/>
+                      </a:solidFill>
+                      <a:prstDash val="solid"/>
+                    </a:lnL>
+                    <a:lnR w="3175">
+                      <a:solidFill>
+                        <a:srgbClr val="B7B8B8"/>
+                      </a:solidFill>
+                      <a:prstDash val="solid"/>
+                    </a:lnR>
+                    <a:lnT w="3175">
+                      <a:solidFill>
+                        <a:srgbClr val="B7B8B8"/>
+                      </a:solidFill>
+                      <a:prstDash val="solid"/>
+                    </a:lnT>
+                    <a:lnB w="3175">
+                      <a:solidFill>
+                        <a:srgbClr val="B7B8B8"/>
+                      </a:solidFill>
+                      <a:prstDash val="solid"/>
+                    </a:lnB>
+                  </a:tcPr>
+                </a:tc>
+                <a:tc>
+                  <a:txBody>
+                    <a:bodyPr/>
+                    <a:lstStyle/>
+                    <a:p>
+                      <a:pPr algn="ctr" fontAlgn="t"/>
+                      <a:r>
+                        <a:rPr lang="de-DE" sz="820" b="0" i="0" u="none" strike="noStrike" dirty="0">
+                          <a:solidFill>
+                            <a:srgbClr val="020302"/>
+                          </a:solidFill>
+                          <a:latin typeface="AdobeClean-Light"/>
+                        </a:rPr>
+                        <a:t>Geschäftszeiten/</a:t>
+                      </a:r>
+                      <a:br>
+                        <a:rPr lang="de-DE" sz="820" b="0" i="0" u="none" strike="noStrike" dirty="0">
+                          <a:solidFill>
+                            <a:srgbClr val="020302"/>
+                          </a:solidFill>
+                          <a:latin typeface="AdobeClean-Light"/>
+                        </a:rPr>
+                      </a:br>
+                      <a:r>
+                        <a:rPr lang="de-DE" sz="820" b="0" i="0" u="none" strike="noStrike" dirty="0">
+                          <a:solidFill>
+                            <a:srgbClr val="020302"/>
+                          </a:solidFill>
+                          <a:latin typeface="AdobeClean-Light"/>
+                        </a:rPr>
+                        <a:t>2 Stunden</a:t>
+                      </a:r>
+                    </a:p>
+                  </a:txBody>
+                  <a:tcPr marL="9525" marR="9525" marT="9525" marB="0" anchor="ctr">
+                    <a:lnL w="3175" cap="flat" cmpd="sng" algn="ctr">
+                      <a:solidFill>
+                        <a:srgbClr val="B7B8B8"/>
+                      </a:solidFill>
+                      <a:prstDash val="solid"/>
+                      <a:round/>
+                      <a:headEnd type="none" w="med" len="med"/>
+                      <a:tailEnd type="none" w="med" len="med"/>
+                    </a:lnL>
+                    <a:lnR w="3175">
+                      <a:solidFill>
+                        <a:srgbClr val="B7B8B8"/>
+                      </a:solidFill>
+                      <a:prstDash val="solid"/>
+                    </a:lnR>
+                    <a:lnT w="3175" cap="flat" cmpd="sng" algn="ctr">
+                      <a:solidFill>
+                        <a:srgbClr val="B7B8B8"/>
+                      </a:solidFill>
+                      <a:prstDash val="solid"/>
+                      <a:round/>
+                      <a:headEnd type="none" w="med" len="med"/>
+                      <a:tailEnd type="none" w="med" len="med"/>
+                    </a:lnT>
+                    <a:lnB w="3175" cap="flat" cmpd="sng" algn="ctr">
+                      <a:solidFill>
+                        <a:srgbClr val="B7B8B8"/>
+                      </a:solidFill>
+                      <a:prstDash val="solid"/>
+                      <a:round/>
+                      <a:headEnd type="none" w="med" len="med"/>
+                      <a:tailEnd type="none" w="med" len="med"/>
+                    </a:lnB>
+                  </a:tcPr>
+                </a:tc>
+                <a:tc>
+                  <a:txBody>
+                    <a:bodyPr/>
+                    <a:lstStyle/>
+                    <a:p>
+                      <a:pPr algn="ctr" fontAlgn="t"/>
+                      <a:r>
+                        <a:rPr lang="de-DE" sz="820" b="0" i="0" u="none" strike="noStrike">
+                          <a:solidFill>
+                            <a:srgbClr val="020302"/>
+                          </a:solidFill>
+                          <a:latin typeface="AdobeClean-Light"/>
+                        </a:rPr>
+                        <a:t>24x5/1 Stunde</a:t>
                       </a:r>
                     </a:p>
                   </a:txBody>
@@ -7134,19 +6778,15 @@
                         </a:spcBef>
                       </a:pPr>
                       <a:r>
-                        <a:rPr sz="900" b="1" spc="0" dirty="0">
+                        <a:rPr lang="de-DE" sz="820" b="1" dirty="0">
                           <a:solidFill>
                             <a:srgbClr val="020302"/>
                           </a:solidFill>
                           <a:latin typeface="Adobe Clean"/>
                           <a:cs typeface="Adobe Clean"/>
                         </a:rPr>
-                        <a:t>PRIORITY 4</a:t>
+                        <a:t>PRIORITÄT 4</a:t>
                       </a:r>
-                      <a:endParaRPr sz="900" spc="0" dirty="0">
-                        <a:latin typeface="Adobe Clean"/>
-                        <a:cs typeface="Adobe Clean"/>
-                      </a:endParaRPr>
                     </a:p>
                     <a:p>
                       <a:pPr marL="48895" marR="0" indent="0" defTabSz="914400" eaLnBrk="1" fontAlgn="auto" latinLnBrk="0" hangingPunct="1">
@@ -7167,19 +6807,14 @@
                         <a:defRPr/>
                       </a:pPr>
                       <a:r>
-                        <a:rPr lang="en-US" sz="900" b="0" i="0" spc="0" dirty="0">
+                        <a:rPr lang="de-DE" sz="820" b="0" i="0" dirty="0">
                           <a:solidFill>
                             <a:srgbClr val="000000"/>
                           </a:solidFill>
-                          <a:effectLst/>
                           <a:latin typeface="Adobe Clean Light" panose="020B0303020404020204" pitchFamily="34" charset="0"/>
                         </a:rPr>
-                        <a:t>General question regarding current product functionality or an enhancement request </a:t>
+                        <a:t>Allgemeine Frage zur aktuellen Produktfunktionalität oder Anfrage zu einer Erweiterung </a:t>
                       </a:r>
-                      <a:endParaRPr sz="900" b="0" i="0" spc="0" dirty="0">
-                        <a:latin typeface="Adobe Clean Light" panose="020B0303020404020204" pitchFamily="34" charset="0"/>
-                        <a:cs typeface="AdobeClean-Light"/>
-                      </a:endParaRPr>
                     </a:p>
                   </a:txBody>
                   <a:tcPr marL="0" marR="0" marT="0" marB="0" anchor="ctr">
@@ -7219,14 +6854,13 @@
                     <a:p>
                       <a:pPr algn="ctr" fontAlgn="t"/>
                       <a:r>
-                        <a:rPr lang="en-US" sz="900" b="0" i="0" u="none" strike="noStrike" dirty="0">
+                        <a:rPr lang="de-DE" sz="820" b="0" i="0" u="none" strike="noStrike">
                           <a:solidFill>
                             <a:srgbClr val="020302"/>
                           </a:solidFill>
-                          <a:effectLst/>
                           <a:latin typeface="AdobeClean-Light"/>
                         </a:rPr>
-                        <a:t>Business days / 3 days</a:t>
+                        <a:t>Geschäftstage/3 Tage</a:t>
                       </a:r>
                     </a:p>
                   </a:txBody>
@@ -7264,14 +6898,13 @@
                     <a:p>
                       <a:pPr algn="ctr" fontAlgn="t"/>
                       <a:r>
-                        <a:rPr lang="en-US" sz="900" b="0" i="0" u="none" strike="noStrike" dirty="0">
+                        <a:rPr lang="de-DE" sz="820" b="0" i="0" u="none" strike="noStrike">
                           <a:solidFill>
                             <a:srgbClr val="020302"/>
                           </a:solidFill>
-                          <a:effectLst/>
                           <a:latin typeface="AdobeClean-Light" panose="020B0503020404020204" pitchFamily="34" charset="0"/>
                         </a:rPr>
-                        <a:t>Business day / 1 day</a:t>
+                        <a:t>Geschäftstag/1 Tag</a:t>
                       </a:r>
                     </a:p>
                   </a:txBody>
@@ -7315,14 +6948,13 @@
                     <a:p>
                       <a:pPr algn="ctr" fontAlgn="t"/>
                       <a:r>
-                        <a:rPr lang="en-US" sz="900" b="0" i="0" u="none" strike="noStrike" dirty="0">
+                        <a:rPr lang="de-DE" sz="820" b="0" i="0" u="none" strike="noStrike" dirty="0">
                           <a:solidFill>
                             <a:srgbClr val="020302"/>
                           </a:solidFill>
-                          <a:effectLst/>
                           <a:latin typeface="AdobeClean-Light" panose="020B0503020404020204" pitchFamily="34" charset="0"/>
                         </a:rPr>
-                        <a:t>Business day / 1 day</a:t>
+                        <a:t>Geschäftstag/1 Tag</a:t>
                       </a:r>
                     </a:p>
                   </a:txBody>
@@ -7403,20 +7035,11 @@
               </a:spcBef>
             </a:pPr>
             <a:r>
-              <a:rPr sz="2300" dirty="0">
+              <a:rPr lang="de-DE" sz="2300">
                 <a:latin typeface="Adobe Clean"/>
               </a:rPr>
-              <a:t>ADOBE </a:t>
+              <a:t>SUPPORT-PAKETE VON ADOBE</a:t>
             </a:r>
-            <a:r>
-              <a:rPr lang="en-US" sz="2300" dirty="0">
-                <a:latin typeface="Adobe Clean"/>
-              </a:rPr>
-              <a:t>SUPPORT PLANS</a:t>
-            </a:r>
-            <a:endParaRPr sz="2300" dirty="0">
-              <a:latin typeface="Adobe Clean" panose="020B0503020404020204" pitchFamily="34" charset="0"/>
-            </a:endParaRPr>
           </a:p>
         </p:txBody>
       </p:sp>
@@ -7449,7 +7072,7 @@
           <a:lstStyle/>
           <a:p>
             <a:r>
-              <a:rPr lang="en-US" sz="700" i="1" dirty="0">
+              <a:rPr lang="de-DE" sz="700" i="1">
                 <a:solidFill>
                   <a:schemeClr val="bg1"/>
                 </a:solidFill>
@@ -7707,406 +7330,32 @@
               </a:spcBef>
             </a:pPr>
             <a:r>
-              <a:rPr lang="en-US" sz="1000" spc="-20" dirty="0">
+              <a:rPr lang="de-DE" sz="1000" dirty="0">
                 <a:solidFill>
                   <a:srgbClr val="020302"/>
                 </a:solidFill>
                 <a:latin typeface="AdobeClean-Light"/>
                 <a:cs typeface="AdobeClean-Light"/>
               </a:rPr>
-              <a:t>Adobe Customer Support offers a</a:t>
+              <a:t>Der Adobe-Support bietet Zugriff auf Online-Ressourcen für Dokumentation, Interaktion mit anderen Experten und Kunden bezüglich Best Practices sowie Webinar-Reihen (Office Hours) mit Tipps und Tricks zur Fehlerbehebung. Für Fragen und Fallübermittlungen</a:t>
             </a:r>
             <a:r>
-              <a:rPr sz="1000" spc="-20" dirty="0">
+              <a:rPr lang="de-DE" sz="1000" dirty="0">
+                <a:latin typeface="AdobeClean-Light"/>
+                <a:cs typeface="AdobeClean-Light"/>
+              </a:rPr>
+              <a:t> </a:t>
+            </a:r>
+            <a:r>
+              <a:rPr lang="de-DE" sz="1000" dirty="0">
                 <a:solidFill>
                   <a:srgbClr val="020302"/>
                 </a:solidFill>
                 <a:latin typeface="AdobeClean-Light"/>
                 <a:cs typeface="AdobeClean-Light"/>
               </a:rPr>
-              <a:t>ccess</a:t>
+              <a:t>stehen ebenfalls verschiedene Kanäle zur Verfügung.</a:t>
             </a:r>
-            <a:r>
-              <a:rPr sz="1000" spc="-90" dirty="0">
-                <a:solidFill>
-                  <a:srgbClr val="020302"/>
-                </a:solidFill>
-                <a:latin typeface="AdobeClean-Light"/>
-                <a:cs typeface="AdobeClean-Light"/>
-              </a:rPr>
-              <a:t> </a:t>
-            </a:r>
-            <a:r>
-              <a:rPr sz="1000" spc="-10" dirty="0">
-                <a:solidFill>
-                  <a:srgbClr val="020302"/>
-                </a:solidFill>
-                <a:latin typeface="AdobeClean-Light"/>
-                <a:cs typeface="AdobeClean-Light"/>
-              </a:rPr>
-              <a:t>to</a:t>
-            </a:r>
-            <a:r>
-              <a:rPr sz="1000" spc="10" dirty="0">
-                <a:solidFill>
-                  <a:srgbClr val="020302"/>
-                </a:solidFill>
-                <a:latin typeface="AdobeClean-Light"/>
-                <a:cs typeface="AdobeClean-Light"/>
-              </a:rPr>
-              <a:t> </a:t>
-            </a:r>
-            <a:r>
-              <a:rPr lang="en-US" sz="1000" spc="-20" dirty="0">
-                <a:solidFill>
-                  <a:srgbClr val="020302"/>
-                </a:solidFill>
-                <a:latin typeface="AdobeClean-Light"/>
-                <a:cs typeface="AdobeClean-Light"/>
-              </a:rPr>
-              <a:t>online resources </a:t>
-            </a:r>
-            <a:r>
-              <a:rPr sz="1000" spc="-15" dirty="0">
-                <a:solidFill>
-                  <a:srgbClr val="020302"/>
-                </a:solidFill>
-                <a:latin typeface="AdobeClean-Light"/>
-                <a:cs typeface="AdobeClean-Light"/>
-              </a:rPr>
-              <a:t>for</a:t>
-            </a:r>
-            <a:r>
-              <a:rPr sz="1000" spc="-30" dirty="0">
-                <a:solidFill>
-                  <a:srgbClr val="020302"/>
-                </a:solidFill>
-                <a:latin typeface="AdobeClean-Light"/>
-                <a:cs typeface="AdobeClean-Light"/>
-              </a:rPr>
-              <a:t> </a:t>
-            </a:r>
-            <a:r>
-              <a:rPr sz="1000" spc="-15" dirty="0">
-                <a:solidFill>
-                  <a:srgbClr val="020302"/>
-                </a:solidFill>
-                <a:latin typeface="AdobeClean-Light"/>
-                <a:cs typeface="AdobeClean-Light"/>
-              </a:rPr>
-              <a:t>documentation,</a:t>
-            </a:r>
-            <a:r>
-              <a:rPr lang="en-US" sz="1000" spc="-15" dirty="0">
-                <a:solidFill>
-                  <a:srgbClr val="020302"/>
-                </a:solidFill>
-                <a:latin typeface="AdobeClean-Light"/>
-                <a:cs typeface="AdobeClean-Light"/>
-              </a:rPr>
-              <a:t> </a:t>
-            </a:r>
-            <a:r>
-              <a:rPr sz="1000" spc="-15" dirty="0">
-                <a:solidFill>
-                  <a:srgbClr val="020302"/>
-                </a:solidFill>
-                <a:latin typeface="AdobeClean-Light"/>
-                <a:cs typeface="AdobeClean-Light"/>
-              </a:rPr>
-              <a:t>engagement</a:t>
-            </a:r>
-            <a:r>
-              <a:rPr lang="en-US" sz="1000" spc="-15" dirty="0">
-                <a:solidFill>
-                  <a:srgbClr val="020302"/>
-                </a:solidFill>
-                <a:latin typeface="AdobeClean-Light"/>
-                <a:cs typeface="AdobeClean-Light"/>
-              </a:rPr>
-              <a:t> </a:t>
-            </a:r>
-            <a:r>
-              <a:rPr sz="1000" spc="-15" dirty="0">
-                <a:solidFill>
-                  <a:srgbClr val="020302"/>
-                </a:solidFill>
-                <a:latin typeface="AdobeClean-Light"/>
-                <a:cs typeface="AdobeClean-Light"/>
-              </a:rPr>
-              <a:t>with</a:t>
-            </a:r>
-            <a:r>
-              <a:rPr sz="1000" spc="-35" dirty="0">
-                <a:solidFill>
-                  <a:srgbClr val="020302"/>
-                </a:solidFill>
-                <a:latin typeface="AdobeClean-Light"/>
-                <a:cs typeface="AdobeClean-Light"/>
-              </a:rPr>
-              <a:t> </a:t>
-            </a:r>
-            <a:r>
-              <a:rPr sz="1000" spc="-20" dirty="0">
-                <a:solidFill>
-                  <a:srgbClr val="020302"/>
-                </a:solidFill>
-                <a:latin typeface="AdobeClean-Light"/>
-                <a:cs typeface="AdobeClean-Light"/>
-              </a:rPr>
-              <a:t>other experts </a:t>
-            </a:r>
-            <a:r>
-              <a:rPr sz="1000" spc="-15" dirty="0">
-                <a:solidFill>
-                  <a:srgbClr val="020302"/>
-                </a:solidFill>
-                <a:latin typeface="AdobeClean-Light"/>
-                <a:cs typeface="AdobeClean-Light"/>
-              </a:rPr>
-              <a:t>and </a:t>
-            </a:r>
-            <a:r>
-              <a:rPr sz="1000" spc="-20" dirty="0">
-                <a:solidFill>
-                  <a:srgbClr val="020302"/>
-                </a:solidFill>
-                <a:latin typeface="AdobeClean-Light"/>
-                <a:cs typeface="AdobeClean-Light"/>
-              </a:rPr>
-              <a:t>customers </a:t>
-            </a:r>
-            <a:r>
-              <a:rPr sz="1000" spc="-15" dirty="0">
-                <a:solidFill>
-                  <a:srgbClr val="020302"/>
-                </a:solidFill>
-                <a:latin typeface="AdobeClean-Light"/>
-                <a:cs typeface="AdobeClean-Light"/>
-              </a:rPr>
-              <a:t>for best </a:t>
-            </a:r>
-            <a:r>
-              <a:rPr sz="1000" spc="-20" dirty="0">
-                <a:solidFill>
-                  <a:srgbClr val="020302"/>
-                </a:solidFill>
-                <a:latin typeface="AdobeClean-Light"/>
-                <a:cs typeface="AdobeClean-Light"/>
-              </a:rPr>
-              <a:t>practices, </a:t>
-            </a:r>
-            <a:r>
-              <a:rPr sz="1000" spc="-15" dirty="0">
-                <a:solidFill>
-                  <a:srgbClr val="020302"/>
-                </a:solidFill>
-                <a:latin typeface="AdobeClean-Light"/>
-                <a:cs typeface="AdobeClean-Light"/>
-              </a:rPr>
-              <a:t>and </a:t>
-            </a:r>
-            <a:r>
-              <a:rPr sz="1000" spc="-20" dirty="0">
-                <a:solidFill>
-                  <a:srgbClr val="020302"/>
-                </a:solidFill>
-                <a:latin typeface="AdobeClean-Light"/>
-                <a:cs typeface="AdobeClean-Light"/>
-              </a:rPr>
-              <a:t>webinar series (Office </a:t>
-            </a:r>
-            <a:r>
-              <a:rPr sz="1000" spc="-15" dirty="0">
-                <a:solidFill>
-                  <a:srgbClr val="020302"/>
-                </a:solidFill>
-                <a:latin typeface="AdobeClean-Light"/>
-                <a:cs typeface="AdobeClean-Light"/>
-              </a:rPr>
-              <a:t>Hours) for </a:t>
-            </a:r>
-            <a:r>
-              <a:rPr sz="1000" spc="-20" dirty="0">
-                <a:solidFill>
-                  <a:srgbClr val="020302"/>
-                </a:solidFill>
-                <a:latin typeface="AdobeClean-Light"/>
-                <a:cs typeface="AdobeClean-Light"/>
-              </a:rPr>
-              <a:t>troubleshooting </a:t>
-            </a:r>
-            <a:r>
-              <a:rPr sz="1000" spc="-15" dirty="0">
-                <a:solidFill>
-                  <a:srgbClr val="020302"/>
-                </a:solidFill>
-                <a:latin typeface="AdobeClean-Light"/>
-                <a:cs typeface="AdobeClean-Light"/>
-              </a:rPr>
-              <a:t>tips and </a:t>
-            </a:r>
-            <a:r>
-              <a:rPr sz="1000" spc="-20" dirty="0">
-                <a:solidFill>
-                  <a:srgbClr val="020302"/>
-                </a:solidFill>
-                <a:latin typeface="AdobeClean-Light"/>
-                <a:cs typeface="AdobeClean-Light"/>
-              </a:rPr>
-              <a:t>tricks. Several channels </a:t>
-            </a:r>
-            <a:r>
-              <a:rPr lang="en-US" sz="1000" spc="-15" dirty="0">
-                <a:solidFill>
-                  <a:srgbClr val="020302"/>
-                </a:solidFill>
-                <a:latin typeface="AdobeClean-Light"/>
-                <a:cs typeface="AdobeClean-Light"/>
-              </a:rPr>
-              <a:t>are </a:t>
-            </a:r>
-            <a:r>
-              <a:rPr lang="en-US" sz="1000" spc="-20" dirty="0">
-                <a:solidFill>
-                  <a:srgbClr val="020302"/>
-                </a:solidFill>
-                <a:latin typeface="AdobeClean-Light"/>
-                <a:cs typeface="AdobeClean-Light"/>
-              </a:rPr>
-              <a:t>also</a:t>
-            </a:r>
-            <a:r>
-              <a:rPr lang="en-US" sz="1000" dirty="0">
-                <a:latin typeface="AdobeClean-Light"/>
-                <a:cs typeface="AdobeClean-Light"/>
-              </a:rPr>
-              <a:t> </a:t>
-            </a:r>
-            <a:r>
-              <a:rPr sz="1000" spc="-25" dirty="0">
-                <a:solidFill>
-                  <a:srgbClr val="020302"/>
-                </a:solidFill>
-                <a:latin typeface="AdobeClean-Light"/>
-                <a:cs typeface="AdobeClean-Light"/>
-              </a:rPr>
-              <a:t>available</a:t>
-            </a:r>
-            <a:r>
-              <a:rPr sz="1000" spc="-65" dirty="0">
-                <a:solidFill>
-                  <a:srgbClr val="020302"/>
-                </a:solidFill>
-                <a:latin typeface="AdobeClean-Light"/>
-                <a:cs typeface="AdobeClean-Light"/>
-              </a:rPr>
-              <a:t> </a:t>
-            </a:r>
-            <a:r>
-              <a:rPr sz="1000" spc="-15" dirty="0">
-                <a:solidFill>
-                  <a:srgbClr val="020302"/>
-                </a:solidFill>
-                <a:latin typeface="AdobeClean-Light"/>
-                <a:cs typeface="AdobeClean-Light"/>
-              </a:rPr>
-              <a:t>for</a:t>
-            </a:r>
-            <a:r>
-              <a:rPr sz="1000" spc="-25" dirty="0">
-                <a:solidFill>
-                  <a:srgbClr val="020302"/>
-                </a:solidFill>
-                <a:latin typeface="AdobeClean-Light"/>
-                <a:cs typeface="AdobeClean-Light"/>
-              </a:rPr>
-              <a:t> </a:t>
-            </a:r>
-            <a:r>
-              <a:rPr sz="1000" spc="-20" dirty="0">
-                <a:solidFill>
-                  <a:srgbClr val="020302"/>
-                </a:solidFill>
-                <a:latin typeface="AdobeClean-Light"/>
-                <a:cs typeface="AdobeClean-Light"/>
-              </a:rPr>
-              <a:t>questions</a:t>
-            </a:r>
-            <a:r>
-              <a:rPr sz="1000" spc="-114" dirty="0">
-                <a:solidFill>
-                  <a:srgbClr val="020302"/>
-                </a:solidFill>
-                <a:latin typeface="AdobeClean-Light"/>
-                <a:cs typeface="AdobeClean-Light"/>
-              </a:rPr>
-              <a:t> </a:t>
-            </a:r>
-            <a:r>
-              <a:rPr sz="1000" spc="-15" dirty="0">
-                <a:solidFill>
-                  <a:srgbClr val="020302"/>
-                </a:solidFill>
-                <a:latin typeface="AdobeClean-Light"/>
-                <a:cs typeface="AdobeClean-Light"/>
-              </a:rPr>
-              <a:t>and</a:t>
-            </a:r>
-            <a:r>
-              <a:rPr sz="1000" spc="-45" dirty="0">
-                <a:solidFill>
-                  <a:srgbClr val="020302"/>
-                </a:solidFill>
-                <a:latin typeface="AdobeClean-Light"/>
-                <a:cs typeface="AdobeClean-Light"/>
-              </a:rPr>
-              <a:t> </a:t>
-            </a:r>
-            <a:r>
-              <a:rPr sz="1000" spc="-20" dirty="0">
-                <a:solidFill>
-                  <a:srgbClr val="020302"/>
-                </a:solidFill>
-                <a:latin typeface="AdobeClean-Light"/>
-                <a:cs typeface="AdobeClean-Light"/>
-              </a:rPr>
-              <a:t>case</a:t>
-            </a:r>
-            <a:r>
-              <a:rPr sz="1000" spc="-35" dirty="0">
-                <a:solidFill>
-                  <a:srgbClr val="020302"/>
-                </a:solidFill>
-                <a:latin typeface="AdobeClean-Light"/>
-                <a:cs typeface="AdobeClean-Light"/>
-              </a:rPr>
-              <a:t> </a:t>
-            </a:r>
-            <a:r>
-              <a:rPr sz="1000" spc="-20" dirty="0">
-                <a:solidFill>
-                  <a:srgbClr val="020302"/>
-                </a:solidFill>
-                <a:latin typeface="AdobeClean-Light"/>
-                <a:cs typeface="AdobeClean-Light"/>
-              </a:rPr>
-              <a:t>submissions</a:t>
-            </a:r>
-            <a:r>
-              <a:rPr lang="en-US" sz="1000" spc="-20" dirty="0">
-                <a:solidFill>
-                  <a:srgbClr val="020302"/>
-                </a:solidFill>
-                <a:latin typeface="AdobeClean-Light"/>
-                <a:cs typeface="AdobeClean-Light"/>
-              </a:rPr>
-              <a:t>.</a:t>
-            </a:r>
-            <a:endParaRPr sz="1000" dirty="0">
-              <a:latin typeface="AdobeClean-Light"/>
-              <a:cs typeface="AdobeClean-Light"/>
-            </a:endParaRPr>
           </a:p>
         </p:txBody>
       </p:sp>
@@ -8140,174 +7389,14 @@
               </a:tabLst>
             </a:pPr>
             <a:r>
-              <a:rPr sz="900" spc="-20" dirty="0">
+              <a:rPr lang="de-DE" sz="900" dirty="0">
                 <a:solidFill>
                   <a:srgbClr val="020302"/>
                 </a:solidFill>
                 <a:latin typeface="AdobeClean-Light"/>
                 <a:cs typeface="AdobeClean-Light"/>
               </a:rPr>
-              <a:t>Start </a:t>
-            </a:r>
-            <a:r>
-              <a:rPr sz="900" dirty="0">
-                <a:solidFill>
-                  <a:srgbClr val="020302"/>
-                </a:solidFill>
-                <a:latin typeface="AdobeClean-Light"/>
-                <a:cs typeface="AdobeClean-Light"/>
-              </a:rPr>
-              <a:t>a </a:t>
-            </a:r>
-            <a:r>
-              <a:rPr sz="900" spc="-15" dirty="0">
-                <a:solidFill>
-                  <a:srgbClr val="020302"/>
-                </a:solidFill>
-                <a:latin typeface="AdobeClean-Light"/>
-                <a:cs typeface="AdobeClean-Light"/>
-              </a:rPr>
-              <a:t>chat </a:t>
-            </a:r>
-            <a:r>
-              <a:rPr sz="900" spc="-10" dirty="0">
-                <a:solidFill>
-                  <a:srgbClr val="020302"/>
-                </a:solidFill>
-                <a:latin typeface="AdobeClean-Light"/>
-                <a:cs typeface="AdobeClean-Light"/>
-              </a:rPr>
-              <a:t>session </a:t>
-            </a:r>
-            <a:r>
-              <a:rPr sz="900" spc="-5" dirty="0">
-                <a:solidFill>
-                  <a:srgbClr val="020302"/>
-                </a:solidFill>
-                <a:latin typeface="AdobeClean-Light"/>
-                <a:cs typeface="AdobeClean-Light"/>
-              </a:rPr>
-              <a:t>to </a:t>
-            </a:r>
-            <a:r>
-              <a:rPr sz="900" spc="-10" dirty="0">
-                <a:solidFill>
-                  <a:srgbClr val="020302"/>
-                </a:solidFill>
-                <a:latin typeface="AdobeClean-Light"/>
-                <a:cs typeface="AdobeClean-Light"/>
-              </a:rPr>
-              <a:t>get</a:t>
-            </a:r>
-            <a:r>
-              <a:rPr lang="en-US" sz="900" spc="-10" dirty="0">
-                <a:solidFill>
-                  <a:srgbClr val="020302"/>
-                </a:solidFill>
-                <a:latin typeface="AdobeClean-Light"/>
-                <a:cs typeface="AdobeClean-Light"/>
-              </a:rPr>
-              <a:t> </a:t>
-            </a:r>
-            <a:r>
-              <a:rPr sz="900" spc="30" dirty="0">
-                <a:solidFill>
-                  <a:srgbClr val="020302"/>
-                </a:solidFill>
-                <a:latin typeface="AdobeClean-Light"/>
-                <a:cs typeface="AdobeClean-Light"/>
-              </a:rPr>
-              <a:t> </a:t>
-            </a:r>
-            <a:r>
-              <a:rPr sz="900" spc="-20" dirty="0">
-                <a:solidFill>
-                  <a:srgbClr val="020302"/>
-                </a:solidFill>
-                <a:latin typeface="AdobeClean-Light"/>
-                <a:cs typeface="AdobeClean-Light"/>
-              </a:rPr>
-              <a:t>answers</a:t>
-            </a:r>
-            <a:r>
-              <a:rPr lang="en-US" sz="900" spc="-45" dirty="0">
-                <a:solidFill>
-                  <a:srgbClr val="020302"/>
-                </a:solidFill>
-                <a:latin typeface="AdobeClean-Light"/>
-                <a:cs typeface="AdobeClean-Light"/>
-              </a:rPr>
-              <a:t> </a:t>
-            </a:r>
-            <a:r>
-              <a:rPr lang="en-US" sz="900" dirty="0">
-                <a:solidFill>
-                  <a:srgbClr val="020302"/>
-                </a:solidFill>
-                <a:latin typeface="AdobeClean-Light"/>
-                <a:cs typeface="AdobeClean-Light"/>
-              </a:rPr>
-              <a:t>&amp; </a:t>
-            </a:r>
-            <a:r>
-              <a:rPr sz="900" spc="-15" dirty="0">
-                <a:solidFill>
-                  <a:srgbClr val="020302"/>
-                </a:solidFill>
-                <a:latin typeface="AdobeClean-Light"/>
-                <a:cs typeface="AdobeClean-Light"/>
-              </a:rPr>
-              <a:t>help </a:t>
-            </a:r>
-            <a:r>
-              <a:rPr sz="900" spc="-10" dirty="0">
-                <a:solidFill>
-                  <a:srgbClr val="020302"/>
-                </a:solidFill>
-                <a:latin typeface="AdobeClean-Light"/>
-                <a:cs typeface="AdobeClean-Light"/>
-              </a:rPr>
-              <a:t>with</a:t>
-            </a:r>
-            <a:r>
-              <a:rPr sz="900" spc="85" dirty="0">
-                <a:solidFill>
-                  <a:srgbClr val="020302"/>
-                </a:solidFill>
-                <a:latin typeface="AdobeClean-Light"/>
-                <a:cs typeface="AdobeClean-Light"/>
-              </a:rPr>
-              <a:t> </a:t>
-            </a:r>
-            <a:r>
-              <a:rPr sz="900" spc="-10" dirty="0">
-                <a:solidFill>
-                  <a:srgbClr val="020302"/>
-                </a:solidFill>
-                <a:latin typeface="AdobeClean-Light"/>
-                <a:cs typeface="AdobeClean-Light"/>
-              </a:rPr>
-              <a:t>case </a:t>
-            </a:r>
-            <a:r>
-              <a:rPr sz="900" spc="-20" dirty="0">
-                <a:solidFill>
-                  <a:srgbClr val="020302"/>
-                </a:solidFill>
-                <a:latin typeface="AdobeClean-Light"/>
-                <a:cs typeface="AdobeClean-Light"/>
-              </a:rPr>
-              <a:t>submission</a:t>
-            </a:r>
-            <a:r>
-              <a:rPr lang="en-US" sz="900" spc="-20" dirty="0">
-                <a:solidFill>
-                  <a:srgbClr val="020302"/>
-                </a:solidFill>
-                <a:latin typeface="AdobeClean-Light"/>
-                <a:cs typeface="AdobeClean-Light"/>
-              </a:rPr>
-              <a:t>.</a:t>
+              <a:t>Starten Sie eine Chat-Session, um Antworten und Hilfe bei der Fallübermittlung zu erhalten.</a:t>
             </a:r>
           </a:p>
           <a:p>
@@ -8323,29 +7412,15 @@
               </a:tabLst>
             </a:pPr>
             <a:r>
-              <a:rPr sz="900" i="1" spc="-10" dirty="0">
+              <a:rPr lang="de-DE" sz="900" i="1" dirty="0">
                 <a:solidFill>
                   <a:srgbClr val="7A7A7A"/>
                 </a:solidFill>
                 <a:latin typeface="AdobeClean-LightIt"/>
                 <a:cs typeface="AdobeClean-LightIt"/>
               </a:rPr>
-              <a:t>*Not all </a:t>
+              <a:t>*Nicht alle Produkte verfügen über Live-Chat-Support.  </a:t>
             </a:r>
-            <a:r>
-              <a:rPr sz="900" i="1" spc="-20" dirty="0">
-                <a:solidFill>
-                  <a:srgbClr val="7A7A7A"/>
-                </a:solidFill>
-                <a:latin typeface="AdobeClean-LightIt"/>
-                <a:cs typeface="AdobeClean-LightIt"/>
-              </a:rPr>
-              <a:t>products have live chat support.  </a:t>
-            </a:r>
-            <a:endParaRPr sz="900" dirty="0">
-              <a:latin typeface="AdobeClean-Light"/>
-              <a:cs typeface="AdobeClean-Light"/>
-            </a:endParaRPr>
           </a:p>
         </p:txBody>
       </p:sp>
@@ -8414,7 +7489,7 @@
               </a:spcBef>
             </a:pPr>
             <a:r>
-              <a:rPr lang="en-US" sz="1400" b="1" spc="-10" dirty="0">
+              <a:rPr lang="de-DE" sz="1400" b="1" dirty="0">
                 <a:solidFill>
                   <a:srgbClr val="020302"/>
                 </a:solidFill>
@@ -8423,10 +7498,6 @@
               </a:rPr>
               <a:t>Standard Support</a:t>
             </a:r>
-            <a:endParaRPr lang="en-US" sz="1400" dirty="0">
-              <a:latin typeface="Adobe Clean"/>
-              <a:cs typeface="Adobe Clean"/>
-            </a:endParaRPr>
           </a:p>
         </p:txBody>
       </p:sp>
@@ -8473,12 +7544,12 @@
               <a:defRPr/>
             </a:pPr>
             <a:r>
-              <a:rPr lang="en-US" sz="1200" dirty="0">
+              <a:rPr lang="de-DE" sz="1200">
                 <a:solidFill>
                   <a:srgbClr val="000000"/>
                 </a:solidFill>
               </a:rPr>
-              <a:t>Community Forums</a:t>
+              <a:t>Community-Foren</a:t>
             </a:r>
           </a:p>
         </p:txBody>
@@ -8521,12 +7592,12 @@
               </a:spcAft>
             </a:pPr>
             <a:r>
-              <a:rPr lang="en-US" sz="1200" b="1" dirty="0">
+              <a:rPr lang="de-DE" sz="1200" b="1">
                 <a:latin typeface="+mj-lt"/>
                 <a:ea typeface="Open Sans" pitchFamily="34" charset="0"/>
                 <a:cs typeface="Open Sans" pitchFamily="34" charset="0"/>
               </a:rPr>
-              <a:t>Online Forums</a:t>
+              <a:t>Online-Foren</a:t>
             </a:r>
           </a:p>
         </p:txBody>
@@ -8559,13 +7630,13 @@
           <a:lstStyle/>
           <a:p>
             <a:r>
-              <a:rPr lang="en-US" sz="1000" dirty="0">
+              <a:rPr lang="de-DE" sz="1000" dirty="0">
                 <a:solidFill>
                   <a:srgbClr val="000000"/>
                 </a:solidFill>
                 <a:latin typeface="Adobe Clean Light" panose="020B0303020404020204" pitchFamily="34" charset="0"/>
               </a:rPr>
-              <a:t>Continuous online access to a growing database of technical solutions, product documentation, FAQs and more. Connect with practitioners and other customers on Adobe Community to share best practices and lessons learned.</a:t>
+              <a:t>Kontinuierlicher Online-Zugriff auf eine wachsende Datenbank technischer Lösungen, Produktdokumentationen, FAQs und mehr. Tauschen Sie sich mit Fachleuten und anderen Kunden in der Adobe-Community über Best Practices und Erfahrungen aus.</a:t>
             </a:r>
           </a:p>
         </p:txBody>
@@ -8613,7 +7684,7 @@
               <a:defRPr/>
             </a:pPr>
             <a:r>
-              <a:rPr lang="en-US" sz="1200" dirty="0">
+              <a:rPr lang="de-DE" sz="1200">
                 <a:solidFill>
                   <a:srgbClr val="000000"/>
                 </a:solidFill>
@@ -8661,12 +7732,12 @@
               </a:spcAft>
             </a:pPr>
             <a:r>
-              <a:rPr lang="en-US" sz="1200" b="1" dirty="0">
+              <a:rPr lang="de-DE" sz="1200" b="1">
                 <a:latin typeface="+mj-lt"/>
                 <a:ea typeface="Open Sans" pitchFamily="34" charset="0"/>
                 <a:cs typeface="Open Sans" pitchFamily="34" charset="0"/>
               </a:rPr>
-              <a:t>Self-guided Journeys</a:t>
+              <a:t>Journeys für die Selbsthilfe</a:t>
             </a:r>
           </a:p>
         </p:txBody>
@@ -8699,13 +7770,13 @@
           <a:lstStyle/>
           <a:p>
             <a:r>
-              <a:rPr lang="en-US" sz="1000" dirty="0">
+              <a:rPr lang="de-DE" sz="1000" dirty="0">
                 <a:solidFill>
                   <a:srgbClr val="000000"/>
                 </a:solidFill>
                 <a:latin typeface="Adobe Clean Light" panose="020B0303020404020204" pitchFamily="34" charset="0"/>
               </a:rPr>
-              <a:t>Experience Makers are made with Experience League. Customers can kickstart their Customer Experience Management abilities with personalized learning to develop skills, engage with a global community of peers, and earn career advancing recognition. </a:t>
+              <a:t>Experience Maker entstehen in der Experience League. Kunden können durch personalisiertes Lernen ihre Customer-Experience-Management-Fähigkeiten entwickeln, mit einer globalen Community anderer Anwender interagieren und so ihre eigene Karriere fördern. </a:t>
             </a:r>
           </a:p>
         </p:txBody>
@@ -8753,7 +7824,7 @@
               <a:defRPr/>
             </a:pPr>
             <a:r>
-              <a:rPr lang="en-US" sz="1200" dirty="0">
+              <a:rPr lang="de-DE" sz="1200">
                 <a:solidFill>
                   <a:srgbClr val="000000"/>
                 </a:solidFill>
@@ -8801,12 +7872,12 @@
               </a:spcAft>
             </a:pPr>
             <a:r>
-              <a:rPr lang="en-US" sz="1200" b="1" dirty="0">
+              <a:rPr lang="de-DE" sz="1200" b="1">
                 <a:latin typeface="+mj-lt"/>
                 <a:ea typeface="Open Sans" pitchFamily="34" charset="0"/>
                 <a:cs typeface="Open Sans" pitchFamily="34" charset="0"/>
               </a:rPr>
-              <a:t>Webinars</a:t>
+              <a:t>Webinare</a:t>
             </a:r>
           </a:p>
         </p:txBody>
@@ -8839,13 +7910,13 @@
           <a:lstStyle/>
           <a:p>
             <a:r>
-              <a:rPr lang="en-US" sz="1000" dirty="0">
+              <a:rPr lang="de-DE" sz="1000" dirty="0">
                 <a:solidFill>
                   <a:srgbClr val="000000"/>
                 </a:solidFill>
                 <a:latin typeface="Adobe Clean Light" panose="020B0303020404020204" pitchFamily="34" charset="0"/>
               </a:rPr>
-              <a:t>Office  Hours  led  by  the  Adobe  Customer Support  team  includes  sessions  designed to  inform  as  well  as  help  participants troubleshoot  problems  and  provide  tips and  tricks  for  success  with  Adobe  solutions.</a:t>
+              <a:t>Die vom Adobe Support-Team geleitete Office Hours-Reihe umfasst Sessions mit informativem Inhalt sowie Angebote zur Problembehebung sowie Tipps und Tricks für den Erfolg bei der Nutzung von Adobe-Lösungen.</a:t>
             </a:r>
           </a:p>
         </p:txBody>
@@ -8893,12 +7964,12 @@
               <a:defRPr/>
             </a:pPr>
             <a:r>
-              <a:rPr lang="en-US" sz="1200" dirty="0">
+              <a:rPr lang="de-DE" sz="1200">
                 <a:solidFill>
                   <a:srgbClr val="000000"/>
                 </a:solidFill>
               </a:rPr>
-              <a:t>Self-help Portals</a:t>
+              <a:t>Selbsthilfe-Portale</a:t>
             </a:r>
           </a:p>
         </p:txBody>
@@ -8941,12 +8012,12 @@
               </a:spcAft>
             </a:pPr>
             <a:r>
-              <a:rPr lang="en-US" sz="1200" b="1" dirty="0">
+              <a:rPr lang="de-DE" sz="1200" b="1">
                 <a:latin typeface="+mj-lt"/>
                 <a:ea typeface="Open Sans" pitchFamily="34" charset="0"/>
                 <a:cs typeface="Open Sans" pitchFamily="34" charset="0"/>
               </a:rPr>
-              <a:t>24/7 Support Portal</a:t>
+              <a:t>24/7-Support-Portal</a:t>
             </a:r>
           </a:p>
         </p:txBody>
@@ -8966,7 +8037,7 @@
         <p:spPr>
           <a:xfrm>
             <a:off x="3849036" y="6132567"/>
-            <a:ext cx="3413002" cy="497572"/>
+            <a:ext cx="3413002" cy="805349"/>
           </a:xfrm>
           <a:prstGeom prst="rect">
             <a:avLst/>
@@ -8979,13 +8050,30 @@
           <a:lstStyle/>
           <a:p>
             <a:r>
-              <a:rPr lang="en-US" sz="1000" dirty="0">
+              <a:rPr lang="de-DE" sz="1000" dirty="0">
                 <a:solidFill>
                   <a:srgbClr val="000000"/>
                 </a:solidFill>
                 <a:latin typeface="Adobe Clean Light" panose="020B0303020404020204" pitchFamily="34" charset="0"/>
               </a:rPr>
-              <a:t>On-demand access to the online Self-help Support Portal to submit support requests, review case status, and browse other resources, like our knowledgebase, news and alerts, featured tips, and more.</a:t>
+              <a:t>On-Demand-Zugriff auf das Online-Selbsthilfe-Support-Portal, </a:t>
+            </a:r>
+            <a:br>
+              <a:rPr lang="de-DE" sz="1000" dirty="0">
+                <a:solidFill>
+                  <a:srgbClr val="000000"/>
+                </a:solidFill>
+                <a:latin typeface="Adobe Clean Light" panose="020B0303020404020204" pitchFamily="34" charset="0"/>
+              </a:rPr>
+            </a:br>
+            <a:r>
+              <a:rPr lang="de-DE" sz="1000" dirty="0">
+                <a:solidFill>
+                  <a:srgbClr val="000000"/>
+                </a:solidFill>
+                <a:latin typeface="Adobe Clean Light" panose="020B0303020404020204" pitchFamily="34" charset="0"/>
+              </a:rPr>
+              <a:t>um Support-Anfragen einzureichen, den Fallstatus zu überprüfen und andere Ressourcen zu durchsuchen, z. B. unsere Wissensdatenbank, Neuigkeiten und Hinweise, spezielle Tipps und mehr.</a:t>
             </a:r>
           </a:p>
         </p:txBody>
@@ -9033,12 +8121,12 @@
               <a:defRPr/>
             </a:pPr>
             <a:r>
-              <a:rPr lang="en-US" sz="1200" dirty="0">
+              <a:rPr lang="de-DE" sz="1200">
                 <a:solidFill>
                   <a:srgbClr val="000000"/>
                 </a:solidFill>
               </a:rPr>
-              <a:t>Live Chat  Support*</a:t>
+              <a:t>Live-Chat-Support*</a:t>
             </a:r>
           </a:p>
         </p:txBody>
@@ -9081,12 +8169,12 @@
               </a:spcAft>
             </a:pPr>
             <a:r>
-              <a:rPr lang="en-US" sz="1200" b="1" dirty="0">
+              <a:rPr lang="de-DE" sz="1200" b="1">
                 <a:latin typeface="+mj-lt"/>
                 <a:ea typeface="Open Sans" pitchFamily="34" charset="0"/>
                 <a:cs typeface="Open Sans" pitchFamily="34" charset="0"/>
               </a:rPr>
-              <a:t>Chat Support</a:t>
+              <a:t>Chat-Support</a:t>
             </a:r>
           </a:p>
         </p:txBody>
@@ -9134,12 +8222,12 @@
               <a:defRPr/>
             </a:pPr>
             <a:r>
-              <a:rPr lang="en-US" sz="1200" dirty="0">
+              <a:rPr lang="de-DE" sz="1200">
                 <a:solidFill>
                   <a:srgbClr val="000000"/>
                 </a:solidFill>
               </a:rPr>
-              <a:t>24 X 7 X 365 P1 </a:t>
+              <a:t>24x7x365 P1 </a:t>
             </a:r>
           </a:p>
         </p:txBody>
@@ -9182,12 +8270,12 @@
               </a:spcAft>
             </a:pPr>
             <a:r>
-              <a:rPr lang="en-US" sz="1200" b="1" dirty="0">
+              <a:rPr lang="de-DE" sz="1200" b="1">
                 <a:latin typeface="+mj-lt"/>
                 <a:ea typeface="Open Sans" pitchFamily="34" charset="0"/>
                 <a:cs typeface="Open Sans" pitchFamily="34" charset="0"/>
               </a:rPr>
-              <a:t>Phone  Support</a:t>
+              <a:t>Telefonischer Support</a:t>
             </a:r>
           </a:p>
         </p:txBody>
@@ -9220,26 +8308,20 @@
           <a:lstStyle/>
           <a:p>
             <a:r>
-              <a:rPr lang="en-US" sz="1000" dirty="0">
+              <a:rPr lang="de-DE" sz="1000" dirty="0">
                 <a:solidFill>
                   <a:srgbClr val="020302"/>
                 </a:solidFill>
                 <a:latin typeface="AdobeClean-Light"/>
               </a:rPr>
-              <a:t>Authorized users or Named Support Contacts </a:t>
+              <a:t>Autorisierte Anwender oder spezifische Support-Kontakte</a:t>
             </a:r>
             <a:r>
-              <a:rPr lang="en-US" sz="1000" dirty="0">
+              <a:rPr lang="de-DE" sz="1000" dirty="0">
                 <a:latin typeface="Adobe Clean Light" panose="020B0303020404020204" pitchFamily="34" charset="0"/>
               </a:rPr>
-              <a:t>can submit issues through all available  channels (including phone for P1) and interact with our technical support team on behalf of your company. </a:t>
+              <a:t> können Probleme über alle verfügbaren Kanäle (einschließlich Telefon für P1) einreichen und im Namen Ihres Unternehmens mit unserem technischen Support-Team interagieren. </a:t>
             </a:r>
-            <a:endParaRPr lang="en-US" sz="1000" dirty="0">
-              <a:solidFill>
-                <a:srgbClr val="000000"/>
-              </a:solidFill>
-              <a:latin typeface="Adobe Clean Light" panose="020B0303020404020204" pitchFamily="34" charset="0"/>
-            </a:endParaRPr>
           </a:p>
         </p:txBody>
       </p:sp>
@@ -9262,7 +8344,7 @@
         <p:spPr>
           <a:xfrm>
             <a:off x="5253416" y="9862966"/>
-            <a:ext cx="2270125" cy="132729"/>
+            <a:ext cx="2366584" cy="132729"/>
           </a:xfrm>
           <a:prstGeom prst="rect">
             <a:avLst/>
@@ -9283,24 +8365,8 @@
               </a:spcBef>
             </a:pPr>
             <a:r>
-              <a:rPr spc="-5" dirty="0"/>
-              <a:t>©202</a:t>
-            </a:r>
-            <a:r>
-              <a:rPr lang="en-US" spc="-5" dirty="0"/>
-              <a:t>1</a:t>
-            </a:r>
-            <a:r>
-              <a:rPr spc="-5" dirty="0"/>
-              <a:t> Adobe. All Rights Reserved. Adobe</a:t>
-            </a:r>
-            <a:r>
-              <a:rPr spc="60" dirty="0"/>
-              <a:t> </a:t>
-            </a:r>
-            <a:r>
-              <a:rPr spc="-5" dirty="0"/>
-              <a:t>Confidential.</a:t>
+              <a:rPr lang="de-DE" dirty="0"/>
+              <a:t>©2021 Adobe. All Rights Reserved. Adobe Confidential.</a:t>
             </a:r>
           </a:p>
         </p:txBody>
@@ -9591,49 +8657,15 @@
               </a:lnSpc>
             </a:pPr>
             <a:r>
-              <a:rPr sz="500" spc="-5" dirty="0">
+              <a:rPr lang="de-DE" sz="500">
                 <a:solidFill>
                   <a:srgbClr val="6C6C6C"/>
                 </a:solidFill>
                 <a:latin typeface="Adobe Clean"/>
                 <a:cs typeface="Adobe Clean"/>
               </a:rPr>
-              <a:t>©2020 Adobe. All Rights Reserved. </a:t>
+              <a:t>©2020 Adobe. All Rights Reserved. Adobe Confidential.</a:t>
             </a:r>
-            <a:r>
-              <a:rPr sz="500" dirty="0">
-                <a:solidFill>
-                  <a:srgbClr val="6C6C6C"/>
-                </a:solidFill>
-                <a:latin typeface="Adobe Clean"/>
-                <a:cs typeface="Adobe Clean"/>
-              </a:rPr>
-              <a:t>Adobe</a:t>
-            </a:r>
-            <a:r>
-              <a:rPr sz="500" spc="5" dirty="0">
-                <a:solidFill>
-                  <a:srgbClr val="6C6C6C"/>
-                </a:solidFill>
-                <a:latin typeface="Adobe Clean"/>
-                <a:cs typeface="Adobe Clean"/>
-              </a:rPr>
-              <a:t> </a:t>
-            </a:r>
-            <a:r>
-              <a:rPr sz="500" spc="-5" dirty="0">
-                <a:solidFill>
-                  <a:srgbClr val="6C6C6C"/>
-                </a:solidFill>
-                <a:latin typeface="Adobe Clean"/>
-                <a:cs typeface="Adobe Clean"/>
-              </a:rPr>
-              <a:t>Confidential.</a:t>
-            </a:r>
-            <a:endParaRPr sz="500">
-              <a:latin typeface="Adobe Clean"/>
-              <a:cs typeface="Adobe Clean"/>
-            </a:endParaRPr>
           </a:p>
           <a:p>
             <a:pPr>
@@ -9659,39 +8691,15 @@
               </a:spcBef>
             </a:pPr>
             <a:r>
-              <a:rPr sz="800" spc="-5" dirty="0">
+              <a:rPr lang="de-DE" sz="800">
                 <a:solidFill>
                   <a:srgbClr val="6D6D6D"/>
                 </a:solidFill>
                 <a:latin typeface="Adobe Clean"/>
                 <a:cs typeface="Adobe Clean"/>
               </a:rPr>
-              <a:t>©2020 Adobe. All Rights Reserved. Adobe</a:t>
+              <a:t>©2020 Adobe. All Rights Reserved. Adobe Confidential.</a:t>
             </a:r>
-            <a:r>
-              <a:rPr sz="800" spc="75" dirty="0">
-                <a:solidFill>
-                  <a:srgbClr val="6D6D6D"/>
-                </a:solidFill>
-                <a:latin typeface="Adobe Clean"/>
-                <a:cs typeface="Adobe Clean"/>
-              </a:rPr>
-              <a:t> </a:t>
-            </a:r>
-            <a:r>
-              <a:rPr sz="800" spc="-5" dirty="0">
-                <a:solidFill>
-                  <a:srgbClr val="6D6D6D"/>
-                </a:solidFill>
-                <a:latin typeface="Adobe Clean"/>
-                <a:cs typeface="Adobe Clean"/>
-              </a:rPr>
-              <a:t>Confidential.</a:t>
-            </a:r>
-            <a:endParaRPr sz="800">
-              <a:latin typeface="Adobe Clean"/>
-              <a:cs typeface="Adobe Clean"/>
-            </a:endParaRPr>
           </a:p>
         </p:txBody>
       </p:sp>
@@ -9775,19 +8783,15 @@
               </a:spcBef>
             </a:pPr>
             <a:r>
-              <a:rPr lang="en-US" sz="1400" b="1" spc="-15" dirty="0">
+              <a:rPr lang="de-DE" sz="1400" b="1">
                 <a:solidFill>
                   <a:srgbClr val="020302"/>
                 </a:solidFill>
                 <a:latin typeface="Adobe Clean"/>
                 <a:cs typeface="Adobe Clean"/>
               </a:rPr>
-              <a:t>Resources</a:t>
+              <a:t>Ressourcen</a:t>
             </a:r>
-            <a:endParaRPr sz="1400" dirty="0">
-              <a:latin typeface="Adobe Clean"/>
-              <a:cs typeface="Adobe Clean"/>
-            </a:endParaRPr>
           </a:p>
         </p:txBody>
       </p:sp>
@@ -9799,8 +8803,8 @@
         </p:nvSpPr>
         <p:spPr>
           <a:xfrm>
-            <a:off x="6754821" y="9283729"/>
-            <a:ext cx="930275" cy="758541"/>
+            <a:off x="6526221" y="9283729"/>
+            <a:ext cx="1017579" cy="643125"/>
           </a:xfrm>
           <a:prstGeom prst="rect">
             <a:avLst/>
@@ -9821,7 +8825,7 @@
               </a:spcBef>
             </a:pPr>
             <a:r>
-              <a:rPr sz="800" spc="-15" dirty="0">
+              <a:rPr lang="de-DE" sz="800" dirty="0">
                 <a:solidFill>
                   <a:srgbClr val="777879"/>
                 </a:solidFill>
@@ -9830,10 +8834,6 @@
               </a:rPr>
               <a:t>Adobe</a:t>
             </a:r>
-            <a:endParaRPr sz="800">
-              <a:latin typeface="Adobe Clean"/>
-              <a:cs typeface="Adobe Clean"/>
-            </a:endParaRPr>
           </a:p>
           <a:p>
             <a:pPr marL="12700">
@@ -9842,29 +8842,15 @@
               </a:lnSpc>
             </a:pPr>
             <a:r>
-              <a:rPr sz="800" spc="-15" dirty="0">
+              <a:rPr lang="de-DE" sz="800" dirty="0">
                 <a:solidFill>
                   <a:srgbClr val="777879"/>
                 </a:solidFill>
                 <a:latin typeface="Adobe Clean"/>
                 <a:cs typeface="Adobe Clean"/>
               </a:rPr>
-              <a:t>345 </a:t>
+              <a:t>345 Park Avenue</a:t>
             </a:r>
-            <a:r>
-              <a:rPr lang="en-US" sz="800" spc="-15" dirty="0">
-                <a:solidFill>
-                  <a:srgbClr val="777879"/>
-                </a:solidFill>
-                <a:latin typeface="Adobe Clean"/>
-                <a:cs typeface="Adobe Clean"/>
-              </a:rPr>
-              <a:t>Park Avenue</a:t>
-            </a:r>
-            <a:endParaRPr sz="800" dirty="0">
-              <a:latin typeface="Adobe Clean"/>
-              <a:cs typeface="Adobe Clean"/>
-            </a:endParaRPr>
           </a:p>
           <a:p>
             <a:pPr marL="12700">
@@ -9873,49 +8859,15 @@
               </a:lnSpc>
             </a:pPr>
             <a:r>
-              <a:rPr sz="800" spc="-10" dirty="0">
+              <a:rPr lang="de-DE" sz="800" dirty="0">
                 <a:solidFill>
                   <a:srgbClr val="777879"/>
                 </a:solidFill>
                 <a:latin typeface="Adobe Clean"/>
                 <a:cs typeface="Adobe Clean"/>
               </a:rPr>
-              <a:t>San </a:t>
+              <a:t>San Jose, CA95110-2704</a:t>
             </a:r>
-            <a:r>
-              <a:rPr sz="800" spc="-15" dirty="0">
-                <a:solidFill>
-                  <a:srgbClr val="777879"/>
-                </a:solidFill>
-                <a:latin typeface="Adobe Clean"/>
-                <a:cs typeface="Adobe Clean"/>
-              </a:rPr>
-              <a:t>Jose,</a:t>
-            </a:r>
-            <a:r>
-              <a:rPr sz="800" spc="-140" dirty="0">
-                <a:solidFill>
-                  <a:srgbClr val="777879"/>
-                </a:solidFill>
-                <a:latin typeface="Adobe Clean"/>
-                <a:cs typeface="Adobe Clean"/>
-              </a:rPr>
-              <a:t> </a:t>
-            </a:r>
-            <a:r>
-              <a:rPr sz="800" spc="-20" dirty="0">
-                <a:solidFill>
-                  <a:srgbClr val="777879"/>
-                </a:solidFill>
-                <a:latin typeface="Adobe Clean"/>
-                <a:cs typeface="Adobe Clean"/>
-              </a:rPr>
-              <a:t>CA95110-2704</a:t>
-            </a:r>
-            <a:endParaRPr sz="800">
-              <a:latin typeface="Adobe Clean"/>
-              <a:cs typeface="Adobe Clean"/>
-            </a:endParaRPr>
           </a:p>
           <a:p>
             <a:pPr marL="12700">
@@ -9927,7 +8879,7 @@
               </a:spcBef>
             </a:pPr>
             <a:r>
-              <a:rPr sz="800" spc="-10" dirty="0">
+              <a:rPr lang="de-DE" sz="800" dirty="0">
                 <a:solidFill>
                   <a:srgbClr val="777879"/>
                 </a:solidFill>
@@ -9936,10 +8888,6 @@
               </a:rPr>
               <a:t>USA</a:t>
             </a:r>
-            <a:endParaRPr sz="800">
-              <a:latin typeface="Adobe Clean"/>
-              <a:cs typeface="Adobe Clean"/>
-            </a:endParaRPr>
           </a:p>
           <a:p>
             <a:pPr marL="12700">
@@ -9951,7 +8899,7 @@
               </a:spcBef>
             </a:pPr>
             <a:r>
-              <a:rPr sz="800" u="sng" spc="-25" dirty="0">
+              <a:rPr lang="de-DE" sz="800" u="sng" dirty="0">
                 <a:solidFill>
                   <a:srgbClr val="5F5F5F"/>
                 </a:solidFill>
@@ -9966,10 +8914,6 @@
               </a:rPr>
               <a:t>www.adobe.com</a:t>
             </a:r>
-            <a:endParaRPr sz="800">
-              <a:latin typeface="Adobe Clean"/>
-              <a:cs typeface="Adobe Clean"/>
-            </a:endParaRPr>
           </a:p>
         </p:txBody>
       </p:sp>
@@ -10010,7 +8954,7 @@
         </p:nvSpPr>
         <p:spPr>
           <a:xfrm>
-            <a:off x="6192012" y="9304781"/>
+            <a:off x="5963412" y="9304781"/>
             <a:ext cx="475615" cy="419734"/>
           </a:xfrm>
           <a:custGeom>
@@ -10093,7 +9037,7 @@
         </p:nvSpPr>
         <p:spPr>
           <a:xfrm>
-            <a:off x="6192011" y="9797795"/>
+            <a:off x="5963411" y="9797795"/>
             <a:ext cx="477011" cy="160019"/>
           </a:xfrm>
           <a:prstGeom prst="rect">
@@ -10122,8 +9066,8 @@
         </p:nvSpPr>
         <p:spPr>
           <a:xfrm>
-            <a:off x="75947" y="9437110"/>
-            <a:ext cx="5466715" cy="570865"/>
+            <a:off x="75947" y="9296400"/>
+            <a:ext cx="5658864" cy="717504"/>
           </a:xfrm>
           <a:prstGeom prst="rect">
             <a:avLst/>
@@ -10144,449 +9088,15 @@
               </a:spcBef>
             </a:pPr>
             <a:r>
-              <a:rPr sz="1100" i="1" spc="-10" dirty="0">
+              <a:rPr lang="de-DE" sz="1100" i="1" dirty="0">
                 <a:solidFill>
                   <a:srgbClr val="777879"/>
                 </a:solidFill>
                 <a:latin typeface="AdobeClean-LightIt"/>
                 <a:cs typeface="AdobeClean-LightIt"/>
               </a:rPr>
-              <a:t>To</a:t>
+              <a:t>Weitere Informationen zum Support-Angebot von Adobe sowie zum für Ihre Bedürfnisse geeigneten Support-Level erhalten Sie bei Ihrem spezifischen Account-Manager (NAM) oder Ihrem Customer Success Manager (CSM).</a:t>
             </a:r>
-            <a:r>
-              <a:rPr sz="1100" i="1" spc="-50" dirty="0">
-                <a:solidFill>
-                  <a:srgbClr val="777879"/>
-                </a:solidFill>
-                <a:latin typeface="AdobeClean-LightIt"/>
-                <a:cs typeface="AdobeClean-LightIt"/>
-              </a:rPr>
-              <a:t> </a:t>
-            </a:r>
-            <a:r>
-              <a:rPr sz="1100" i="1" spc="-15" dirty="0">
-                <a:solidFill>
-                  <a:srgbClr val="777879"/>
-                </a:solidFill>
-                <a:latin typeface="AdobeClean-LightIt"/>
-                <a:cs typeface="AdobeClean-LightIt"/>
-              </a:rPr>
-              <a:t>learn</a:t>
-            </a:r>
-            <a:r>
-              <a:rPr sz="1100" i="1" spc="-40" dirty="0">
-                <a:solidFill>
-                  <a:srgbClr val="777879"/>
-                </a:solidFill>
-                <a:latin typeface="AdobeClean-LightIt"/>
-                <a:cs typeface="AdobeClean-LightIt"/>
-              </a:rPr>
-              <a:t> </a:t>
-            </a:r>
-            <a:r>
-              <a:rPr sz="1100" i="1" spc="-15" dirty="0">
-                <a:solidFill>
-                  <a:srgbClr val="777879"/>
-                </a:solidFill>
-                <a:latin typeface="AdobeClean-LightIt"/>
-                <a:cs typeface="AdobeClean-LightIt"/>
-              </a:rPr>
-              <a:t>more</a:t>
-            </a:r>
-            <a:r>
-              <a:rPr sz="1100" i="1" spc="-45" dirty="0">
-                <a:solidFill>
-                  <a:srgbClr val="777879"/>
-                </a:solidFill>
-                <a:latin typeface="AdobeClean-LightIt"/>
-                <a:cs typeface="AdobeClean-LightIt"/>
-              </a:rPr>
-              <a:t> </a:t>
-            </a:r>
-            <a:r>
-              <a:rPr sz="1100" i="1" spc="-15" dirty="0">
-                <a:solidFill>
-                  <a:srgbClr val="777879"/>
-                </a:solidFill>
-                <a:latin typeface="AdobeClean-LightIt"/>
-                <a:cs typeface="AdobeClean-LightIt"/>
-              </a:rPr>
-              <a:t>about</a:t>
-            </a:r>
-            <a:r>
-              <a:rPr sz="1100" i="1" spc="-45" dirty="0">
-                <a:solidFill>
-                  <a:srgbClr val="777879"/>
-                </a:solidFill>
-                <a:latin typeface="AdobeClean-LightIt"/>
-                <a:cs typeface="AdobeClean-LightIt"/>
-              </a:rPr>
-              <a:t> </a:t>
-            </a:r>
-            <a:r>
-              <a:rPr sz="1100" i="1" spc="-15" dirty="0">
-                <a:solidFill>
-                  <a:srgbClr val="777879"/>
-                </a:solidFill>
-                <a:latin typeface="AdobeClean-LightIt"/>
-                <a:cs typeface="AdobeClean-LightIt"/>
-              </a:rPr>
-              <a:t>Adobe</a:t>
-            </a:r>
-            <a:r>
-              <a:rPr sz="1100" i="1" spc="-60" dirty="0">
-                <a:solidFill>
-                  <a:srgbClr val="777879"/>
-                </a:solidFill>
-                <a:latin typeface="AdobeClean-LightIt"/>
-                <a:cs typeface="AdobeClean-LightIt"/>
-              </a:rPr>
-              <a:t> </a:t>
-            </a:r>
-            <a:r>
-              <a:rPr sz="1100" i="1" spc="-15" dirty="0">
-                <a:solidFill>
-                  <a:srgbClr val="777879"/>
-                </a:solidFill>
-                <a:latin typeface="AdobeClean-LightIt"/>
-                <a:cs typeface="AdobeClean-LightIt"/>
-              </a:rPr>
-              <a:t>Support</a:t>
-            </a:r>
-            <a:r>
-              <a:rPr lang="en-US" sz="1100" i="1" spc="-15" dirty="0">
-                <a:solidFill>
-                  <a:srgbClr val="777879"/>
-                </a:solidFill>
-                <a:latin typeface="AdobeClean-LightIt"/>
-                <a:cs typeface="AdobeClean-LightIt"/>
-              </a:rPr>
-              <a:t> Offerings</a:t>
-            </a:r>
-            <a:r>
-              <a:rPr sz="1100" i="1" spc="-75" dirty="0">
-                <a:solidFill>
-                  <a:srgbClr val="777879"/>
-                </a:solidFill>
-                <a:latin typeface="AdobeClean-LightIt"/>
-                <a:cs typeface="AdobeClean-LightIt"/>
-              </a:rPr>
-              <a:t> </a:t>
-            </a:r>
-            <a:r>
-              <a:rPr sz="1100" i="1" spc="-15" dirty="0">
-                <a:solidFill>
-                  <a:srgbClr val="777879"/>
-                </a:solidFill>
-                <a:latin typeface="AdobeClean-LightIt"/>
-                <a:cs typeface="AdobeClean-LightIt"/>
-              </a:rPr>
-              <a:t>and</a:t>
-            </a:r>
-            <a:r>
-              <a:rPr sz="1100" i="1" spc="-50" dirty="0">
-                <a:solidFill>
-                  <a:srgbClr val="777879"/>
-                </a:solidFill>
-                <a:latin typeface="AdobeClean-LightIt"/>
-                <a:cs typeface="AdobeClean-LightIt"/>
-              </a:rPr>
-              <a:t> </a:t>
-            </a:r>
-            <a:r>
-              <a:rPr sz="1100" i="1" spc="-15" dirty="0">
-                <a:solidFill>
-                  <a:srgbClr val="777879"/>
-                </a:solidFill>
-                <a:latin typeface="AdobeClean-LightIt"/>
-                <a:cs typeface="AdobeClean-LightIt"/>
-              </a:rPr>
-              <a:t>the</a:t>
-            </a:r>
-            <a:r>
-              <a:rPr sz="1100" i="1" spc="-55" dirty="0">
-                <a:solidFill>
-                  <a:srgbClr val="777879"/>
-                </a:solidFill>
-                <a:latin typeface="AdobeClean-LightIt"/>
-                <a:cs typeface="AdobeClean-LightIt"/>
-              </a:rPr>
-              <a:t> </a:t>
-            </a:r>
-            <a:r>
-              <a:rPr sz="1100" i="1" spc="-15" dirty="0">
-                <a:solidFill>
-                  <a:srgbClr val="777879"/>
-                </a:solidFill>
-                <a:latin typeface="AdobeClean-LightIt"/>
-                <a:cs typeface="AdobeClean-LightIt"/>
-              </a:rPr>
-              <a:t>right</a:t>
-            </a:r>
-            <a:r>
-              <a:rPr sz="1100" i="1" spc="-95" dirty="0">
-                <a:solidFill>
-                  <a:srgbClr val="777879"/>
-                </a:solidFill>
-                <a:latin typeface="AdobeClean-LightIt"/>
-                <a:cs typeface="AdobeClean-LightIt"/>
-              </a:rPr>
-              <a:t> </a:t>
-            </a:r>
-            <a:r>
-              <a:rPr sz="1100" i="1" spc="-15" dirty="0">
-                <a:solidFill>
-                  <a:srgbClr val="777879"/>
-                </a:solidFill>
-                <a:latin typeface="AdobeClean-LightIt"/>
-                <a:cs typeface="AdobeClean-LightIt"/>
-              </a:rPr>
-              <a:t>level</a:t>
-            </a:r>
-            <a:r>
-              <a:rPr sz="1100" i="1" spc="-55" dirty="0">
-                <a:solidFill>
-                  <a:srgbClr val="777879"/>
-                </a:solidFill>
-                <a:latin typeface="AdobeClean-LightIt"/>
-                <a:cs typeface="AdobeClean-LightIt"/>
-              </a:rPr>
-              <a:t> </a:t>
-            </a:r>
-            <a:r>
-              <a:rPr sz="1100" i="1" spc="-15" dirty="0">
-                <a:solidFill>
-                  <a:srgbClr val="777879"/>
-                </a:solidFill>
-                <a:latin typeface="AdobeClean-LightIt"/>
-                <a:cs typeface="AdobeClean-LightIt"/>
-              </a:rPr>
-              <a:t>for</a:t>
-            </a:r>
-            <a:r>
-              <a:rPr sz="1100" i="1" spc="-85" dirty="0">
-                <a:solidFill>
-                  <a:srgbClr val="777879"/>
-                </a:solidFill>
-                <a:latin typeface="AdobeClean-LightIt"/>
-                <a:cs typeface="AdobeClean-LightIt"/>
-              </a:rPr>
-              <a:t> </a:t>
-            </a:r>
-            <a:r>
-              <a:rPr sz="1100" i="1" spc="-15" dirty="0">
-                <a:solidFill>
-                  <a:srgbClr val="777879"/>
-                </a:solidFill>
-                <a:latin typeface="AdobeClean-LightIt"/>
-                <a:cs typeface="AdobeClean-LightIt"/>
-              </a:rPr>
-              <a:t>you,</a:t>
-            </a:r>
-            <a:r>
-              <a:rPr sz="1100" i="1" spc="-65" dirty="0">
-                <a:solidFill>
-                  <a:srgbClr val="777879"/>
-                </a:solidFill>
-                <a:latin typeface="AdobeClean-LightIt"/>
-                <a:cs typeface="AdobeClean-LightIt"/>
-              </a:rPr>
-              <a:t> </a:t>
-            </a:r>
-            <a:r>
-              <a:rPr sz="1100" i="1" spc="-15" dirty="0">
-                <a:solidFill>
-                  <a:srgbClr val="777879"/>
-                </a:solidFill>
-                <a:latin typeface="AdobeClean-LightIt"/>
-                <a:cs typeface="AdobeClean-LightIt"/>
-              </a:rPr>
-              <a:t>contact</a:t>
-            </a:r>
-            <a:r>
-              <a:rPr sz="1100" i="1" spc="-85" dirty="0">
-                <a:solidFill>
-                  <a:srgbClr val="777879"/>
-                </a:solidFill>
-                <a:latin typeface="AdobeClean-LightIt"/>
-                <a:cs typeface="AdobeClean-LightIt"/>
-              </a:rPr>
-              <a:t> </a:t>
-            </a:r>
-            <a:r>
-              <a:rPr sz="1100" i="1" spc="-15" dirty="0">
-                <a:solidFill>
-                  <a:srgbClr val="777879"/>
-                </a:solidFill>
-                <a:latin typeface="AdobeClean-LightIt"/>
-                <a:cs typeface="AdobeClean-LightIt"/>
-              </a:rPr>
-              <a:t>your</a:t>
-            </a:r>
-            <a:r>
-              <a:rPr sz="1100" i="1" spc="-70" dirty="0">
-                <a:solidFill>
-                  <a:srgbClr val="777879"/>
-                </a:solidFill>
-                <a:latin typeface="AdobeClean-LightIt"/>
-                <a:cs typeface="AdobeClean-LightIt"/>
-              </a:rPr>
-              <a:t> </a:t>
-            </a:r>
-            <a:r>
-              <a:rPr sz="1100" i="1" spc="-15" dirty="0">
-                <a:solidFill>
-                  <a:srgbClr val="777879"/>
-                </a:solidFill>
-                <a:latin typeface="AdobeClean-LightIt"/>
-                <a:cs typeface="AdobeClean-LightIt"/>
-              </a:rPr>
-              <a:t>Named</a:t>
-            </a:r>
-            <a:r>
-              <a:rPr sz="1100" i="1" spc="-55" dirty="0">
-                <a:solidFill>
-                  <a:srgbClr val="777879"/>
-                </a:solidFill>
-                <a:latin typeface="AdobeClean-LightIt"/>
-                <a:cs typeface="AdobeClean-LightIt"/>
-              </a:rPr>
-              <a:t> </a:t>
-            </a:r>
-            <a:r>
-              <a:rPr sz="1100" i="1" spc="-25" dirty="0">
-                <a:solidFill>
-                  <a:srgbClr val="777879"/>
-                </a:solidFill>
-                <a:latin typeface="AdobeClean-LightIt"/>
-                <a:cs typeface="AdobeClean-LightIt"/>
-              </a:rPr>
-              <a:t>Account</a:t>
-            </a:r>
-            <a:r>
-              <a:rPr sz="1100" i="1" spc="-120" dirty="0">
-                <a:solidFill>
-                  <a:srgbClr val="777879"/>
-                </a:solidFill>
-                <a:latin typeface="AdobeClean-LightIt"/>
-                <a:cs typeface="AdobeClean-LightIt"/>
-              </a:rPr>
-              <a:t> </a:t>
-            </a:r>
-            <a:r>
-              <a:rPr sz="1100" i="1" spc="-20" dirty="0">
-                <a:solidFill>
-                  <a:srgbClr val="777879"/>
-                </a:solidFill>
-                <a:latin typeface="AdobeClean-LightIt"/>
-                <a:cs typeface="AdobeClean-LightIt"/>
-              </a:rPr>
-              <a:t>Manager</a:t>
-            </a:r>
-            <a:r>
-              <a:rPr lang="en-US" sz="1100" i="1" spc="-20" dirty="0">
-                <a:solidFill>
-                  <a:srgbClr val="777879"/>
-                </a:solidFill>
-                <a:latin typeface="AdobeClean-LightIt"/>
-                <a:cs typeface="AdobeClean-LightIt"/>
-              </a:rPr>
-              <a:t> </a:t>
-            </a:r>
-            <a:r>
-              <a:rPr sz="1100" i="1" spc="-20" dirty="0">
-                <a:solidFill>
-                  <a:srgbClr val="777879"/>
-                </a:solidFill>
-                <a:latin typeface="AdobeClean-LightIt"/>
-                <a:cs typeface="AdobeClean-LightIt"/>
-              </a:rPr>
-              <a:t> </a:t>
-            </a:r>
-            <a:r>
-              <a:rPr sz="1100" i="1" spc="-15" dirty="0">
-                <a:solidFill>
-                  <a:srgbClr val="777879"/>
-                </a:solidFill>
-                <a:latin typeface="AdobeClean-LightIt"/>
-                <a:cs typeface="AdobeClean-LightIt"/>
-              </a:rPr>
-              <a:t>(NAM) </a:t>
-            </a:r>
-            <a:r>
-              <a:rPr sz="1100" i="1" spc="-10" dirty="0">
-                <a:solidFill>
-                  <a:srgbClr val="777879"/>
-                </a:solidFill>
-                <a:latin typeface="AdobeClean-LightIt"/>
-                <a:cs typeface="AdobeClean-LightIt"/>
-              </a:rPr>
-              <a:t>or </a:t>
-            </a:r>
-            <a:r>
-              <a:rPr sz="1100" i="1" spc="-15" dirty="0">
-                <a:solidFill>
-                  <a:srgbClr val="777879"/>
-                </a:solidFill>
-                <a:latin typeface="AdobeClean-LightIt"/>
-                <a:cs typeface="AdobeClean-LightIt"/>
-              </a:rPr>
-              <a:t>Customer </a:t>
-            </a:r>
-            <a:r>
-              <a:rPr sz="1100" i="1" spc="-20" dirty="0">
-                <a:solidFill>
-                  <a:srgbClr val="777879"/>
-                </a:solidFill>
-                <a:latin typeface="AdobeClean-LightIt"/>
-                <a:cs typeface="AdobeClean-LightIt"/>
-              </a:rPr>
-              <a:t>Success</a:t>
-            </a:r>
-            <a:r>
-              <a:rPr lang="en-US" sz="1100" i="1" spc="-20" dirty="0">
-                <a:solidFill>
-                  <a:srgbClr val="777879"/>
-                </a:solidFill>
-                <a:latin typeface="AdobeClean-LightIt"/>
-                <a:cs typeface="AdobeClean-LightIt"/>
-              </a:rPr>
-              <a:t> </a:t>
-            </a:r>
-            <a:r>
-              <a:rPr sz="1100" i="1" spc="-15" dirty="0">
-                <a:solidFill>
-                  <a:srgbClr val="777879"/>
-                </a:solidFill>
-                <a:latin typeface="AdobeClean-LightIt"/>
-                <a:cs typeface="AdobeClean-LightIt"/>
-              </a:rPr>
-              <a:t>Manager</a:t>
-            </a:r>
-            <a:r>
-              <a:rPr lang="en-US" sz="1100" i="1" spc="-15" dirty="0">
-                <a:solidFill>
-                  <a:srgbClr val="777879"/>
-                </a:solidFill>
-                <a:latin typeface="AdobeClean-LightIt"/>
-                <a:cs typeface="AdobeClean-LightIt"/>
-              </a:rPr>
-              <a:t> </a:t>
-            </a:r>
-            <a:r>
-              <a:rPr sz="1100" i="1" spc="-15" dirty="0">
-                <a:solidFill>
-                  <a:srgbClr val="777879"/>
-                </a:solidFill>
-                <a:latin typeface="AdobeClean-LightIt"/>
-                <a:cs typeface="AdobeClean-LightIt"/>
-              </a:rPr>
-              <a:t>(CSM)</a:t>
-            </a:r>
-            <a:endParaRPr sz="1100" dirty="0">
-              <a:latin typeface="AdobeClean-LightIt"/>
-              <a:cs typeface="AdobeClean-LightIt"/>
-            </a:endParaRPr>
           </a:p>
           <a:p>
             <a:pPr marL="34290">
@@ -10598,59 +9108,15 @@
               </a:spcBef>
             </a:pPr>
             <a:r>
-              <a:rPr sz="800" spc="-5" dirty="0">
+              <a:rPr lang="de-DE" sz="800" dirty="0">
                 <a:solidFill>
                   <a:srgbClr val="6D6D6D"/>
                 </a:solidFill>
                 <a:latin typeface="Adobe Clean"/>
                 <a:cs typeface="Adobe Clean"/>
               </a:rPr>
-              <a:t>©202</a:t>
+              <a:t>©2021 Adobe. All Rights Reserved. Adobe Confidential.</a:t>
             </a:r>
-            <a:r>
-              <a:rPr lang="en-US" sz="800" spc="-5" dirty="0">
-                <a:solidFill>
-                  <a:srgbClr val="6D6D6D"/>
-                </a:solidFill>
-                <a:latin typeface="Adobe Clean"/>
-                <a:cs typeface="Adobe Clean"/>
-              </a:rPr>
-              <a:t>1</a:t>
-            </a:r>
-            <a:r>
-              <a:rPr sz="800" spc="-5" dirty="0">
-                <a:solidFill>
-                  <a:srgbClr val="6D6D6D"/>
-                </a:solidFill>
-                <a:latin typeface="Adobe Clean"/>
-                <a:cs typeface="Adobe Clean"/>
-              </a:rPr>
-              <a:t> Adobe. All Rights Reserved. Adobe</a:t>
-            </a:r>
-            <a:r>
-              <a:rPr sz="800" spc="75" dirty="0">
-                <a:solidFill>
-                  <a:srgbClr val="6D6D6D"/>
-                </a:solidFill>
-                <a:latin typeface="Adobe Clean"/>
-                <a:cs typeface="Adobe Clean"/>
-              </a:rPr>
-              <a:t> </a:t>
-            </a:r>
-            <a:r>
-              <a:rPr sz="800" spc="-5" dirty="0">
-                <a:solidFill>
-                  <a:srgbClr val="6D6D6D"/>
-                </a:solidFill>
-                <a:latin typeface="Adobe Clean"/>
-                <a:cs typeface="Adobe Clean"/>
-              </a:rPr>
-              <a:t>Confidential.</a:t>
-            </a:r>
-            <a:endParaRPr sz="800" dirty="0">
-              <a:latin typeface="Adobe Clean"/>
-              <a:cs typeface="Adobe Clean"/>
-            </a:endParaRPr>
           </a:p>
         </p:txBody>
       </p:sp>
@@ -10668,8 +9134,8 @@
         </p:nvSpPr>
         <p:spPr>
           <a:xfrm>
-            <a:off x="171129" y="5057379"/>
-            <a:ext cx="6476646" cy="755976"/>
+            <a:off x="171128" y="5057379"/>
+            <a:ext cx="7067871" cy="755976"/>
           </a:xfrm>
           <a:prstGeom prst="rect">
             <a:avLst/>
@@ -10687,14 +9153,14 @@
               </a:spcBef>
             </a:pPr>
             <a:r>
-              <a:rPr lang="en-US" sz="1400" b="1" spc="-15" dirty="0">
+              <a:rPr lang="de-DE" sz="1400" b="1" dirty="0">
                 <a:solidFill>
                   <a:srgbClr val="020302"/>
                 </a:solidFill>
                 <a:latin typeface="Adobe Clean"/>
                 <a:cs typeface="Adobe Clean"/>
               </a:rPr>
-              <a:t>Regional scope of Adobe Support, Local Hours Of Operation And Language Support</a:t>
+              <a:t>Regionales Support-Angebot von Adobe, örtliche Geschäftszeiten und unterstützte Sprachen</a:t>
             </a:r>
           </a:p>
           <a:p>
@@ -10704,13 +9170,13 @@
               </a:spcBef>
             </a:pPr>
             <a:r>
-              <a:rPr lang="en-US" sz="1000" spc="-15" dirty="0">
+              <a:rPr lang="de-DE" sz="1000" dirty="0">
                 <a:solidFill>
                   <a:srgbClr val="1F1F1F"/>
                 </a:solidFill>
                 <a:latin typeface="AdobeClean-Light"/>
               </a:rPr>
-              <a:t>The Regional scope of Adobe Support is established by aligning the customer's billing address (via the Sales Order or other Adobe Support purchasing document) to one of the following regions:</a:t>
+              <a:t>Das regionale Support-Angebot von Adobe wird durch Abgleich der Rechnungsadresse des Kunden (entsprechend dem Kundenauftrag oder einer anderen Kaufbestätigung für Adobe-Support) mit einer der folgenden Regionen ermittelt:</a:t>
             </a:r>
           </a:p>
         </p:txBody>
@@ -10730,7 +9196,7 @@
           <p:nvPr>
             <p:extLst>
               <p:ext uri="{D42A27DB-BD31-4B8C-83A1-F6EECF244321}">
-                <p14:modId xmlns:p14="http://schemas.microsoft.com/office/powerpoint/2010/main" val="2846210228"/>
+                <p14:modId xmlns:p14="http://schemas.microsoft.com/office/powerpoint/2010/main" val="2539087201"/>
               </p:ext>
             </p:extLst>
           </p:nvPr>
@@ -10783,13 +9249,13 @@
                     <a:p>
                       <a:pPr algn="ctr"/>
                       <a:r>
-                        <a:rPr lang="en-US" sz="1100" dirty="0">
+                        <a:rPr lang="de-DE" sz="1100">
                           <a:solidFill>
                             <a:schemeClr val="tx1"/>
                           </a:solidFill>
                           <a:latin typeface="Adobe Clean" panose="020B0503020404020204" pitchFamily="34" charset="0"/>
                         </a:rPr>
-                        <a:t>Americas</a:t>
+                        <a:t>Nord- und Südamerika</a:t>
                       </a:r>
                     </a:p>
                   </a:txBody>
@@ -10848,78 +9314,30 @@
                     <a:p>
                       <a:pPr algn="ctr"/>
                       <a:r>
-                        <a:rPr lang="en-US" sz="1100" dirty="0">
+                        <a:rPr lang="de-DE" sz="1100" dirty="0">
                           <a:solidFill>
                             <a:schemeClr val="tx1"/>
                           </a:solidFill>
                           <a:latin typeface="Adobe Clean" panose="020B0503020404020204" pitchFamily="34" charset="0"/>
                         </a:rPr>
-                        <a:t>Europe, Middle East &amp; Africa</a:t>
+                        <a:t>Europa, Naher Osten </a:t>
                       </a:r>
-                    </a:p>
-                  </a:txBody>
-                  <a:tcPr anchor="ctr">
-                    <a:lnL w="12700" cap="flat" cmpd="sng" algn="ctr">
-                      <a:solidFill>
-                        <a:schemeClr val="bg1">
-                          <a:lumMod val="85000"/>
-                        </a:schemeClr>
-                      </a:solidFill>
-                      <a:prstDash val="solid"/>
-                      <a:round/>
-                      <a:headEnd type="none" w="med" len="med"/>
-                      <a:tailEnd type="none" w="med" len="med"/>
-                    </a:lnL>
-                    <a:lnR w="12700" cap="flat" cmpd="sng" algn="ctr">
-                      <a:solidFill>
-                        <a:schemeClr val="bg1">
-                          <a:lumMod val="85000"/>
-                        </a:schemeClr>
-                      </a:solidFill>
-                      <a:prstDash val="solid"/>
-                      <a:round/>
-                      <a:headEnd type="none" w="med" len="med"/>
-                      <a:tailEnd type="none" w="med" len="med"/>
-                    </a:lnR>
-                    <a:lnT w="12700" cap="flat" cmpd="sng" algn="ctr">
-                      <a:solidFill>
-                        <a:schemeClr val="bg1">
-                          <a:lumMod val="85000"/>
-                        </a:schemeClr>
-                      </a:solidFill>
-                      <a:prstDash val="solid"/>
-                      <a:round/>
-                      <a:headEnd type="none" w="med" len="med"/>
-                      <a:tailEnd type="none" w="med" len="med"/>
-                    </a:lnT>
-                    <a:lnB w="12700" cap="flat" cmpd="sng" algn="ctr">
-                      <a:solidFill>
-                        <a:schemeClr val="bg1">
-                          <a:lumMod val="85000"/>
-                        </a:schemeClr>
-                      </a:solidFill>
-                      <a:prstDash val="solid"/>
-                      <a:round/>
-                      <a:headEnd type="none" w="med" len="med"/>
-                      <a:tailEnd type="none" w="med" len="med"/>
-                    </a:lnB>
-                    <a:noFill/>
-                  </a:tcPr>
-                </a:tc>
-                <a:tc>
-                  <a:txBody>
-                    <a:bodyPr/>
-                    <a:lstStyle/>
-                    <a:p>
-                      <a:pPr algn="ctr"/>
-                      <a:r>
-                        <a:rPr lang="en-US" sz="1100" dirty="0">
+                      <a:br>
+                        <a:rPr lang="de-DE" sz="1100" dirty="0">
                           <a:solidFill>
                             <a:schemeClr val="tx1"/>
                           </a:solidFill>
                           <a:latin typeface="Adobe Clean" panose="020B0503020404020204" pitchFamily="34" charset="0"/>
                         </a:rPr>
-                        <a:t>Asia Pacific</a:t>
+                      </a:br>
+                      <a:r>
+                        <a:rPr lang="de-DE" sz="1100" dirty="0">
+                          <a:solidFill>
+                            <a:schemeClr val="tx1"/>
+                          </a:solidFill>
+                          <a:latin typeface="Adobe Clean" panose="020B0503020404020204" pitchFamily="34" charset="0"/>
+                        </a:rPr>
+                        <a:t>und Afrika</a:t>
                       </a:r>
                     </a:p>
                   </a:txBody>
@@ -10978,7 +9396,72 @@
                     <a:p>
                       <a:pPr algn="ctr"/>
                       <a:r>
-                        <a:rPr lang="en-US" sz="1100" dirty="0">
+                        <a:rPr lang="de-DE" sz="1100">
+                          <a:solidFill>
+                            <a:schemeClr val="tx1"/>
+                          </a:solidFill>
+                          <a:latin typeface="Adobe Clean" panose="020B0503020404020204" pitchFamily="34" charset="0"/>
+                        </a:rPr>
+                        <a:t>Asien-Pazifik</a:t>
+                      </a:r>
+                    </a:p>
+                  </a:txBody>
+                  <a:tcPr anchor="ctr">
+                    <a:lnL w="12700" cap="flat" cmpd="sng" algn="ctr">
+                      <a:solidFill>
+                        <a:schemeClr val="bg1">
+                          <a:lumMod val="85000"/>
+                        </a:schemeClr>
+                      </a:solidFill>
+                      <a:prstDash val="solid"/>
+                      <a:round/>
+                      <a:headEnd type="none" w="med" len="med"/>
+                      <a:tailEnd type="none" w="med" len="med"/>
+                    </a:lnL>
+                    <a:lnR w="12700" cap="flat" cmpd="sng" algn="ctr">
+                      <a:solidFill>
+                        <a:schemeClr val="bg1">
+                          <a:lumMod val="85000"/>
+                        </a:schemeClr>
+                      </a:solidFill>
+                      <a:prstDash val="solid"/>
+                      <a:round/>
+                      <a:headEnd type="none" w="med" len="med"/>
+                      <a:tailEnd type="none" w="med" len="med"/>
+                    </a:lnR>
+                    <a:lnT w="12700" cap="flat" cmpd="sng" algn="ctr">
+                      <a:solidFill>
+                        <a:schemeClr val="bg1">
+                          <a:lumMod val="85000"/>
+                        </a:schemeClr>
+                      </a:solidFill>
+                      <a:prstDash val="solid"/>
+                      <a:round/>
+                      <a:headEnd type="none" w="med" len="med"/>
+                      <a:tailEnd type="none" w="med" len="med"/>
+                    </a:lnT>
+                    <a:lnB w="12700" cap="flat" cmpd="sng" algn="ctr">
+                      <a:solidFill>
+                        <a:schemeClr val="bg1">
+                          <a:lumMod val="85000"/>
+                        </a:schemeClr>
+                      </a:solidFill>
+                      <a:prstDash val="solid"/>
+                      <a:round/>
+                      <a:headEnd type="none" w="med" len="med"/>
+                      <a:tailEnd type="none" w="med" len="med"/>
+                    </a:lnB>
+                    <a:noFill/>
+                  </a:tcPr>
+                </a:tc>
+                <a:tc>
+                  <a:txBody>
+                    <a:bodyPr/>
+                    <a:lstStyle/>
+                    <a:p>
+                      <a:pPr algn="ctr"/>
+                      <a:r>
+                        <a:rPr lang="de-DE" sz="1100">
                           <a:solidFill>
                             <a:schemeClr val="tx1"/>
                           </a:solidFill>
@@ -10987,7 +9470,7 @@
                         <a:t>Japan </a:t>
                       </a:r>
                       <a:r>
-                        <a:rPr lang="en-US" sz="1100" baseline="30000" dirty="0">
+                        <a:rPr lang="de-DE" sz="1100" baseline="30000">
                           <a:solidFill>
                             <a:schemeClr val="tx1"/>
                           </a:solidFill>
@@ -10995,12 +9478,6 @@
                         </a:rPr>
                         <a:t>1 </a:t>
                       </a:r>
-                      <a:endParaRPr lang="en-US" sz="1100" dirty="0">
-                        <a:solidFill>
-                          <a:schemeClr val="tx1"/>
-                        </a:solidFill>
-                        <a:latin typeface="Adobe Clean" panose="020B0503020404020204" pitchFamily="34" charset="0"/>
-                      </a:endParaRPr>
                     </a:p>
                   </a:txBody>
                   <a:tcPr anchor="ctr">
@@ -11065,13 +9542,13 @@
                     <a:p>
                       <a:pPr algn="ctr"/>
                       <a:r>
-                        <a:rPr lang="en-US" sz="1100" dirty="0">
+                        <a:rPr lang="de-DE" sz="1100">
                           <a:solidFill>
                             <a:schemeClr val="tx1"/>
                           </a:solidFill>
                           <a:latin typeface="Adobe Clean" panose="020B0503020404020204" pitchFamily="34" charset="0"/>
                         </a:rPr>
-                        <a:t>6 am – 5:30 pm</a:t>
+                        <a:t>6:00–17:30 Uhr</a:t>
                       </a:r>
                     </a:p>
                   </a:txBody>
@@ -11130,13 +9607,13 @@
                     <a:p>
                       <a:pPr algn="ctr"/>
                       <a:r>
-                        <a:rPr lang="en-US" sz="1100" dirty="0">
+                        <a:rPr lang="de-DE" sz="1100">
                           <a:solidFill>
                             <a:schemeClr val="tx1"/>
                           </a:solidFill>
                           <a:latin typeface="Adobe Clean" panose="020B0503020404020204" pitchFamily="34" charset="0"/>
                         </a:rPr>
-                        <a:t>9 am – 5 pm</a:t>
+                        <a:t>9:00–17:00 Uhr</a:t>
                       </a:r>
                     </a:p>
                   </a:txBody>
@@ -11195,13 +9672,13 @@
                     <a:p>
                       <a:pPr algn="ctr"/>
                       <a:r>
-                        <a:rPr lang="en-US" sz="1100" dirty="0">
+                        <a:rPr lang="de-DE" sz="1100">
                           <a:solidFill>
                             <a:schemeClr val="tx1"/>
                           </a:solidFill>
                           <a:latin typeface="Adobe Clean" panose="020B0503020404020204" pitchFamily="34" charset="0"/>
                         </a:rPr>
-                        <a:t>9 am – 5 pm</a:t>
+                        <a:t>9:00–17:00 Uhr</a:t>
                       </a:r>
                     </a:p>
                   </a:txBody>
@@ -11260,13 +9737,13 @@
                     <a:p>
                       <a:pPr algn="ctr"/>
                       <a:r>
-                        <a:rPr lang="en-US" sz="1100" dirty="0">
+                        <a:rPr lang="de-DE" sz="1100">
                           <a:solidFill>
                             <a:schemeClr val="tx1"/>
                           </a:solidFill>
                           <a:latin typeface="Adobe Clean" panose="020B0503020404020204" pitchFamily="34" charset="0"/>
                         </a:rPr>
-                        <a:t>9 am – 5:30 pm</a:t>
+                        <a:t>9:00–17:30 Uhr</a:t>
                       </a:r>
                     </a:p>
                   </a:txBody>
@@ -11346,20 +9823,14 @@
                         <a:buNone/>
                       </a:pPr>
                       <a:r>
-                        <a:rPr lang="en-US" sz="1100" dirty="0">
+                        <a:rPr lang="de-DE" sz="1100" dirty="0">
                           <a:solidFill>
                             <a:schemeClr val="tx1"/>
                           </a:solidFill>
                           <a:latin typeface="Adobe Clean"/>
                         </a:rPr>
-                        <a:t>Language support is only available in English and Japanese.</a:t>
+                        <a:t>Sprachunterstützung ist nur auf Englisch und Japanisch verfügbar.</a:t>
                       </a:r>
-                      <a:endParaRPr lang="en-US" sz="1100" dirty="0">
-                        <a:solidFill>
-                          <a:schemeClr val="tx1"/>
-                        </a:solidFill>
-                        <a:latin typeface="Adobe Clean" panose="020B0503020404020204" pitchFamily="34" charset="0"/>
-                      </a:endParaRPr>
                     </a:p>
                     <a:p>
                       <a:pPr marL="0" marR="0" lvl="0" indent="0" algn="ctr" defTabSz="914400" eaLnBrk="1" fontAlgn="auto" latinLnBrk="0" hangingPunct="1">
@@ -11380,17 +9851,17 @@
                         <a:defRPr/>
                       </a:pPr>
                       <a:r>
-                        <a:rPr lang="en-US" sz="1100" i="1" dirty="0">
+                        <a:rPr lang="de-DE" sz="1100" i="1" dirty="0">
                           <a:solidFill>
                             <a:schemeClr val="tx1"/>
                           </a:solidFill>
                           <a:latin typeface="Adobe Clean"/>
                         </a:rPr>
-                        <a:t>*Adobe Commerce excludes Japanese language support.</a:t>
+                        <a:t>*Adobe Commerce bietet keine Sprachunterstützung für Japanisch.</a:t>
                       </a:r>
                     </a:p>
                     <a:p>
-                      <a:pPr algn="ctr"/>
+                      <a:pPr algn="l" rtl="0"/>
                       <a:endParaRPr kumimoji="0" lang="en-US" sz="1100" b="1" i="0" u="none" strike="noStrike" kern="0" cap="none" spc="0" normalizeH="0" baseline="30000" noProof="0" dirty="0">
                         <a:ln>
                           <a:noFill/>
@@ -11409,7 +9880,7 @@
                     <a:p>
                       <a:pPr algn="ctr"/>
                       <a:r>
-                        <a:rPr lang="en-US" sz="1100" i="0" dirty="0">
+                        <a:rPr lang="de-DE" sz="1100" i="0" dirty="0">
                           <a:solidFill>
                             <a:schemeClr val="tx1"/>
                           </a:solidFill>
@@ -11418,32 +9889,26 @@
                         <a:t> </a:t>
                       </a:r>
                       <a:r>
-                        <a:rPr lang="en-US" sz="1100" i="0" baseline="30000" dirty="0">
+                        <a:rPr lang="de-DE" sz="1100" i="0" baseline="30000" dirty="0">
                           <a:solidFill>
                             <a:schemeClr val="tx1"/>
                           </a:solidFill>
                           <a:latin typeface="Adobe Clean"/>
                         </a:rPr>
-                        <a:t>1 </a:t>
+                        <a:t>1</a:t>
                       </a:r>
                       <a:r>
-                        <a:rPr lang="en-US" sz="1100" i="0" dirty="0">
+                        <a:rPr lang="de-DE" sz="1100" i="0" dirty="0">
                           <a:solidFill>
                             <a:schemeClr val="tx1"/>
                           </a:solidFill>
                           <a:latin typeface="Adobe Clean"/>
                         </a:rPr>
-                        <a:t>P2, P3, P4 cases are limited to business hours only in Japan.</a:t>
+                        <a:t>Fälle der Kategorien P2, P3 und P4 sind in Japan auf Geschäftszeiten beschränkt.</a:t>
                       </a:r>
-                      <a:endParaRPr lang="en-US" sz="1100" b="1" i="0" dirty="0">
-                        <a:solidFill>
-                          <a:schemeClr val="tx1"/>
-                        </a:solidFill>
-                        <a:latin typeface="Adobe Clean"/>
-                      </a:endParaRPr>
-                    </a:p>
-                    <a:p>
-                      <a:pPr algn="ctr"/>
+                    </a:p>
+                    <a:p>
+                      <a:pPr algn="l" rtl="0"/>
                       <a:endParaRPr lang="en-US" sz="1100" dirty="0">
                         <a:solidFill>
                           <a:schemeClr val="tx1"/>
@@ -11791,8 +10256,8 @@
         </p:nvSpPr>
         <p:spPr>
           <a:xfrm>
-            <a:off x="2840871" y="8528519"/>
-            <a:ext cx="810895" cy="385445"/>
+            <a:off x="2764671" y="8528519"/>
+            <a:ext cx="1273929" cy="385445"/>
           </a:xfrm>
           <a:prstGeom prst="rect">
             <a:avLst/>
@@ -11813,181 +10278,15 @@
               </a:spcBef>
             </a:pPr>
             <a:r>
-              <a:rPr sz="1200" b="1" spc="-15" dirty="0">
+              <a:rPr lang="de-DE" sz="1200" b="1" dirty="0">
                 <a:solidFill>
                   <a:srgbClr val="FFFFFF"/>
                 </a:solidFill>
                 <a:latin typeface="Adobe Clean"/>
                 <a:cs typeface="Adobe Clean"/>
               </a:rPr>
-              <a:t>U</a:t>
+              <a:t>Unübertroffenes Know-how</a:t>
             </a:r>
-            <a:r>
-              <a:rPr sz="1200" b="1" spc="-20" dirty="0">
-                <a:solidFill>
-                  <a:srgbClr val="FFFFFF"/>
-                </a:solidFill>
-                <a:latin typeface="Adobe Clean"/>
-                <a:cs typeface="Adobe Clean"/>
-              </a:rPr>
-              <a:t>n</a:t>
-            </a:r>
-            <a:r>
-              <a:rPr sz="1200" b="1" spc="-25" dirty="0">
-                <a:solidFill>
-                  <a:srgbClr val="FFFFFF"/>
-                </a:solidFill>
-                <a:latin typeface="Adobe Clean"/>
-                <a:cs typeface="Adobe Clean"/>
-              </a:rPr>
-              <a:t>p</a:t>
-            </a:r>
-            <a:r>
-              <a:rPr sz="1200" b="1" spc="-15" dirty="0">
-                <a:solidFill>
-                  <a:srgbClr val="FFFFFF"/>
-                </a:solidFill>
-                <a:latin typeface="Adobe Clean"/>
-                <a:cs typeface="Adobe Clean"/>
-              </a:rPr>
-              <a:t>a</a:t>
-            </a:r>
-            <a:r>
-              <a:rPr sz="1200" b="1" spc="-25" dirty="0">
-                <a:solidFill>
-                  <a:srgbClr val="FFFFFF"/>
-                </a:solidFill>
-                <a:latin typeface="Adobe Clean"/>
-                <a:cs typeface="Adobe Clean"/>
-              </a:rPr>
-              <a:t>r</a:t>
-            </a:r>
-            <a:r>
-              <a:rPr sz="1200" b="1" spc="-15" dirty="0">
-                <a:solidFill>
-                  <a:srgbClr val="FFFFFF"/>
-                </a:solidFill>
-                <a:latin typeface="Adobe Clean"/>
-                <a:cs typeface="Adobe Clean"/>
-              </a:rPr>
-              <a:t>a</a:t>
-            </a:r>
-            <a:r>
-              <a:rPr sz="1200" b="1" spc="-30" dirty="0">
-                <a:solidFill>
-                  <a:srgbClr val="FFFFFF"/>
-                </a:solidFill>
-                <a:latin typeface="Adobe Clean"/>
-                <a:cs typeface="Adobe Clean"/>
-              </a:rPr>
-              <a:t>ll</a:t>
-            </a:r>
-            <a:r>
-              <a:rPr sz="1200" b="1" spc="-25" dirty="0">
-                <a:solidFill>
-                  <a:srgbClr val="FFFFFF"/>
-                </a:solidFill>
-                <a:latin typeface="Adobe Clean"/>
-                <a:cs typeface="Adobe Clean"/>
-              </a:rPr>
-              <a:t>e</a:t>
-            </a:r>
-            <a:r>
-              <a:rPr sz="1200" b="1" spc="-30" dirty="0">
-                <a:solidFill>
-                  <a:srgbClr val="FFFFFF"/>
-                </a:solidFill>
-                <a:latin typeface="Adobe Clean"/>
-                <a:cs typeface="Adobe Clean"/>
-              </a:rPr>
-              <a:t>l</a:t>
-            </a:r>
-            <a:r>
-              <a:rPr sz="1200" b="1" spc="-25" dirty="0">
-                <a:solidFill>
-                  <a:srgbClr val="FFFFFF"/>
-                </a:solidFill>
-                <a:latin typeface="Adobe Clean"/>
-                <a:cs typeface="Adobe Clean"/>
-              </a:rPr>
-              <a:t>e</a:t>
-            </a:r>
-            <a:r>
-              <a:rPr sz="1200" b="1" dirty="0">
-                <a:solidFill>
-                  <a:srgbClr val="FFFFFF"/>
-                </a:solidFill>
-                <a:latin typeface="Adobe Clean"/>
-                <a:cs typeface="Adobe Clean"/>
-              </a:rPr>
-              <a:t>d  </a:t>
-            </a:r>
-            <a:r>
-              <a:rPr sz="1200" b="1" spc="-25" dirty="0">
-                <a:solidFill>
-                  <a:srgbClr val="FFFFFF"/>
-                </a:solidFill>
-                <a:latin typeface="Adobe Clean"/>
-                <a:cs typeface="Adobe Clean"/>
-              </a:rPr>
-              <a:t>Expertise</a:t>
-            </a:r>
-            <a:endParaRPr sz="1200" dirty="0">
-              <a:latin typeface="Adobe Clean"/>
-              <a:cs typeface="Adobe Clean"/>
-            </a:endParaRPr>
-          </a:p>
-        </p:txBody>
-      </p:sp>
-      <p:sp>
-        <p:nvSpPr>
-          <p:cNvPr id="85" name="object 64">
-            <a:extLst>
-              <a:ext uri="{FF2B5EF4-FFF2-40B4-BE49-F238E27FC236}">
-                <a16:creationId xmlns:a16="http://schemas.microsoft.com/office/drawing/2014/main" id="{3921F04C-B61B-A948-947F-C33BBFF39A32}"/>
-              </a:ext>
-            </a:extLst>
-          </p:cNvPr>
-          <p:cNvSpPr txBox="1"/>
-          <p:nvPr/>
-        </p:nvSpPr>
-        <p:spPr>
-          <a:xfrm>
-            <a:off x="4732495" y="8541244"/>
-            <a:ext cx="810895" cy="382797"/>
-          </a:xfrm>
-          <a:prstGeom prst="rect">
-            <a:avLst/>
-          </a:prstGeom>
-        </p:spPr>
-        <p:txBody>
-          <a:bodyPr vert="horz" wrap="square" lIns="0" tIns="23495" rIns="0" bIns="0" rtlCol="0">
-            <a:spAutoFit/>
-          </a:bodyPr>
-          <a:lstStyle/>
-          <a:p>
-            <a:pPr marL="139065" marR="5080" indent="-139065">
-              <a:lnSpc>
-                <a:spcPts val="1390"/>
-              </a:lnSpc>
-              <a:spcBef>
-                <a:spcPts val="185"/>
-              </a:spcBef>
-            </a:pPr>
-            <a:r>
-              <a:rPr lang="en-US" sz="1200" b="1" spc="-15" dirty="0">
-                <a:solidFill>
-                  <a:srgbClr val="FFFFFF"/>
-                </a:solidFill>
-                <a:latin typeface="Adobe Clean"/>
-                <a:cs typeface="Adobe Clean"/>
-              </a:rPr>
-              <a:t>Accelerated Support</a:t>
-            </a:r>
-            <a:endParaRPr sz="1200" dirty="0">
-              <a:latin typeface="Adobe Clean"/>
-              <a:cs typeface="Adobe Clean"/>
-            </a:endParaRPr>
           </a:p>
         </p:txBody>
       </p:sp>
@@ -12005,8 +10304,8 @@
         </p:nvSpPr>
         <p:spPr>
           <a:xfrm>
-            <a:off x="6624119" y="8543943"/>
-            <a:ext cx="510540" cy="385445"/>
+            <a:off x="6428106" y="8543943"/>
+            <a:ext cx="810894" cy="385445"/>
           </a:xfrm>
           <a:prstGeom prst="rect">
             <a:avLst/>
@@ -12018,7 +10317,7 @@
           </a:bodyPr>
           <a:lstStyle/>
           <a:p>
-            <a:pPr marL="50800" marR="5080" indent="-51435">
+            <a:pPr marL="50800" marR="5080" indent="-51435" algn="ctr">
               <a:lnSpc>
                 <a:spcPts val="1390"/>
               </a:lnSpc>
@@ -12027,109 +10326,15 @@
               </a:spcBef>
             </a:pPr>
             <a:r>
-              <a:rPr sz="1200" b="1" spc="-50" dirty="0">
+              <a:rPr lang="de-DE" sz="1200" b="1" dirty="0">
                 <a:solidFill>
                   <a:srgbClr val="FFFFFF"/>
                 </a:solidFill>
                 <a:latin typeface="Adobe Clean"/>
                 <a:cs typeface="Adobe Clean"/>
               </a:rPr>
-              <a:t>S</a:t>
+              <a:t>Strategische Beratung</a:t>
             </a:r>
-            <a:r>
-              <a:rPr sz="1200" b="1" spc="-20" dirty="0">
-                <a:solidFill>
-                  <a:srgbClr val="FFFFFF"/>
-                </a:solidFill>
-                <a:latin typeface="Adobe Clean"/>
-                <a:cs typeface="Adobe Clean"/>
-              </a:rPr>
-              <a:t>t</a:t>
-            </a:r>
-            <a:r>
-              <a:rPr sz="1200" b="1" spc="-75" dirty="0">
-                <a:solidFill>
-                  <a:srgbClr val="FFFFFF"/>
-                </a:solidFill>
-                <a:latin typeface="Adobe Clean"/>
-                <a:cs typeface="Adobe Clean"/>
-              </a:rPr>
-              <a:t>r</a:t>
-            </a:r>
-            <a:r>
-              <a:rPr sz="1200" b="1" spc="-90" dirty="0">
-                <a:solidFill>
-                  <a:srgbClr val="FFFFFF"/>
-                </a:solidFill>
-                <a:latin typeface="Adobe Clean"/>
-                <a:cs typeface="Adobe Clean"/>
-              </a:rPr>
-              <a:t>a</a:t>
-            </a:r>
-            <a:r>
-              <a:rPr sz="1200" b="1" spc="-55" dirty="0">
-                <a:solidFill>
-                  <a:srgbClr val="FFFFFF"/>
-                </a:solidFill>
-                <a:latin typeface="Adobe Clean"/>
-                <a:cs typeface="Adobe Clean"/>
-              </a:rPr>
-              <a:t>t</a:t>
-            </a:r>
-            <a:r>
-              <a:rPr sz="1200" b="1" spc="-100" dirty="0">
-                <a:solidFill>
-                  <a:srgbClr val="FFFFFF"/>
-                </a:solidFill>
-                <a:latin typeface="Adobe Clean"/>
-                <a:cs typeface="Adobe Clean"/>
-              </a:rPr>
-              <a:t>e</a:t>
-            </a:r>
-            <a:r>
-              <a:rPr sz="1200" b="1" spc="-80" dirty="0">
-                <a:solidFill>
-                  <a:srgbClr val="FFFFFF"/>
-                </a:solidFill>
-                <a:latin typeface="Adobe Clean"/>
-                <a:cs typeface="Adobe Clean"/>
-              </a:rPr>
-              <a:t>g</a:t>
-            </a:r>
-            <a:r>
-              <a:rPr sz="1200" b="1" spc="-35" dirty="0">
-                <a:solidFill>
-                  <a:srgbClr val="FFFFFF"/>
-                </a:solidFill>
-                <a:latin typeface="Adobe Clean"/>
-                <a:cs typeface="Adobe Clean"/>
-              </a:rPr>
-              <a:t>i</a:t>
-            </a:r>
-            <a:r>
-              <a:rPr sz="1200" b="1" dirty="0">
-                <a:solidFill>
-                  <a:srgbClr val="FFFFFF"/>
-                </a:solidFill>
-                <a:latin typeface="Adobe Clean"/>
-                <a:cs typeface="Adobe Clean"/>
-              </a:rPr>
-              <a:t>c  </a:t>
-            </a:r>
-            <a:r>
-              <a:rPr sz="1200" b="1" spc="-45" dirty="0">
-                <a:solidFill>
-                  <a:srgbClr val="FFFFFF"/>
-                </a:solidFill>
-                <a:latin typeface="Adobe Clean"/>
-                <a:cs typeface="Adobe Clean"/>
-              </a:rPr>
-              <a:t>Advice</a:t>
-            </a:r>
-            <a:endParaRPr sz="1200" dirty="0">
-              <a:latin typeface="Adobe Clean"/>
-              <a:cs typeface="Adobe Clean"/>
-            </a:endParaRPr>
           </a:p>
         </p:txBody>
       </p:sp>
@@ -12148,14 +10353,14 @@
           <p:nvPr>
             <p:extLst>
               <p:ext uri="{D42A27DB-BD31-4B8C-83A1-F6EECF244321}">
-                <p14:modId xmlns:p14="http://schemas.microsoft.com/office/powerpoint/2010/main" val="1366573891"/>
+                <p14:modId xmlns:p14="http://schemas.microsoft.com/office/powerpoint/2010/main" val="1820796609"/>
               </p:ext>
             </p:extLst>
           </p:nvPr>
         </p:nvGraphicFramePr>
         <p:xfrm>
           <a:off x="194236" y="1059345"/>
-          <a:ext cx="7368291" cy="3235960"/>
+          <a:ext cx="7368291" cy="3566160"/>
         </p:xfrm>
         <a:graphic>
           <a:graphicData uri="http://schemas.openxmlformats.org/drawingml/2006/table">
@@ -12186,7 +10391,7 @@
                     <a:lstStyle/>
                     <a:p>
                       <a:r>
-                        <a:rPr lang="en-US" sz="1100" b="0" dirty="0">
+                        <a:rPr lang="de-DE" sz="1100" b="0">
                           <a:solidFill>
                             <a:schemeClr val="tx1"/>
                           </a:solidFill>
@@ -12197,14 +10402,6 @@
                         </a:rPr>
                         <a:t>Experience League</a:t>
                       </a:r>
-                      <a:endParaRPr lang="en-US" sz="1100" b="0" dirty="0">
-                        <a:solidFill>
-                          <a:schemeClr val="tx1"/>
-                        </a:solidFill>
-                        <a:latin typeface="Adobe Clean" panose="020B0503020404020204" pitchFamily="34" charset="0"/>
-                        <a:ea typeface="+mn-ea"/>
-                        <a:cs typeface="+mn-cs"/>
-                      </a:endParaRPr>
                     </a:p>
                   </a:txBody>
                   <a:tcPr marL="47625" marR="47625" marT="0" marB="0" anchor="ctr">
@@ -12278,7 +10475,7 @@
                         <a:defRPr/>
                       </a:pPr>
                       <a:r>
-                        <a:rPr lang="en-US" sz="1000" b="0" kern="1200" dirty="0">
+                        <a:rPr lang="de-DE" sz="1000" b="0" dirty="0">
                           <a:solidFill>
                             <a:srgbClr val="000000"/>
                           </a:solidFill>
@@ -12286,7 +10483,28 @@
                           <a:ea typeface="+mn-ea"/>
                           <a:cs typeface="+mn-cs"/>
                         </a:rPr>
-                        <a:t>Experience League is how Adobe helps businesses achieve the value they expect from their Adobe investment. It’s the unified place where customers can learn, connect, and grow along a personalized path to success that includes self-help tutorials, product documentation, instructor-led training, community and technical support. </a:t>
+                        <a:t>Mit der Experience League unterstützt Adobe Unternehmen dabei, mit ihren Investitionen in Adobe optimale Ergebnisse zu erzielen. An diesem zentralen Ort können Kunden auf einem personalisierten Weg zum Erfolg lernen, Kontakte knüpfen </a:t>
+                      </a:r>
+                      <a:br>
+                        <a:rPr lang="de-DE" sz="1000" b="0" dirty="0">
+                          <a:solidFill>
+                            <a:srgbClr val="000000"/>
+                          </a:solidFill>
+                          <a:latin typeface="Adobe Clean Light" panose="020B0303020404020204" pitchFamily="34" charset="0"/>
+                          <a:ea typeface="+mn-ea"/>
+                          <a:cs typeface="+mn-cs"/>
+                        </a:rPr>
+                      </a:br>
+                      <a:r>
+                        <a:rPr lang="de-DE" sz="1000" b="0" dirty="0">
+                          <a:solidFill>
+                            <a:srgbClr val="000000"/>
+                          </a:solidFill>
+                          <a:latin typeface="Adobe Clean Light" panose="020B0303020404020204" pitchFamily="34" charset="0"/>
+                          <a:ea typeface="+mn-ea"/>
+                          <a:cs typeface="+mn-cs"/>
+                        </a:rPr>
+                        <a:t>und sich weiterentwickeln. Dafür nutzen sie Selbsthilfe-Tutorials, Produktdokumentation, von Kursleitern geführte Schulungen, Community und technischen Support. </a:t>
                       </a:r>
                     </a:p>
                   </a:txBody>
@@ -12368,11 +10586,10 @@
                         <a:defRPr/>
                       </a:pPr>
                       <a:r>
-                        <a:rPr lang="en-US" sz="1100" dirty="0">
+                        <a:rPr lang="de-DE" sz="1100">
                           <a:solidFill>
                             <a:schemeClr val="dk1"/>
                           </a:solidFill>
-                          <a:effectLst/>
                           <a:latin typeface="Adobe Clean" panose="020B0503020404020204" pitchFamily="34" charset="0"/>
                           <a:ea typeface="+mn-ea"/>
                           <a:cs typeface="+mn-cs"/>
@@ -12381,26 +10598,16 @@
                         <a:t>Training</a:t>
                       </a:r>
                       <a:r>
-                        <a:rPr lang="en-US" sz="1100" dirty="0">
+                        <a:rPr lang="de-DE" sz="1100">
                           <a:solidFill>
                             <a:schemeClr val="dk1"/>
                           </a:solidFill>
-                          <a:effectLst/>
                           <a:latin typeface="Adobe Clean" panose="020B0503020404020204" pitchFamily="34" charset="0"/>
                           <a:ea typeface="+mn-ea"/>
                           <a:cs typeface="+mn-cs"/>
                         </a:rPr>
                         <a:t> </a:t>
                       </a:r>
-                      <a:endParaRPr lang="en-US" sz="1100" dirty="0">
-                        <a:solidFill>
-                          <a:schemeClr val="tx1"/>
-                        </a:solidFill>
-                        <a:effectLst/>
-                        <a:latin typeface="Adobe Clean" panose="020B0503020404020204" pitchFamily="34" charset="0"/>
-                        <a:ea typeface="+mn-ea"/>
-                        <a:cs typeface="+mn-cs"/>
-                      </a:endParaRPr>
                     </a:p>
                   </a:txBody>
                   <a:tcPr anchor="ctr">
@@ -12474,7 +10681,7 @@
                         <a:defRPr/>
                       </a:pPr>
                       <a:r>
-                        <a:rPr lang="en-US" sz="1000" kern="1200" dirty="0">
+                        <a:rPr lang="de-DE" sz="1000">
                           <a:solidFill>
                             <a:srgbClr val="000000"/>
                           </a:solidFill>
@@ -12482,7 +10689,7 @@
                           <a:ea typeface="+mn-ea"/>
                           <a:cs typeface="+mn-cs"/>
                         </a:rPr>
-                        <a:t>Adobe Digital Learning Services courses are accessible from Experience League. Learning courses integrate both on-demand and instructor-led lessons.  Here you can accrue skills that have recognized market value and position them to drive success in your organizations.</a:t>
+                        <a:t>Adobe Digital Learning Services-Kurse sind über die Experience League verfügbar. Das Angebot umfasst sowohl On-Demand- als auch von Kursleiter geführte Schulungen.  Hier können Sie Kompetenzen erwerben, die auf dem Markt anerkannt sind und den Erfolg im Unternehmen vorantreiben.</a:t>
                       </a:r>
                     </a:p>
                   </a:txBody>
@@ -12564,27 +10771,17 @@
                         <a:defRPr/>
                       </a:pPr>
                       <a:r>
-                        <a:rPr lang="en-US" sz="1100" dirty="0">
+                        <a:rPr lang="de-DE" sz="1100">
                           <a:solidFill>
                             <a:schemeClr val="tx1"/>
                           </a:solidFill>
-                          <a:effectLst/>
                           <a:latin typeface="Adobe Clean" panose="020B0503020404020204" pitchFamily="34" charset="0"/>
                           <a:ea typeface="+mn-ea"/>
                           <a:cs typeface="+mn-cs"/>
                           <a:hlinkClick r:id="rId9"/>
                         </a:rPr>
-                        <a:t>Production Issues &amp; System Outages</a:t>
+                        <a:t>Produktionsprobleme und Systemausfälle</a:t>
                       </a:r>
-                      <a:endParaRPr lang="en-US" sz="1100" dirty="0">
-                        <a:solidFill>
-                          <a:schemeClr val="tx1"/>
-                        </a:solidFill>
-                        <a:effectLst/>
-                        <a:latin typeface="Adobe Clean" panose="020B0503020404020204" pitchFamily="34" charset="0"/>
-                        <a:ea typeface="+mn-ea"/>
-                        <a:cs typeface="+mn-cs"/>
-                      </a:endParaRPr>
                     </a:p>
                   </a:txBody>
                   <a:tcPr anchor="ctr">
@@ -12658,7 +10855,7 @@
                         <a:defRPr/>
                       </a:pPr>
                       <a:r>
-                        <a:rPr lang="en-US" sz="1000" kern="1200" dirty="0">
+                        <a:rPr lang="de-DE" sz="1000">
                           <a:solidFill>
                             <a:srgbClr val="000000"/>
                           </a:solidFill>
@@ -12666,7 +10863,7 @@
                           <a:ea typeface="+mn-ea"/>
                           <a:cs typeface="+mn-cs"/>
                         </a:rPr>
-                        <a:t>Status.adobe.com conveys the health information of all Adobe products and services that are deployed in multi-tenant environments. Customers can choose their subscription preferences to get email notifications whenever Adobe creates, updates or resolves a product event. This can include scheduled maintenance or service issues of varying levels of severity. </a:t>
+                        <a:t>Status.adobe.com übermittelt die Statusinformationen sämtlicher Adobe-Produkte und -Services, die in Umgebungen mit mehreren Mandanten implementiert sind. Kunden können Voreinstellungen für ihr Abonnement auswählen und E-Mail-Benachrichtigungen erhalten, wenn Adobe ein Produktereignis erstellt, aktualisiert oder löst. Dies kann geplante Wartungen oder Service-Probleme unterschiedlichen Schweregrads umfassen. </a:t>
                       </a:r>
                     </a:p>
                   </a:txBody>
@@ -12748,27 +10945,17 @@
                         <a:defRPr/>
                       </a:pPr>
                       <a:r>
-                        <a:rPr lang="en-US" sz="1100" dirty="0">
+                        <a:rPr lang="de-DE" sz="1100">
                           <a:solidFill>
                             <a:schemeClr val="tx1"/>
                           </a:solidFill>
-                          <a:effectLst/>
                           <a:latin typeface="Adobe Clean" panose="020B0503020404020204" pitchFamily="34" charset="0"/>
                           <a:ea typeface="+mn-ea"/>
                           <a:cs typeface="+mn-cs"/>
                           <a:hlinkClick r:id="rId10"/>
                         </a:rPr>
-                        <a:t>Terms and Conditions</a:t>
+                        <a:t>Geschäftsbedingungen</a:t>
                       </a:r>
-                      <a:endParaRPr lang="en-US" sz="1100" dirty="0">
-                        <a:solidFill>
-                          <a:schemeClr val="tx1"/>
-                        </a:solidFill>
-                        <a:effectLst/>
-                        <a:latin typeface="Adobe Clean" panose="020B0503020404020204" pitchFamily="34" charset="0"/>
-                        <a:ea typeface="+mn-ea"/>
-                        <a:cs typeface="+mn-cs"/>
-                      </a:endParaRPr>
                     </a:p>
                   </a:txBody>
                   <a:tcPr anchor="ctr">
@@ -12825,7 +11012,7 @@
                     <a:lstStyle/>
                     <a:p>
                       <a:r>
-                        <a:rPr lang="en-US" sz="1000" kern="1200" dirty="0">
+                        <a:rPr lang="de-DE" sz="1000" dirty="0">
                           <a:solidFill>
                             <a:srgbClr val="000000"/>
                           </a:solidFill>
@@ -12833,7 +11020,7 @@
                           <a:ea typeface="+mn-ea"/>
                           <a:cs typeface="+mn-cs"/>
                         </a:rPr>
-                        <a:t>Terms and conditions detailing Support Services offerings.</a:t>
+                        <a:t>Allgemeine Geschäftsbedingungen mit detaillierten Informationen zu den angebotenen Support-Services.</a:t>
                       </a:r>
                     </a:p>
                   </a:txBody>
@@ -13012,6 +11199,54 @@
           </a:prstGeom>
         </p:spPr>
       </p:pic>
+      <p:sp>
+        <p:nvSpPr>
+          <p:cNvPr id="21" name="object 64">
+            <a:extLst>
+              <a:ext uri="{FF2B5EF4-FFF2-40B4-BE49-F238E27FC236}">
+                <a16:creationId xmlns:a16="http://schemas.microsoft.com/office/drawing/2014/main" id="{70B40FB8-69F0-4EA0-B679-7D6A76170974}"/>
+              </a:ext>
+            </a:extLst>
+          </p:cNvPr>
+          <p:cNvSpPr txBox="1"/>
+          <p:nvPr/>
+        </p:nvSpPr>
+        <p:spPr>
+          <a:xfrm>
+            <a:off x="4599305" y="8532603"/>
+            <a:ext cx="810895" cy="382797"/>
+          </a:xfrm>
+          <a:prstGeom prst="rect">
+            <a:avLst/>
+          </a:prstGeom>
+        </p:spPr>
+        <p:txBody>
+          <a:bodyPr vert="horz" wrap="square" lIns="0" tIns="23495" rIns="0" bIns="0" rtlCol="0">
+            <a:spAutoFit/>
+          </a:bodyPr>
+          <a:lstStyle/>
+          <a:p>
+            <a:pPr marL="139065" marR="5080" indent="-139065" algn="ctr">
+              <a:lnSpc>
+                <a:spcPts val="1390"/>
+              </a:lnSpc>
+              <a:spcBef>
+                <a:spcPts val="185"/>
+              </a:spcBef>
+            </a:pPr>
+            <a:r>
+              <a:rPr lang="de-DE" sz="1200" b="1" dirty="0">
+                <a:solidFill>
+                  <a:srgbClr val="FFFFFF"/>
+                </a:solidFill>
+                <a:latin typeface="Adobe Clean"/>
+                <a:cs typeface="Adobe Clean"/>
+              </a:rPr>
+              <a:t>	Schneller Support</a:t>
+            </a:r>
+          </a:p>
+        </p:txBody>
+      </p:sp>
     </p:spTree>
     <p:extLst>
       <p:ext uri="{BB962C8B-B14F-4D97-AF65-F5344CB8AC3E}">
@@ -13604,9 +11839,12 @@
 </file>
 
 <file path=customXml/item1.xml><?xml version="1.0" encoding="utf-8"?>
-<p:properties xmlns:p="http://schemas.microsoft.com/office/2006/metadata/properties" xmlns:xsi="http://www.w3.org/2001/XMLSchema-instance" xmlns:pc="http://schemas.microsoft.com/office/infopath/2007/PartnerControls">
-  <documentManagement/>
-</p:properties>
+<?mso-contentType ?>
+<FormTemplates xmlns="http://schemas.microsoft.com/sharepoint/v3/contenttype/forms">
+  <Display>DocumentLibraryForm</Display>
+  <Edit>DocumentLibraryForm</Edit>
+  <New>DocumentLibraryForm</New>
+</FormTemplates>
 </file>
 
 <file path=customXml/item2.xml><?xml version="1.0" encoding="utf-8"?>
@@ -13815,27 +12053,15 @@
 </file>
 
 <file path=customXml/item3.xml><?xml version="1.0" encoding="utf-8"?>
-<?mso-contentType ?>
-<FormTemplates xmlns="http://schemas.microsoft.com/sharepoint/v3/contenttype/forms">
-  <Display>DocumentLibraryForm</Display>
-  <Edit>DocumentLibraryForm</Edit>
-  <New>DocumentLibraryForm</New>
-</FormTemplates>
+<p:properties xmlns:p="http://schemas.microsoft.com/office/2006/metadata/properties" xmlns:xsi="http://www.w3.org/2001/XMLSchema-instance" xmlns:pc="http://schemas.microsoft.com/office/infopath/2007/PartnerControls">
+  <documentManagement/>
+</p:properties>
 </file>
 
 <file path=customXml/itemProps1.xml><?xml version="1.0" encoding="utf-8"?>
-<ds:datastoreItem xmlns:ds="http://schemas.openxmlformats.org/officeDocument/2006/customXml" ds:itemID="{8D12BD98-169B-4BEE-86DF-4C9641DF23C4}">
+<ds:datastoreItem xmlns:ds="http://schemas.openxmlformats.org/officeDocument/2006/customXml" ds:itemID="{AC92E7FA-19A2-4675-9C77-2C92D8A268D1}">
   <ds:schemaRefs>
-    <ds:schemaRef ds:uri="http://schemas.microsoft.com/office/2006/documentManagement/types"/>
-    <ds:schemaRef ds:uri="http://purl.org/dc/dcmitype/"/>
-    <ds:schemaRef ds:uri="http://schemas.openxmlformats.org/package/2006/metadata/core-properties"/>
-    <ds:schemaRef ds:uri="http://schemas.microsoft.com/office/infopath/2007/PartnerControls"/>
-    <ds:schemaRef ds:uri="http://www.w3.org/XML/1998/namespace"/>
-    <ds:schemaRef ds:uri="http://schemas.microsoft.com/office/2006/metadata/properties"/>
-    <ds:schemaRef ds:uri="8a053bff-88be-49e4-9a87-e748e18b8b62"/>
-    <ds:schemaRef ds:uri="6c8368ec-3776-49b5-a5bb-90648cf9530f"/>
-    <ds:schemaRef ds:uri="http://purl.org/dc/terms/"/>
-    <ds:schemaRef ds:uri="http://purl.org/dc/elements/1.1/"/>
+    <ds:schemaRef ds:uri="http://schemas.microsoft.com/sharepoint/v3/contenttype/forms"/>
   </ds:schemaRefs>
 </ds:datastoreItem>
 </file>
@@ -13860,9 +12086,18 @@
 </file>
 
 <file path=customXml/itemProps3.xml><?xml version="1.0" encoding="utf-8"?>
-<ds:datastoreItem xmlns:ds="http://schemas.openxmlformats.org/officeDocument/2006/customXml" ds:itemID="{AC92E7FA-19A2-4675-9C77-2C92D8A268D1}">
+<ds:datastoreItem xmlns:ds="http://schemas.openxmlformats.org/officeDocument/2006/customXml" ds:itemID="{8D12BD98-169B-4BEE-86DF-4C9641DF23C4}">
   <ds:schemaRefs>
-    <ds:schemaRef ds:uri="http://schemas.microsoft.com/sharepoint/v3/contenttype/forms"/>
+    <ds:schemaRef ds:uri="http://schemas.microsoft.com/office/2006/documentManagement/types"/>
+    <ds:schemaRef ds:uri="http://purl.org/dc/dcmitype/"/>
+    <ds:schemaRef ds:uri="http://schemas.openxmlformats.org/package/2006/metadata/core-properties"/>
+    <ds:schemaRef ds:uri="http://schemas.microsoft.com/office/infopath/2007/PartnerControls"/>
+    <ds:schemaRef ds:uri="http://www.w3.org/XML/1998/namespace"/>
+    <ds:schemaRef ds:uri="http://schemas.microsoft.com/office/2006/metadata/properties"/>
+    <ds:schemaRef ds:uri="8a053bff-88be-49e4-9a87-e748e18b8b62"/>
+    <ds:schemaRef ds:uri="6c8368ec-3776-49b5-a5bb-90648cf9530f"/>
+    <ds:schemaRef ds:uri="http://purl.org/dc/terms/"/>
+    <ds:schemaRef ds:uri="http://purl.org/dc/elements/1.1/"/>
   </ds:schemaRefs>
 </ds:datastoreItem>
 </file>